--- a/eightfold.pptx
+++ b/eightfold.pptx
@@ -5,7 +5,7 @@
     <p:sldMasterId id="2147483696" r:id="rId1"/>
   </p:sldMasterIdLst>
   <p:notesMasterIdLst>
-    <p:notesMasterId r:id="rId20"/>
+    <p:notesMasterId r:id="rId33"/>
   </p:notesMasterIdLst>
   <p:sldIdLst>
     <p:sldId id="256" r:id="rId2"/>
@@ -26,6 +26,19 @@
     <p:sldId id="276" r:id="rId17"/>
     <p:sldId id="288" r:id="rId18"/>
     <p:sldId id="270" r:id="rId19"/>
+    <p:sldId id="289" r:id="rId20"/>
+    <p:sldId id="290" r:id="rId21"/>
+    <p:sldId id="291" r:id="rId22"/>
+    <p:sldId id="292" r:id="rId23"/>
+    <p:sldId id="293" r:id="rId24"/>
+    <p:sldId id="295" r:id="rId25"/>
+    <p:sldId id="296" r:id="rId26"/>
+    <p:sldId id="297" r:id="rId27"/>
+    <p:sldId id="298" r:id="rId28"/>
+    <p:sldId id="300" r:id="rId29"/>
+    <p:sldId id="301" r:id="rId30"/>
+    <p:sldId id="302" r:id="rId31"/>
+    <p:sldId id="304" r:id="rId32"/>
   </p:sldIdLst>
   <p:sldSz cx="12192000" cy="6858000"/>
   <p:notesSz cx="6858000" cy="9144000"/>
@@ -25970,7 +25983,7 @@
           <a:p>
             <a:fld id="{02E5582B-064D-4108-A327-8307327C98E1}" type="datetimeFigureOut">
               <a:rPr lang="en-US" smtClean="0"/>
-              <a:t>5/31/2021</a:t>
+              <a:t>6/8/2021</a:t>
             </a:fld>
             <a:endParaRPr lang="en-US"/>
           </a:p>
@@ -26982,7 +26995,7 @@
           <a:p>
             <a:fld id="{817B434D-1914-42A9-853E-732865572BF1}" type="datetimeFigureOut">
               <a:rPr lang="en-US" smtClean="0"/>
-              <a:t>5/31/2021</a:t>
+              <a:t>6/8/2021</a:t>
             </a:fld>
             <a:endParaRPr lang="en-US"/>
           </a:p>
@@ -27276,7 +27289,7 @@
           <a:p>
             <a:fld id="{817B434D-1914-42A9-853E-732865572BF1}" type="datetimeFigureOut">
               <a:rPr lang="en-US" smtClean="0"/>
-              <a:t>5/31/2021</a:t>
+              <a:t>6/8/2021</a:t>
             </a:fld>
             <a:endParaRPr lang="en-US"/>
           </a:p>
@@ -27446,7 +27459,7 @@
           <a:p>
             <a:fld id="{817B434D-1914-42A9-853E-732865572BF1}" type="datetimeFigureOut">
               <a:rPr lang="en-US" smtClean="0"/>
-              <a:t>5/31/2021</a:t>
+              <a:t>6/8/2021</a:t>
             </a:fld>
             <a:endParaRPr lang="en-US"/>
           </a:p>
@@ -27835,7 +27848,7 @@
           <a:p>
             <a:fld id="{817B434D-1914-42A9-853E-732865572BF1}" type="datetimeFigureOut">
               <a:rPr lang="en-US" smtClean="0"/>
-              <a:t>5/31/2021</a:t>
+              <a:t>6/8/2021</a:t>
             </a:fld>
             <a:endParaRPr lang="en-US"/>
           </a:p>
@@ -28110,7 +28123,7 @@
           <a:p>
             <a:fld id="{817B434D-1914-42A9-853E-732865572BF1}" type="datetimeFigureOut">
               <a:rPr lang="en-US" smtClean="0"/>
-              <a:t>5/31/2021</a:t>
+              <a:t>6/8/2021</a:t>
             </a:fld>
             <a:endParaRPr lang="en-US"/>
           </a:p>
@@ -28489,7 +28502,7 @@
           <a:p>
             <a:fld id="{817B434D-1914-42A9-853E-732865572BF1}" type="datetimeFigureOut">
               <a:rPr lang="en-US" smtClean="0"/>
-              <a:t>5/31/2021</a:t>
+              <a:t>6/8/2021</a:t>
             </a:fld>
             <a:endParaRPr lang="en-US"/>
           </a:p>
@@ -28607,7 +28620,7 @@
           <a:p>
             <a:fld id="{817B434D-1914-42A9-853E-732865572BF1}" type="datetimeFigureOut">
               <a:rPr lang="en-US" smtClean="0"/>
-              <a:t>5/31/2021</a:t>
+              <a:t>6/8/2021</a:t>
             </a:fld>
             <a:endParaRPr lang="en-US"/>
           </a:p>
@@ -28999,7 +29012,7 @@
           <a:p>
             <a:fld id="{817B434D-1914-42A9-853E-732865572BF1}" type="datetimeFigureOut">
               <a:rPr lang="en-US" smtClean="0"/>
-              <a:t>5/31/2021</a:t>
+              <a:t>6/8/2021</a:t>
             </a:fld>
             <a:endParaRPr lang="en-US"/>
           </a:p>
@@ -29376,7 +29389,7 @@
           <a:p>
             <a:fld id="{817B434D-1914-42A9-853E-732865572BF1}" type="datetimeFigureOut">
               <a:rPr lang="en-US" smtClean="0"/>
-              <a:t>5/31/2021</a:t>
+              <a:t>6/8/2021</a:t>
             </a:fld>
             <a:endParaRPr lang="en-US"/>
           </a:p>
@@ -29546,7 +29559,7 @@
           <a:p>
             <a:fld id="{817B434D-1914-42A9-853E-732865572BF1}" type="datetimeFigureOut">
               <a:rPr lang="en-US" smtClean="0"/>
-              <a:t>5/31/2021</a:t>
+              <a:t>6/8/2021</a:t>
             </a:fld>
             <a:endParaRPr lang="en-US"/>
           </a:p>
@@ -29833,7 +29846,7 @@
           <a:p>
             <a:fld id="{817B434D-1914-42A9-853E-732865572BF1}" type="datetimeFigureOut">
               <a:rPr lang="en-US" smtClean="0"/>
-              <a:t>5/31/2021</a:t>
+              <a:t>6/8/2021</a:t>
             </a:fld>
             <a:endParaRPr lang="en-US"/>
           </a:p>
@@ -34066,6 +34079,120 @@
 </p:sld>
 </file>
 
+<file path=ppt/slides/slide19.xml><?xml version="1.0" encoding="utf-8"?>
+<p:sld xmlns:a="http://schemas.openxmlformats.org/drawingml/2006/main" xmlns:r="http://schemas.openxmlformats.org/officeDocument/2006/relationships" xmlns:p="http://schemas.openxmlformats.org/presentationml/2006/main">
+  <p:cSld>
+    <p:spTree>
+      <p:nvGrpSpPr>
+        <p:cNvPr id="1" name=""/>
+        <p:cNvGrpSpPr/>
+        <p:nvPr/>
+      </p:nvGrpSpPr>
+      <p:grpSpPr>
+        <a:xfrm>
+          <a:off x="0" y="0"/>
+          <a:ext cx="0" cy="0"/>
+          <a:chOff x="0" y="0"/>
+          <a:chExt cx="0" cy="0"/>
+        </a:xfrm>
+      </p:grpSpPr>
+      <p:sp>
+        <p:nvSpPr>
+          <p:cNvPr id="2" name="Title 1">
+            <a:extLst>
+              <a:ext uri="{FF2B5EF4-FFF2-40B4-BE49-F238E27FC236}">
+                <a16:creationId xmlns:a16="http://schemas.microsoft.com/office/drawing/2014/main" id="{9DAFD14F-6F1F-447E-8C69-3FDC987B9BE6}"/>
+              </a:ext>
+            </a:extLst>
+          </p:cNvPr>
+          <p:cNvSpPr>
+            <a:spLocks noGrp="1"/>
+          </p:cNvSpPr>
+          <p:nvPr>
+            <p:ph type="title"/>
+          </p:nvPr>
+        </p:nvSpPr>
+        <p:spPr/>
+        <p:txBody>
+          <a:bodyPr/>
+          <a:lstStyle/>
+          <a:p>
+            <a:r>
+              <a:rPr lang="en-US" dirty="0"/>
+              <a:t>Coding Challenge</a:t>
+            </a:r>
+          </a:p>
+        </p:txBody>
+      </p:sp>
+      <p:sp>
+        <p:nvSpPr>
+          <p:cNvPr id="3" name="Content Placeholder 2">
+            <a:extLst>
+              <a:ext uri="{FF2B5EF4-FFF2-40B4-BE49-F238E27FC236}">
+                <a16:creationId xmlns:a16="http://schemas.microsoft.com/office/drawing/2014/main" id="{C2D76445-74CB-443E-BF98-A39BFBEBC7FB}"/>
+              </a:ext>
+            </a:extLst>
+          </p:cNvPr>
+          <p:cNvSpPr>
+            <a:spLocks noGrp="1"/>
+          </p:cNvSpPr>
+          <p:nvPr>
+            <p:ph idx="1"/>
+          </p:nvPr>
+        </p:nvSpPr>
+        <p:spPr/>
+        <p:txBody>
+          <a:bodyPr/>
+          <a:lstStyle/>
+          <a:p>
+            <a:pPr algn="l"/>
+            <a:r>
+              <a:rPr lang="en-US" sz="1800" b="0" i="0" u="none" strike="noStrike" baseline="0" dirty="0">
+                <a:latin typeface="ArialMT"/>
+              </a:rPr>
+              <a:t>Given a list of experiences (and their respective start and end dates)</a:t>
+            </a:r>
+          </a:p>
+          <a:p>
+            <a:pPr algn="l">
+              <a:buFont typeface="Wingdings" panose="05000000000000000000" pitchFamily="2" charset="2"/>
+              <a:buChar char="q"/>
+            </a:pPr>
+            <a:r>
+              <a:rPr lang="en-US" sz="1800" b="0" i="0" u="none" strike="noStrike" baseline="0" dirty="0">
+                <a:latin typeface="ArialMT"/>
+              </a:rPr>
+              <a:t> Find the total work experience (accounting for overlaps/gaps)</a:t>
+            </a:r>
+          </a:p>
+          <a:p>
+            <a:pPr algn="l">
+              <a:buFont typeface="Wingdings" panose="05000000000000000000" pitchFamily="2" charset="2"/>
+              <a:buChar char="q"/>
+            </a:pPr>
+            <a:r>
+              <a:rPr lang="en-US" sz="1800" b="0" i="0" u="none" strike="noStrike" baseline="0" dirty="0">
+                <a:latin typeface="ArialMT"/>
+              </a:rPr>
+              <a:t> Identify profiles that have gaps</a:t>
+            </a:r>
+            <a:endParaRPr lang="en-US" dirty="0"/>
+          </a:p>
+        </p:txBody>
+      </p:sp>
+    </p:spTree>
+    <p:extLst>
+      <p:ext uri="{BB962C8B-B14F-4D97-AF65-F5344CB8AC3E}">
+        <p14:creationId xmlns:p14="http://schemas.microsoft.com/office/powerpoint/2010/main" val="2880551406"/>
+      </p:ext>
+    </p:extLst>
+  </p:cSld>
+  <p:clrMapOvr>
+    <a:masterClrMapping/>
+  </p:clrMapOvr>
+</p:sld>
+</file>
+
 <file path=ppt/slides/slide2.xml><?xml version="1.0" encoding="utf-8"?>
 <p:sld xmlns:a="http://schemas.openxmlformats.org/drawingml/2006/main" xmlns:r="http://schemas.openxmlformats.org/officeDocument/2006/relationships" xmlns:p="http://schemas.openxmlformats.org/presentationml/2006/main">
   <p:cSld>
@@ -34216,6 +34343,5198 @@
     <p:extLst>
       <p:ext uri="{BB962C8B-B14F-4D97-AF65-F5344CB8AC3E}">
         <p14:creationId xmlns:p14="http://schemas.microsoft.com/office/powerpoint/2010/main" val="918564348"/>
+      </p:ext>
+    </p:extLst>
+  </p:cSld>
+  <p:clrMapOvr>
+    <a:masterClrMapping/>
+  </p:clrMapOvr>
+</p:sld>
+</file>
+
+<file path=ppt/slides/slide20.xml><?xml version="1.0" encoding="utf-8"?>
+<p:sld xmlns:a="http://schemas.openxmlformats.org/drawingml/2006/main" xmlns:r="http://schemas.openxmlformats.org/officeDocument/2006/relationships" xmlns:p="http://schemas.openxmlformats.org/presentationml/2006/main">
+  <p:cSld>
+    <p:spTree>
+      <p:nvGrpSpPr>
+        <p:cNvPr id="1" name=""/>
+        <p:cNvGrpSpPr/>
+        <p:nvPr/>
+      </p:nvGrpSpPr>
+      <p:grpSpPr>
+        <a:xfrm>
+          <a:off x="0" y="0"/>
+          <a:ext cx="0" cy="0"/>
+          <a:chOff x="0" y="0"/>
+          <a:chExt cx="0" cy="0"/>
+        </a:xfrm>
+      </p:grpSpPr>
+      <p:sp>
+        <p:nvSpPr>
+          <p:cNvPr id="2" name="Title 1">
+            <a:extLst>
+              <a:ext uri="{FF2B5EF4-FFF2-40B4-BE49-F238E27FC236}">
+                <a16:creationId xmlns:a16="http://schemas.microsoft.com/office/drawing/2014/main" id="{1E68FD11-39A1-46AA-B50B-B5FDFDFF448E}"/>
+              </a:ext>
+            </a:extLst>
+          </p:cNvPr>
+          <p:cNvSpPr>
+            <a:spLocks noGrp="1"/>
+          </p:cNvSpPr>
+          <p:nvPr>
+            <p:ph type="title"/>
+          </p:nvPr>
+        </p:nvSpPr>
+        <p:spPr/>
+        <p:txBody>
+          <a:bodyPr/>
+          <a:lstStyle/>
+          <a:p>
+            <a:r>
+              <a:rPr lang="en-US" dirty="0"/>
+              <a:t>Algo 1</a:t>
+            </a:r>
+          </a:p>
+        </p:txBody>
+      </p:sp>
+      <p:sp>
+        <p:nvSpPr>
+          <p:cNvPr id="3" name="Content Placeholder 2">
+            <a:extLst>
+              <a:ext uri="{FF2B5EF4-FFF2-40B4-BE49-F238E27FC236}">
+                <a16:creationId xmlns:a16="http://schemas.microsoft.com/office/drawing/2014/main" id="{3FC5B49E-73D6-49D9-BE1F-DACF6B5CCB2C}"/>
+              </a:ext>
+            </a:extLst>
+          </p:cNvPr>
+          <p:cNvSpPr>
+            <a:spLocks noGrp="1"/>
+          </p:cNvSpPr>
+          <p:nvPr>
+            <p:ph idx="1"/>
+          </p:nvPr>
+        </p:nvSpPr>
+        <p:spPr/>
+        <p:txBody>
+          <a:bodyPr/>
+          <a:lstStyle/>
+          <a:p>
+            <a:pPr>
+              <a:buFont typeface="Wingdings" panose="05000000000000000000" pitchFamily="2" charset="2"/>
+              <a:buChar char="q"/>
+            </a:pPr>
+            <a:r>
+              <a:rPr lang="en-US" dirty="0"/>
+              <a:t> [2019-May, 2019 September],[2020-Jan, 2020- Mar],[2020-Jan, 2020-April]</a:t>
+            </a:r>
+          </a:p>
+          <a:p>
+            <a:pPr>
+              <a:buFont typeface="Wingdings" panose="05000000000000000000" pitchFamily="2" charset="2"/>
+              <a:buChar char="q"/>
+            </a:pPr>
+            <a:r>
+              <a:rPr lang="en-US" dirty="0"/>
+              <a:t> [2019-May, 2019-June, 2019-July, 2019-Aug, 2019-September]+[2020-Jan, 2020-Feb, 2020-Mar]+ [2020-Jan, 2020-Feb, 2020-Mar, 2020-April]</a:t>
+            </a:r>
+          </a:p>
+          <a:p>
+            <a:pPr>
+              <a:buFont typeface="Wingdings" panose="05000000000000000000" pitchFamily="2" charset="2"/>
+              <a:buChar char="q"/>
+            </a:pPr>
+            <a:r>
+              <a:rPr lang="en-US" dirty="0"/>
+              <a:t> Use of Set =&gt; [2019-May, 2019-June, 2019-July, 2019-Aug, 2019-September, 2020-Jan, 2020-Feb, 2020-Mar, 2020-April]</a:t>
+            </a:r>
+          </a:p>
+          <a:p>
+            <a:pPr>
+              <a:buFont typeface="Wingdings" panose="05000000000000000000" pitchFamily="2" charset="2"/>
+              <a:buChar char="q"/>
+            </a:pPr>
+            <a:r>
+              <a:rPr lang="en-US" dirty="0"/>
+              <a:t> Length of the above set gives us the total Experience</a:t>
+            </a:r>
+          </a:p>
+          <a:p>
+            <a:pPr>
+              <a:buFont typeface="Wingdings" panose="05000000000000000000" pitchFamily="2" charset="2"/>
+              <a:buChar char="q"/>
+            </a:pPr>
+            <a:r>
+              <a:rPr lang="en-US" dirty="0"/>
+              <a:t> (</a:t>
+            </a:r>
+            <a:r>
+              <a:rPr lang="en-US" dirty="0" err="1"/>
+              <a:t>Start_date</a:t>
+            </a:r>
+            <a:r>
+              <a:rPr lang="en-US" dirty="0"/>
+              <a:t> to </a:t>
+            </a:r>
+            <a:r>
+              <a:rPr lang="en-US" dirty="0" err="1"/>
+              <a:t>present_date</a:t>
+            </a:r>
+            <a:r>
+              <a:rPr lang="en-US" dirty="0"/>
+              <a:t> in months) – (Length of the set ) gives us Gap</a:t>
+            </a:r>
+          </a:p>
+          <a:p>
+            <a:pPr>
+              <a:buFont typeface="Wingdings" panose="05000000000000000000" pitchFamily="2" charset="2"/>
+              <a:buChar char="q"/>
+            </a:pPr>
+            <a:r>
+              <a:rPr lang="en-US" dirty="0"/>
+              <a:t> Time Taken 253 Seconds for whole dataset</a:t>
+            </a:r>
+          </a:p>
+        </p:txBody>
+      </p:sp>
+    </p:spTree>
+    <p:extLst>
+      <p:ext uri="{BB962C8B-B14F-4D97-AF65-F5344CB8AC3E}">
+        <p14:creationId xmlns:p14="http://schemas.microsoft.com/office/powerpoint/2010/main" val="3758662760"/>
+      </p:ext>
+    </p:extLst>
+  </p:cSld>
+  <p:clrMapOvr>
+    <a:masterClrMapping/>
+  </p:clrMapOvr>
+</p:sld>
+</file>
+
+<file path=ppt/slides/slide21.xml><?xml version="1.0" encoding="utf-8"?>
+<p:sld xmlns:a="http://schemas.openxmlformats.org/drawingml/2006/main" xmlns:r="http://schemas.openxmlformats.org/officeDocument/2006/relationships" xmlns:p="http://schemas.openxmlformats.org/presentationml/2006/main">
+  <p:cSld>
+    <p:spTree>
+      <p:nvGrpSpPr>
+        <p:cNvPr id="1" name=""/>
+        <p:cNvGrpSpPr/>
+        <p:nvPr/>
+      </p:nvGrpSpPr>
+      <p:grpSpPr>
+        <a:xfrm>
+          <a:off x="0" y="0"/>
+          <a:ext cx="0" cy="0"/>
+          <a:chOff x="0" y="0"/>
+          <a:chExt cx="0" cy="0"/>
+        </a:xfrm>
+      </p:grpSpPr>
+      <p:sp>
+        <p:nvSpPr>
+          <p:cNvPr id="2" name="Title 1">
+            <a:extLst>
+              <a:ext uri="{FF2B5EF4-FFF2-40B4-BE49-F238E27FC236}">
+                <a16:creationId xmlns:a16="http://schemas.microsoft.com/office/drawing/2014/main" id="{FD2F58F9-A864-46E6-AD91-4DD0EC392A7B}"/>
+              </a:ext>
+            </a:extLst>
+          </p:cNvPr>
+          <p:cNvSpPr>
+            <a:spLocks noGrp="1"/>
+          </p:cNvSpPr>
+          <p:nvPr>
+            <p:ph type="title"/>
+          </p:nvPr>
+        </p:nvSpPr>
+        <p:spPr/>
+        <p:txBody>
+          <a:bodyPr/>
+          <a:lstStyle/>
+          <a:p>
+            <a:r>
+              <a:rPr lang="en-US" dirty="0"/>
+              <a:t>Algo 2</a:t>
+            </a:r>
+          </a:p>
+        </p:txBody>
+      </p:sp>
+      <p:sp>
+        <p:nvSpPr>
+          <p:cNvPr id="3" name="Content Placeholder 2">
+            <a:extLst>
+              <a:ext uri="{FF2B5EF4-FFF2-40B4-BE49-F238E27FC236}">
+                <a16:creationId xmlns:a16="http://schemas.microsoft.com/office/drawing/2014/main" id="{5DB13537-2ECD-46E8-9E29-81586242B973}"/>
+              </a:ext>
+            </a:extLst>
+          </p:cNvPr>
+          <p:cNvSpPr>
+            <a:spLocks noGrp="1"/>
+          </p:cNvSpPr>
+          <p:nvPr>
+            <p:ph idx="1"/>
+          </p:nvPr>
+        </p:nvSpPr>
+        <p:spPr>
+          <a:xfrm>
+            <a:off x="1097280" y="1916073"/>
+            <a:ext cx="3748035" cy="4023360"/>
+          </a:xfrm>
+        </p:spPr>
+        <p:txBody>
+          <a:bodyPr/>
+          <a:lstStyle/>
+          <a:p>
+            <a:pPr>
+              <a:buFont typeface="Wingdings" panose="05000000000000000000" pitchFamily="2" charset="2"/>
+              <a:buChar char="q"/>
+            </a:pPr>
+            <a:r>
+              <a:rPr lang="en-US" dirty="0"/>
+              <a:t> [1990-01-01, 1991-01-01]</a:t>
+            </a:r>
+          </a:p>
+          <a:p>
+            <a:pPr>
+              <a:buFont typeface="Wingdings" panose="05000000000000000000" pitchFamily="2" charset="2"/>
+              <a:buChar char="q"/>
+            </a:pPr>
+            <a:r>
+              <a:rPr lang="en-US" dirty="0"/>
+              <a:t> [1991-08-01, 1997-05-01]</a:t>
+            </a:r>
+          </a:p>
+          <a:p>
+            <a:pPr marL="0" indent="0">
+              <a:buNone/>
+            </a:pPr>
+            <a:endParaRPr lang="en-US" dirty="0"/>
+          </a:p>
+          <a:p>
+            <a:pPr>
+              <a:buFont typeface="Wingdings" panose="05000000000000000000" pitchFamily="2" charset="2"/>
+              <a:buChar char="q"/>
+            </a:pPr>
+            <a:endParaRPr lang="en-US" dirty="0"/>
+          </a:p>
+          <a:p>
+            <a:pPr>
+              <a:buFont typeface="Wingdings" panose="05000000000000000000" pitchFamily="2" charset="2"/>
+              <a:buChar char="q"/>
+            </a:pPr>
+            <a:endParaRPr lang="en-US" dirty="0"/>
+          </a:p>
+        </p:txBody>
+      </p:sp>
+      <p:pic>
+        <p:nvPicPr>
+          <p:cNvPr id="7" name="Picture 6">
+            <a:extLst>
+              <a:ext uri="{FF2B5EF4-FFF2-40B4-BE49-F238E27FC236}">
+                <a16:creationId xmlns:a16="http://schemas.microsoft.com/office/drawing/2014/main" id="{14B60D75-150F-45B5-9AFF-9DC025040DC0}"/>
+              </a:ext>
+            </a:extLst>
+          </p:cNvPr>
+          <p:cNvPicPr>
+            <a:picLocks noChangeAspect="1"/>
+          </p:cNvPicPr>
+          <p:nvPr/>
+        </p:nvPicPr>
+        <p:blipFill rotWithShape="1">
+          <a:blip r:embed="rId2"/>
+          <a:srcRect l="3140" r="2573"/>
+          <a:stretch/>
+        </p:blipFill>
+        <p:spPr>
+          <a:xfrm>
+            <a:off x="5844791" y="1916073"/>
+            <a:ext cx="3748035" cy="3627455"/>
+          </a:xfrm>
+          <a:prstGeom prst="rect">
+            <a:avLst/>
+          </a:prstGeom>
+        </p:spPr>
+      </p:pic>
+      <p:sp>
+        <p:nvSpPr>
+          <p:cNvPr id="31" name="Rectangle 30">
+            <a:extLst>
+              <a:ext uri="{FF2B5EF4-FFF2-40B4-BE49-F238E27FC236}">
+                <a16:creationId xmlns:a16="http://schemas.microsoft.com/office/drawing/2014/main" id="{04F82229-578C-4A36-9C70-09A8C4128831}"/>
+              </a:ext>
+            </a:extLst>
+          </p:cNvPr>
+          <p:cNvSpPr/>
+          <p:nvPr/>
+        </p:nvSpPr>
+        <p:spPr>
+          <a:xfrm>
+            <a:off x="5844791" y="2183508"/>
+            <a:ext cx="3748035" cy="411982"/>
+          </a:xfrm>
+          <a:prstGeom prst="rect">
+            <a:avLst/>
+          </a:prstGeom>
+          <a:noFill/>
+          <a:ln>
+            <a:solidFill>
+              <a:srgbClr val="00B050"/>
+            </a:solidFill>
+          </a:ln>
+        </p:spPr>
+        <p:style>
+          <a:lnRef idx="2">
+            <a:schemeClr val="accent1">
+              <a:shade val="50000"/>
+            </a:schemeClr>
+          </a:lnRef>
+          <a:fillRef idx="1">
+            <a:schemeClr val="accent1"/>
+          </a:fillRef>
+          <a:effectRef idx="0">
+            <a:schemeClr val="accent1"/>
+          </a:effectRef>
+          <a:fontRef idx="minor">
+            <a:schemeClr val="lt1"/>
+          </a:fontRef>
+        </p:style>
+        <p:txBody>
+          <a:bodyPr rtlCol="0" anchor="ctr"/>
+          <a:lstStyle/>
+          <a:p>
+            <a:pPr algn="ctr"/>
+            <a:endParaRPr lang="en-US"/>
+          </a:p>
+        </p:txBody>
+      </p:sp>
+      <p:cxnSp>
+        <p:nvCxnSpPr>
+          <p:cNvPr id="33" name="Straight Arrow Connector 32">
+            <a:extLst>
+              <a:ext uri="{FF2B5EF4-FFF2-40B4-BE49-F238E27FC236}">
+                <a16:creationId xmlns:a16="http://schemas.microsoft.com/office/drawing/2014/main" id="{09272563-FF40-4804-95CE-B1B49C78AC28}"/>
+              </a:ext>
+            </a:extLst>
+          </p:cNvPr>
+          <p:cNvCxnSpPr>
+            <a:cxnSpLocks/>
+          </p:cNvCxnSpPr>
+          <p:nvPr/>
+        </p:nvCxnSpPr>
+        <p:spPr>
+          <a:xfrm flipV="1">
+            <a:off x="7033846" y="2331219"/>
+            <a:ext cx="231112" cy="160772"/>
+          </a:xfrm>
+          <a:prstGeom prst="straightConnector1">
+            <a:avLst/>
+          </a:prstGeom>
+          <a:ln>
+            <a:solidFill>
+              <a:srgbClr val="00B050"/>
+            </a:solidFill>
+            <a:headEnd type="triangle"/>
+            <a:tailEnd type="triangle"/>
+          </a:ln>
+        </p:spPr>
+        <p:style>
+          <a:lnRef idx="1">
+            <a:schemeClr val="accent1"/>
+          </a:lnRef>
+          <a:fillRef idx="0">
+            <a:schemeClr val="accent1"/>
+          </a:fillRef>
+          <a:effectRef idx="0">
+            <a:schemeClr val="accent1"/>
+          </a:effectRef>
+          <a:fontRef idx="minor">
+            <a:schemeClr val="tx1"/>
+          </a:fontRef>
+        </p:style>
+      </p:cxnSp>
+      <p:cxnSp>
+        <p:nvCxnSpPr>
+          <p:cNvPr id="36" name="Straight Arrow Connector 35">
+            <a:extLst>
+              <a:ext uri="{FF2B5EF4-FFF2-40B4-BE49-F238E27FC236}">
+                <a16:creationId xmlns:a16="http://schemas.microsoft.com/office/drawing/2014/main" id="{A68CE0C6-6682-4C48-8D96-DB3B5D8A2D13}"/>
+              </a:ext>
+            </a:extLst>
+          </p:cNvPr>
+          <p:cNvCxnSpPr>
+            <a:cxnSpLocks/>
+          </p:cNvCxnSpPr>
+          <p:nvPr/>
+        </p:nvCxnSpPr>
+        <p:spPr>
+          <a:xfrm>
+            <a:off x="4149969" y="2100105"/>
+            <a:ext cx="1587640" cy="391886"/>
+          </a:xfrm>
+          <a:prstGeom prst="straightConnector1">
+            <a:avLst/>
+          </a:prstGeom>
+          <a:ln>
+            <a:solidFill>
+              <a:srgbClr val="00B050"/>
+            </a:solidFill>
+            <a:headEnd type="triangle"/>
+            <a:tailEnd type="triangle"/>
+          </a:ln>
+        </p:spPr>
+        <p:style>
+          <a:lnRef idx="1">
+            <a:schemeClr val="accent1"/>
+          </a:lnRef>
+          <a:fillRef idx="0">
+            <a:schemeClr val="accent1"/>
+          </a:fillRef>
+          <a:effectRef idx="0">
+            <a:schemeClr val="accent1"/>
+          </a:effectRef>
+          <a:fontRef idx="minor">
+            <a:schemeClr val="tx1"/>
+          </a:fontRef>
+        </p:style>
+      </p:cxnSp>
+    </p:spTree>
+    <p:extLst>
+      <p:ext uri="{BB962C8B-B14F-4D97-AF65-F5344CB8AC3E}">
+        <p14:creationId xmlns:p14="http://schemas.microsoft.com/office/powerpoint/2010/main" val="2472173711"/>
+      </p:ext>
+    </p:extLst>
+  </p:cSld>
+  <p:clrMapOvr>
+    <a:masterClrMapping/>
+  </p:clrMapOvr>
+  <p:timing>
+    <p:tnLst>
+      <p:par>
+        <p:cTn id="1" dur="indefinite" restart="never" nodeType="tmRoot">
+          <p:childTnLst>
+            <p:seq concurrent="1" nextAc="seek">
+              <p:cTn id="2" dur="indefinite" nodeType="mainSeq">
+                <p:childTnLst>
+                  <p:par>
+                    <p:cTn id="3" fill="hold">
+                      <p:stCondLst>
+                        <p:cond delay="indefinite"/>
+                      </p:stCondLst>
+                      <p:childTnLst>
+                        <p:par>
+                          <p:cTn id="4" fill="hold">
+                            <p:stCondLst>
+                              <p:cond delay="0"/>
+                            </p:stCondLst>
+                            <p:childTnLst>
+                              <p:par>
+                                <p:cTn id="5" presetID="2" presetClass="entr" presetSubtype="4" fill="hold" grpId="0" nodeType="clickEffect">
+                                  <p:stCondLst>
+                                    <p:cond delay="0"/>
+                                  </p:stCondLst>
+                                  <p:childTnLst>
+                                    <p:set>
+                                      <p:cBhvr>
+                                        <p:cTn id="6" dur="1" fill="hold">
+                                          <p:stCondLst>
+                                            <p:cond delay="0"/>
+                                          </p:stCondLst>
+                                        </p:cTn>
+                                        <p:tgtEl>
+                                          <p:spTgt spid="31"/>
+                                        </p:tgtEl>
+                                        <p:attrNameLst>
+                                          <p:attrName>style.visibility</p:attrName>
+                                        </p:attrNameLst>
+                                      </p:cBhvr>
+                                      <p:to>
+                                        <p:strVal val="visible"/>
+                                      </p:to>
+                                    </p:set>
+                                    <p:anim calcmode="lin" valueType="num">
+                                      <p:cBhvr additive="base">
+                                        <p:cTn id="7" dur="500" fill="hold"/>
+                                        <p:tgtEl>
+                                          <p:spTgt spid="31"/>
+                                        </p:tgtEl>
+                                        <p:attrNameLst>
+                                          <p:attrName>ppt_x</p:attrName>
+                                        </p:attrNameLst>
+                                      </p:cBhvr>
+                                      <p:tavLst>
+                                        <p:tav tm="0">
+                                          <p:val>
+                                            <p:strVal val="#ppt_x"/>
+                                          </p:val>
+                                        </p:tav>
+                                        <p:tav tm="100000">
+                                          <p:val>
+                                            <p:strVal val="#ppt_x"/>
+                                          </p:val>
+                                        </p:tav>
+                                      </p:tavLst>
+                                    </p:anim>
+                                    <p:anim calcmode="lin" valueType="num">
+                                      <p:cBhvr additive="base">
+                                        <p:cTn id="8" dur="500" fill="hold"/>
+                                        <p:tgtEl>
+                                          <p:spTgt spid="31"/>
+                                        </p:tgtEl>
+                                        <p:attrNameLst>
+                                          <p:attrName>ppt_y</p:attrName>
+                                        </p:attrNameLst>
+                                      </p:cBhvr>
+                                      <p:tavLst>
+                                        <p:tav tm="0">
+                                          <p:val>
+                                            <p:strVal val="1+#ppt_h/2"/>
+                                          </p:val>
+                                        </p:tav>
+                                        <p:tav tm="100000">
+                                          <p:val>
+                                            <p:strVal val="#ppt_y"/>
+                                          </p:val>
+                                        </p:tav>
+                                      </p:tavLst>
+                                    </p:anim>
+                                  </p:childTnLst>
+                                </p:cTn>
+                              </p:par>
+                            </p:childTnLst>
+                          </p:cTn>
+                        </p:par>
+                      </p:childTnLst>
+                    </p:cTn>
+                  </p:par>
+                  <p:par>
+                    <p:cTn id="9" fill="hold">
+                      <p:stCondLst>
+                        <p:cond delay="indefinite"/>
+                      </p:stCondLst>
+                      <p:childTnLst>
+                        <p:par>
+                          <p:cTn id="10" fill="hold">
+                            <p:stCondLst>
+                              <p:cond delay="0"/>
+                            </p:stCondLst>
+                            <p:childTnLst>
+                              <p:par>
+                                <p:cTn id="11" presetID="2" presetClass="entr" presetSubtype="4" fill="hold" nodeType="clickEffect">
+                                  <p:stCondLst>
+                                    <p:cond delay="0"/>
+                                  </p:stCondLst>
+                                  <p:childTnLst>
+                                    <p:set>
+                                      <p:cBhvr>
+                                        <p:cTn id="12" dur="1" fill="hold">
+                                          <p:stCondLst>
+                                            <p:cond delay="0"/>
+                                          </p:stCondLst>
+                                        </p:cTn>
+                                        <p:tgtEl>
+                                          <p:spTgt spid="3">
+                                            <p:txEl>
+                                              <p:pRg st="1" end="1"/>
+                                            </p:txEl>
+                                          </p:spTgt>
+                                        </p:tgtEl>
+                                        <p:attrNameLst>
+                                          <p:attrName>style.visibility</p:attrName>
+                                        </p:attrNameLst>
+                                      </p:cBhvr>
+                                      <p:to>
+                                        <p:strVal val="visible"/>
+                                      </p:to>
+                                    </p:set>
+                                    <p:anim calcmode="lin" valueType="num">
+                                      <p:cBhvr additive="base">
+                                        <p:cTn id="13" dur="500" fill="hold"/>
+                                        <p:tgtEl>
+                                          <p:spTgt spid="3">
+                                            <p:txEl>
+                                              <p:pRg st="1" end="1"/>
+                                            </p:txEl>
+                                          </p:spTgt>
+                                        </p:tgtEl>
+                                        <p:attrNameLst>
+                                          <p:attrName>ppt_x</p:attrName>
+                                        </p:attrNameLst>
+                                      </p:cBhvr>
+                                      <p:tavLst>
+                                        <p:tav tm="0">
+                                          <p:val>
+                                            <p:strVal val="#ppt_x"/>
+                                          </p:val>
+                                        </p:tav>
+                                        <p:tav tm="100000">
+                                          <p:val>
+                                            <p:strVal val="#ppt_x"/>
+                                          </p:val>
+                                        </p:tav>
+                                      </p:tavLst>
+                                    </p:anim>
+                                    <p:anim calcmode="lin" valueType="num">
+                                      <p:cBhvr additive="base">
+                                        <p:cTn id="14" dur="500" fill="hold"/>
+                                        <p:tgtEl>
+                                          <p:spTgt spid="3">
+                                            <p:txEl>
+                                              <p:pRg st="1" end="1"/>
+                                            </p:txEl>
+                                          </p:spTgt>
+                                        </p:tgtEl>
+                                        <p:attrNameLst>
+                                          <p:attrName>ppt_y</p:attrName>
+                                        </p:attrNameLst>
+                                      </p:cBhvr>
+                                      <p:tavLst>
+                                        <p:tav tm="0">
+                                          <p:val>
+                                            <p:strVal val="1+#ppt_h/2"/>
+                                          </p:val>
+                                        </p:tav>
+                                        <p:tav tm="100000">
+                                          <p:val>
+                                            <p:strVal val="#ppt_y"/>
+                                          </p:val>
+                                        </p:tav>
+                                      </p:tavLst>
+                                    </p:anim>
+                                  </p:childTnLst>
+                                </p:cTn>
+                              </p:par>
+                            </p:childTnLst>
+                          </p:cTn>
+                        </p:par>
+                      </p:childTnLst>
+                    </p:cTn>
+                  </p:par>
+                </p:childTnLst>
+              </p:cTn>
+              <p:prevCondLst>
+                <p:cond evt="onPrev" delay="0">
+                  <p:tgtEl>
+                    <p:sldTgt/>
+                  </p:tgtEl>
+                </p:cond>
+              </p:prevCondLst>
+              <p:nextCondLst>
+                <p:cond evt="onNext" delay="0">
+                  <p:tgtEl>
+                    <p:sldTgt/>
+                  </p:tgtEl>
+                </p:cond>
+              </p:nextCondLst>
+            </p:seq>
+          </p:childTnLst>
+        </p:cTn>
+      </p:par>
+    </p:tnLst>
+    <p:bldLst>
+      <p:bldP spid="31" grpId="0" animBg="1"/>
+    </p:bldLst>
+  </p:timing>
+</p:sld>
+</file>
+
+<file path=ppt/slides/slide22.xml><?xml version="1.0" encoding="utf-8"?>
+<p:sld xmlns:a="http://schemas.openxmlformats.org/drawingml/2006/main" xmlns:r="http://schemas.openxmlformats.org/officeDocument/2006/relationships" xmlns:p="http://schemas.openxmlformats.org/presentationml/2006/main">
+  <p:cSld>
+    <p:spTree>
+      <p:nvGrpSpPr>
+        <p:cNvPr id="1" name=""/>
+        <p:cNvGrpSpPr/>
+        <p:nvPr/>
+      </p:nvGrpSpPr>
+      <p:grpSpPr>
+        <a:xfrm>
+          <a:off x="0" y="0"/>
+          <a:ext cx="0" cy="0"/>
+          <a:chOff x="0" y="0"/>
+          <a:chExt cx="0" cy="0"/>
+        </a:xfrm>
+      </p:grpSpPr>
+      <p:sp>
+        <p:nvSpPr>
+          <p:cNvPr id="2" name="Title 1">
+            <a:extLst>
+              <a:ext uri="{FF2B5EF4-FFF2-40B4-BE49-F238E27FC236}">
+                <a16:creationId xmlns:a16="http://schemas.microsoft.com/office/drawing/2014/main" id="{FD2F58F9-A864-46E6-AD91-4DD0EC392A7B}"/>
+              </a:ext>
+            </a:extLst>
+          </p:cNvPr>
+          <p:cNvSpPr>
+            <a:spLocks noGrp="1"/>
+          </p:cNvSpPr>
+          <p:nvPr>
+            <p:ph type="title"/>
+          </p:nvPr>
+        </p:nvSpPr>
+        <p:spPr/>
+        <p:txBody>
+          <a:bodyPr/>
+          <a:lstStyle/>
+          <a:p>
+            <a:r>
+              <a:rPr lang="en-US" dirty="0"/>
+              <a:t>Algo 2</a:t>
+            </a:r>
+          </a:p>
+        </p:txBody>
+      </p:sp>
+      <p:sp>
+        <p:nvSpPr>
+          <p:cNvPr id="3" name="Content Placeholder 2">
+            <a:extLst>
+              <a:ext uri="{FF2B5EF4-FFF2-40B4-BE49-F238E27FC236}">
+                <a16:creationId xmlns:a16="http://schemas.microsoft.com/office/drawing/2014/main" id="{5DB13537-2ECD-46E8-9E29-81586242B973}"/>
+              </a:ext>
+            </a:extLst>
+          </p:cNvPr>
+          <p:cNvSpPr>
+            <a:spLocks noGrp="1"/>
+          </p:cNvSpPr>
+          <p:nvPr>
+            <p:ph idx="1"/>
+          </p:nvPr>
+        </p:nvSpPr>
+        <p:spPr>
+          <a:xfrm>
+            <a:off x="1097280" y="1916073"/>
+            <a:ext cx="3748035" cy="4023360"/>
+          </a:xfrm>
+        </p:spPr>
+        <p:txBody>
+          <a:bodyPr/>
+          <a:lstStyle/>
+          <a:p>
+            <a:pPr>
+              <a:buFont typeface="Wingdings" panose="05000000000000000000" pitchFamily="2" charset="2"/>
+              <a:buChar char="q"/>
+            </a:pPr>
+            <a:r>
+              <a:rPr lang="en-US" dirty="0"/>
+              <a:t> [1990-01-01, 1991-01-01]</a:t>
+            </a:r>
+          </a:p>
+          <a:p>
+            <a:pPr>
+              <a:buFont typeface="Wingdings" panose="05000000000000000000" pitchFamily="2" charset="2"/>
+              <a:buChar char="q"/>
+            </a:pPr>
+            <a:r>
+              <a:rPr lang="en-US" dirty="0"/>
+              <a:t> [1991-08-01, 1997-05-01]</a:t>
+            </a:r>
+          </a:p>
+          <a:p>
+            <a:pPr>
+              <a:buFont typeface="Wingdings" panose="05000000000000000000" pitchFamily="2" charset="2"/>
+              <a:buChar char="q"/>
+            </a:pPr>
+            <a:r>
+              <a:rPr lang="en-US" dirty="0"/>
+              <a:t> [1997 -06-01, 2005-12-01]</a:t>
+            </a:r>
+          </a:p>
+          <a:p>
+            <a:pPr marL="0" indent="0">
+              <a:buNone/>
+            </a:pPr>
+            <a:endParaRPr lang="en-US" dirty="0"/>
+          </a:p>
+          <a:p>
+            <a:pPr>
+              <a:buFont typeface="Wingdings" panose="05000000000000000000" pitchFamily="2" charset="2"/>
+              <a:buChar char="q"/>
+            </a:pPr>
+            <a:endParaRPr lang="en-US" dirty="0"/>
+          </a:p>
+          <a:p>
+            <a:pPr>
+              <a:buFont typeface="Wingdings" panose="05000000000000000000" pitchFamily="2" charset="2"/>
+              <a:buChar char="q"/>
+            </a:pPr>
+            <a:endParaRPr lang="en-US" dirty="0"/>
+          </a:p>
+        </p:txBody>
+      </p:sp>
+      <p:pic>
+        <p:nvPicPr>
+          <p:cNvPr id="7" name="Picture 6">
+            <a:extLst>
+              <a:ext uri="{FF2B5EF4-FFF2-40B4-BE49-F238E27FC236}">
+                <a16:creationId xmlns:a16="http://schemas.microsoft.com/office/drawing/2014/main" id="{14B60D75-150F-45B5-9AFF-9DC025040DC0}"/>
+              </a:ext>
+            </a:extLst>
+          </p:cNvPr>
+          <p:cNvPicPr>
+            <a:picLocks noChangeAspect="1"/>
+          </p:cNvPicPr>
+          <p:nvPr/>
+        </p:nvPicPr>
+        <p:blipFill rotWithShape="1">
+          <a:blip r:embed="rId2"/>
+          <a:srcRect l="3140" r="2573"/>
+          <a:stretch/>
+        </p:blipFill>
+        <p:spPr>
+          <a:xfrm>
+            <a:off x="5844791" y="1916073"/>
+            <a:ext cx="3748035" cy="3627455"/>
+          </a:xfrm>
+          <a:prstGeom prst="rect">
+            <a:avLst/>
+          </a:prstGeom>
+        </p:spPr>
+      </p:pic>
+      <p:sp>
+        <p:nvSpPr>
+          <p:cNvPr id="4" name="Rectangle 3">
+            <a:extLst>
+              <a:ext uri="{FF2B5EF4-FFF2-40B4-BE49-F238E27FC236}">
+                <a16:creationId xmlns:a16="http://schemas.microsoft.com/office/drawing/2014/main" id="{933BB7D7-1B48-4722-B5B8-FC287D85C205}"/>
+              </a:ext>
+            </a:extLst>
+          </p:cNvPr>
+          <p:cNvSpPr/>
+          <p:nvPr/>
+        </p:nvSpPr>
+        <p:spPr>
+          <a:xfrm>
+            <a:off x="5844791" y="2421653"/>
+            <a:ext cx="3670998" cy="422031"/>
+          </a:xfrm>
+          <a:prstGeom prst="rect">
+            <a:avLst/>
+          </a:prstGeom>
+          <a:noFill/>
+          <a:ln>
+            <a:solidFill>
+              <a:srgbClr val="00B050"/>
+            </a:solidFill>
+          </a:ln>
+        </p:spPr>
+        <p:style>
+          <a:lnRef idx="2">
+            <a:schemeClr val="accent1">
+              <a:shade val="50000"/>
+            </a:schemeClr>
+          </a:lnRef>
+          <a:fillRef idx="1">
+            <a:schemeClr val="accent1"/>
+          </a:fillRef>
+          <a:effectRef idx="0">
+            <a:schemeClr val="accent1"/>
+          </a:effectRef>
+          <a:fontRef idx="minor">
+            <a:schemeClr val="lt1"/>
+          </a:fontRef>
+        </p:style>
+        <p:txBody>
+          <a:bodyPr rtlCol="0" anchor="ctr"/>
+          <a:lstStyle/>
+          <a:p>
+            <a:pPr algn="ctr"/>
+            <a:endParaRPr lang="en-US"/>
+          </a:p>
+        </p:txBody>
+      </p:sp>
+      <p:cxnSp>
+        <p:nvCxnSpPr>
+          <p:cNvPr id="8" name="Straight Arrow Connector 7">
+            <a:extLst>
+              <a:ext uri="{FF2B5EF4-FFF2-40B4-BE49-F238E27FC236}">
+                <a16:creationId xmlns:a16="http://schemas.microsoft.com/office/drawing/2014/main" id="{DC8BD177-18AA-4288-931A-E85D26EB0DFC}"/>
+              </a:ext>
+            </a:extLst>
+          </p:cNvPr>
+          <p:cNvCxnSpPr>
+            <a:cxnSpLocks/>
+          </p:cNvCxnSpPr>
+          <p:nvPr/>
+        </p:nvCxnSpPr>
+        <p:spPr>
+          <a:xfrm flipV="1">
+            <a:off x="7033846" y="2512085"/>
+            <a:ext cx="231112" cy="160772"/>
+          </a:xfrm>
+          <a:prstGeom prst="straightConnector1">
+            <a:avLst/>
+          </a:prstGeom>
+          <a:ln>
+            <a:solidFill>
+              <a:srgbClr val="00B050"/>
+            </a:solidFill>
+            <a:headEnd type="triangle"/>
+            <a:tailEnd type="triangle"/>
+          </a:ln>
+        </p:spPr>
+        <p:style>
+          <a:lnRef idx="1">
+            <a:schemeClr val="accent1"/>
+          </a:lnRef>
+          <a:fillRef idx="0">
+            <a:schemeClr val="accent1"/>
+          </a:fillRef>
+          <a:effectRef idx="0">
+            <a:schemeClr val="accent1"/>
+          </a:effectRef>
+          <a:fontRef idx="minor">
+            <a:schemeClr val="tx1"/>
+          </a:fontRef>
+        </p:style>
+      </p:cxnSp>
+      <p:cxnSp>
+        <p:nvCxnSpPr>
+          <p:cNvPr id="9" name="Straight Arrow Connector 8">
+            <a:extLst>
+              <a:ext uri="{FF2B5EF4-FFF2-40B4-BE49-F238E27FC236}">
+                <a16:creationId xmlns:a16="http://schemas.microsoft.com/office/drawing/2014/main" id="{ECD186C4-4A5B-4433-8D28-40AB27986A8D}"/>
+              </a:ext>
+            </a:extLst>
+          </p:cNvPr>
+          <p:cNvCxnSpPr>
+            <a:cxnSpLocks/>
+          </p:cNvCxnSpPr>
+          <p:nvPr/>
+        </p:nvCxnSpPr>
+        <p:spPr>
+          <a:xfrm>
+            <a:off x="4109776" y="2592471"/>
+            <a:ext cx="1577591" cy="160777"/>
+          </a:xfrm>
+          <a:prstGeom prst="straightConnector1">
+            <a:avLst/>
+          </a:prstGeom>
+          <a:ln>
+            <a:solidFill>
+              <a:srgbClr val="00B050"/>
+            </a:solidFill>
+            <a:headEnd type="triangle"/>
+            <a:tailEnd type="triangle"/>
+          </a:ln>
+        </p:spPr>
+        <p:style>
+          <a:lnRef idx="1">
+            <a:schemeClr val="accent1"/>
+          </a:lnRef>
+          <a:fillRef idx="0">
+            <a:schemeClr val="accent1"/>
+          </a:fillRef>
+          <a:effectRef idx="0">
+            <a:schemeClr val="accent1"/>
+          </a:effectRef>
+          <a:fontRef idx="minor">
+            <a:schemeClr val="tx1"/>
+          </a:fontRef>
+        </p:style>
+      </p:cxnSp>
+    </p:spTree>
+    <p:extLst>
+      <p:ext uri="{BB962C8B-B14F-4D97-AF65-F5344CB8AC3E}">
+        <p14:creationId xmlns:p14="http://schemas.microsoft.com/office/powerpoint/2010/main" val="2697597378"/>
+      </p:ext>
+    </p:extLst>
+  </p:cSld>
+  <p:clrMapOvr>
+    <a:masterClrMapping/>
+  </p:clrMapOvr>
+  <p:timing>
+    <p:tnLst>
+      <p:par>
+        <p:cTn id="1" dur="indefinite" restart="never" nodeType="tmRoot">
+          <p:childTnLst>
+            <p:seq concurrent="1" nextAc="seek">
+              <p:cTn id="2" dur="indefinite" nodeType="mainSeq">
+                <p:childTnLst>
+                  <p:par>
+                    <p:cTn id="3" fill="hold">
+                      <p:stCondLst>
+                        <p:cond delay="indefinite"/>
+                      </p:stCondLst>
+                      <p:childTnLst>
+                        <p:par>
+                          <p:cTn id="4" fill="hold">
+                            <p:stCondLst>
+                              <p:cond delay="0"/>
+                            </p:stCondLst>
+                            <p:childTnLst>
+                              <p:par>
+                                <p:cTn id="5" presetID="2" presetClass="entr" presetSubtype="4" fill="hold" grpId="0" nodeType="clickEffect">
+                                  <p:stCondLst>
+                                    <p:cond delay="0"/>
+                                  </p:stCondLst>
+                                  <p:childTnLst>
+                                    <p:set>
+                                      <p:cBhvr>
+                                        <p:cTn id="6" dur="1" fill="hold">
+                                          <p:stCondLst>
+                                            <p:cond delay="0"/>
+                                          </p:stCondLst>
+                                        </p:cTn>
+                                        <p:tgtEl>
+                                          <p:spTgt spid="4"/>
+                                        </p:tgtEl>
+                                        <p:attrNameLst>
+                                          <p:attrName>style.visibility</p:attrName>
+                                        </p:attrNameLst>
+                                      </p:cBhvr>
+                                      <p:to>
+                                        <p:strVal val="visible"/>
+                                      </p:to>
+                                    </p:set>
+                                    <p:anim calcmode="lin" valueType="num">
+                                      <p:cBhvr additive="base">
+                                        <p:cTn id="7" dur="500" fill="hold"/>
+                                        <p:tgtEl>
+                                          <p:spTgt spid="4"/>
+                                        </p:tgtEl>
+                                        <p:attrNameLst>
+                                          <p:attrName>ppt_x</p:attrName>
+                                        </p:attrNameLst>
+                                      </p:cBhvr>
+                                      <p:tavLst>
+                                        <p:tav tm="0">
+                                          <p:val>
+                                            <p:strVal val="#ppt_x"/>
+                                          </p:val>
+                                        </p:tav>
+                                        <p:tav tm="100000">
+                                          <p:val>
+                                            <p:strVal val="#ppt_x"/>
+                                          </p:val>
+                                        </p:tav>
+                                      </p:tavLst>
+                                    </p:anim>
+                                    <p:anim calcmode="lin" valueType="num">
+                                      <p:cBhvr additive="base">
+                                        <p:cTn id="8" dur="500" fill="hold"/>
+                                        <p:tgtEl>
+                                          <p:spTgt spid="4"/>
+                                        </p:tgtEl>
+                                        <p:attrNameLst>
+                                          <p:attrName>ppt_y</p:attrName>
+                                        </p:attrNameLst>
+                                      </p:cBhvr>
+                                      <p:tavLst>
+                                        <p:tav tm="0">
+                                          <p:val>
+                                            <p:strVal val="1+#ppt_h/2"/>
+                                          </p:val>
+                                        </p:tav>
+                                        <p:tav tm="100000">
+                                          <p:val>
+                                            <p:strVal val="#ppt_y"/>
+                                          </p:val>
+                                        </p:tav>
+                                      </p:tavLst>
+                                    </p:anim>
+                                  </p:childTnLst>
+                                </p:cTn>
+                              </p:par>
+                            </p:childTnLst>
+                          </p:cTn>
+                        </p:par>
+                      </p:childTnLst>
+                    </p:cTn>
+                  </p:par>
+                  <p:par>
+                    <p:cTn id="9" fill="hold">
+                      <p:stCondLst>
+                        <p:cond delay="indefinite"/>
+                      </p:stCondLst>
+                      <p:childTnLst>
+                        <p:par>
+                          <p:cTn id="10" fill="hold">
+                            <p:stCondLst>
+                              <p:cond delay="0"/>
+                            </p:stCondLst>
+                            <p:childTnLst>
+                              <p:par>
+                                <p:cTn id="11" presetID="2" presetClass="entr" presetSubtype="4" fill="hold" nodeType="clickEffect">
+                                  <p:stCondLst>
+                                    <p:cond delay="0"/>
+                                  </p:stCondLst>
+                                  <p:childTnLst>
+                                    <p:set>
+                                      <p:cBhvr>
+                                        <p:cTn id="12" dur="1" fill="hold">
+                                          <p:stCondLst>
+                                            <p:cond delay="0"/>
+                                          </p:stCondLst>
+                                        </p:cTn>
+                                        <p:tgtEl>
+                                          <p:spTgt spid="3">
+                                            <p:txEl>
+                                              <p:pRg st="2" end="2"/>
+                                            </p:txEl>
+                                          </p:spTgt>
+                                        </p:tgtEl>
+                                        <p:attrNameLst>
+                                          <p:attrName>style.visibility</p:attrName>
+                                        </p:attrNameLst>
+                                      </p:cBhvr>
+                                      <p:to>
+                                        <p:strVal val="visible"/>
+                                      </p:to>
+                                    </p:set>
+                                    <p:anim calcmode="lin" valueType="num">
+                                      <p:cBhvr additive="base">
+                                        <p:cTn id="13" dur="500" fill="hold"/>
+                                        <p:tgtEl>
+                                          <p:spTgt spid="3">
+                                            <p:txEl>
+                                              <p:pRg st="2" end="2"/>
+                                            </p:txEl>
+                                          </p:spTgt>
+                                        </p:tgtEl>
+                                        <p:attrNameLst>
+                                          <p:attrName>ppt_x</p:attrName>
+                                        </p:attrNameLst>
+                                      </p:cBhvr>
+                                      <p:tavLst>
+                                        <p:tav tm="0">
+                                          <p:val>
+                                            <p:strVal val="#ppt_x"/>
+                                          </p:val>
+                                        </p:tav>
+                                        <p:tav tm="100000">
+                                          <p:val>
+                                            <p:strVal val="#ppt_x"/>
+                                          </p:val>
+                                        </p:tav>
+                                      </p:tavLst>
+                                    </p:anim>
+                                    <p:anim calcmode="lin" valueType="num">
+                                      <p:cBhvr additive="base">
+                                        <p:cTn id="14" dur="500" fill="hold"/>
+                                        <p:tgtEl>
+                                          <p:spTgt spid="3">
+                                            <p:txEl>
+                                              <p:pRg st="2" end="2"/>
+                                            </p:txEl>
+                                          </p:spTgt>
+                                        </p:tgtEl>
+                                        <p:attrNameLst>
+                                          <p:attrName>ppt_y</p:attrName>
+                                        </p:attrNameLst>
+                                      </p:cBhvr>
+                                      <p:tavLst>
+                                        <p:tav tm="0">
+                                          <p:val>
+                                            <p:strVal val="1+#ppt_h/2"/>
+                                          </p:val>
+                                        </p:tav>
+                                        <p:tav tm="100000">
+                                          <p:val>
+                                            <p:strVal val="#ppt_y"/>
+                                          </p:val>
+                                        </p:tav>
+                                      </p:tavLst>
+                                    </p:anim>
+                                  </p:childTnLst>
+                                </p:cTn>
+                              </p:par>
+                            </p:childTnLst>
+                          </p:cTn>
+                        </p:par>
+                      </p:childTnLst>
+                    </p:cTn>
+                  </p:par>
+                </p:childTnLst>
+              </p:cTn>
+              <p:prevCondLst>
+                <p:cond evt="onPrev" delay="0">
+                  <p:tgtEl>
+                    <p:sldTgt/>
+                  </p:tgtEl>
+                </p:cond>
+              </p:prevCondLst>
+              <p:nextCondLst>
+                <p:cond evt="onNext" delay="0">
+                  <p:tgtEl>
+                    <p:sldTgt/>
+                  </p:tgtEl>
+                </p:cond>
+              </p:nextCondLst>
+            </p:seq>
+          </p:childTnLst>
+        </p:cTn>
+      </p:par>
+    </p:tnLst>
+    <p:bldLst>
+      <p:bldP spid="4" grpId="0" animBg="1"/>
+    </p:bldLst>
+  </p:timing>
+</p:sld>
+</file>
+
+<file path=ppt/slides/slide23.xml><?xml version="1.0" encoding="utf-8"?>
+<p:sld xmlns:a="http://schemas.openxmlformats.org/drawingml/2006/main" xmlns:r="http://schemas.openxmlformats.org/officeDocument/2006/relationships" xmlns:p="http://schemas.openxmlformats.org/presentationml/2006/main">
+  <p:cSld>
+    <p:spTree>
+      <p:nvGrpSpPr>
+        <p:cNvPr id="1" name=""/>
+        <p:cNvGrpSpPr/>
+        <p:nvPr/>
+      </p:nvGrpSpPr>
+      <p:grpSpPr>
+        <a:xfrm>
+          <a:off x="0" y="0"/>
+          <a:ext cx="0" cy="0"/>
+          <a:chOff x="0" y="0"/>
+          <a:chExt cx="0" cy="0"/>
+        </a:xfrm>
+      </p:grpSpPr>
+      <p:sp>
+        <p:nvSpPr>
+          <p:cNvPr id="2" name="Title 1">
+            <a:extLst>
+              <a:ext uri="{FF2B5EF4-FFF2-40B4-BE49-F238E27FC236}">
+                <a16:creationId xmlns:a16="http://schemas.microsoft.com/office/drawing/2014/main" id="{FD2F58F9-A864-46E6-AD91-4DD0EC392A7B}"/>
+              </a:ext>
+            </a:extLst>
+          </p:cNvPr>
+          <p:cNvSpPr>
+            <a:spLocks noGrp="1"/>
+          </p:cNvSpPr>
+          <p:nvPr>
+            <p:ph type="title"/>
+          </p:nvPr>
+        </p:nvSpPr>
+        <p:spPr/>
+        <p:txBody>
+          <a:bodyPr/>
+          <a:lstStyle/>
+          <a:p>
+            <a:r>
+              <a:rPr lang="en-US" dirty="0"/>
+              <a:t>Algo 2</a:t>
+            </a:r>
+          </a:p>
+        </p:txBody>
+      </p:sp>
+      <p:sp>
+        <p:nvSpPr>
+          <p:cNvPr id="3" name="Content Placeholder 2">
+            <a:extLst>
+              <a:ext uri="{FF2B5EF4-FFF2-40B4-BE49-F238E27FC236}">
+                <a16:creationId xmlns:a16="http://schemas.microsoft.com/office/drawing/2014/main" id="{5DB13537-2ECD-46E8-9E29-81586242B973}"/>
+              </a:ext>
+            </a:extLst>
+          </p:cNvPr>
+          <p:cNvSpPr>
+            <a:spLocks noGrp="1"/>
+          </p:cNvSpPr>
+          <p:nvPr>
+            <p:ph idx="1"/>
+          </p:nvPr>
+        </p:nvSpPr>
+        <p:spPr>
+          <a:xfrm>
+            <a:off x="1097280" y="1916073"/>
+            <a:ext cx="3748035" cy="4023360"/>
+          </a:xfrm>
+        </p:spPr>
+        <p:txBody>
+          <a:bodyPr/>
+          <a:lstStyle/>
+          <a:p>
+            <a:pPr>
+              <a:buFont typeface="Wingdings" panose="05000000000000000000" pitchFamily="2" charset="2"/>
+              <a:buChar char="q"/>
+            </a:pPr>
+            <a:r>
+              <a:rPr lang="en-US" dirty="0"/>
+              <a:t> [1990-01-01, 1991-01-01]</a:t>
+            </a:r>
+          </a:p>
+          <a:p>
+            <a:pPr>
+              <a:buFont typeface="Wingdings" panose="05000000000000000000" pitchFamily="2" charset="2"/>
+              <a:buChar char="q"/>
+            </a:pPr>
+            <a:r>
+              <a:rPr lang="en-US" dirty="0"/>
+              <a:t> [1991-08-01, 1997-05-01]</a:t>
+            </a:r>
+          </a:p>
+          <a:p>
+            <a:pPr>
+              <a:buFont typeface="Wingdings" panose="05000000000000000000" pitchFamily="2" charset="2"/>
+              <a:buChar char="q"/>
+            </a:pPr>
+            <a:r>
+              <a:rPr lang="en-US" dirty="0"/>
+              <a:t> [1997 -06-01, 2005-12-01]</a:t>
+            </a:r>
+          </a:p>
+          <a:p>
+            <a:pPr>
+              <a:buFont typeface="Wingdings" panose="05000000000000000000" pitchFamily="2" charset="2"/>
+              <a:buChar char="q"/>
+            </a:pPr>
+            <a:r>
+              <a:rPr lang="en-US" dirty="0"/>
+              <a:t> [1997 -06-01, 2005-12-01]</a:t>
+            </a:r>
+          </a:p>
+          <a:p>
+            <a:pPr marL="0" indent="0">
+              <a:buNone/>
+            </a:pPr>
+            <a:endParaRPr lang="en-US" dirty="0"/>
+          </a:p>
+          <a:p>
+            <a:pPr>
+              <a:buFont typeface="Wingdings" panose="05000000000000000000" pitchFamily="2" charset="2"/>
+              <a:buChar char="q"/>
+            </a:pPr>
+            <a:endParaRPr lang="en-US" dirty="0"/>
+          </a:p>
+          <a:p>
+            <a:pPr>
+              <a:buFont typeface="Wingdings" panose="05000000000000000000" pitchFamily="2" charset="2"/>
+              <a:buChar char="q"/>
+            </a:pPr>
+            <a:endParaRPr lang="en-US" dirty="0"/>
+          </a:p>
+        </p:txBody>
+      </p:sp>
+      <p:pic>
+        <p:nvPicPr>
+          <p:cNvPr id="7" name="Picture 6">
+            <a:extLst>
+              <a:ext uri="{FF2B5EF4-FFF2-40B4-BE49-F238E27FC236}">
+                <a16:creationId xmlns:a16="http://schemas.microsoft.com/office/drawing/2014/main" id="{14B60D75-150F-45B5-9AFF-9DC025040DC0}"/>
+              </a:ext>
+            </a:extLst>
+          </p:cNvPr>
+          <p:cNvPicPr>
+            <a:picLocks noChangeAspect="1"/>
+          </p:cNvPicPr>
+          <p:nvPr/>
+        </p:nvPicPr>
+        <p:blipFill rotWithShape="1">
+          <a:blip r:embed="rId2"/>
+          <a:srcRect l="3140" r="2573"/>
+          <a:stretch/>
+        </p:blipFill>
+        <p:spPr>
+          <a:xfrm>
+            <a:off x="5844791" y="1916073"/>
+            <a:ext cx="3748035" cy="3627455"/>
+          </a:xfrm>
+          <a:prstGeom prst="rect">
+            <a:avLst/>
+          </a:prstGeom>
+        </p:spPr>
+      </p:pic>
+      <p:sp>
+        <p:nvSpPr>
+          <p:cNvPr id="4" name="Rectangle 3">
+            <a:extLst>
+              <a:ext uri="{FF2B5EF4-FFF2-40B4-BE49-F238E27FC236}">
+                <a16:creationId xmlns:a16="http://schemas.microsoft.com/office/drawing/2014/main" id="{933BB7D7-1B48-4722-B5B8-FC287D85C205}"/>
+              </a:ext>
+            </a:extLst>
+          </p:cNvPr>
+          <p:cNvSpPr/>
+          <p:nvPr/>
+        </p:nvSpPr>
+        <p:spPr>
+          <a:xfrm>
+            <a:off x="5844791" y="2662814"/>
+            <a:ext cx="3670998" cy="422031"/>
+          </a:xfrm>
+          <a:prstGeom prst="rect">
+            <a:avLst/>
+          </a:prstGeom>
+          <a:noFill/>
+          <a:ln>
+            <a:solidFill>
+              <a:srgbClr val="FF0000"/>
+            </a:solidFill>
+          </a:ln>
+        </p:spPr>
+        <p:style>
+          <a:lnRef idx="2">
+            <a:schemeClr val="accent1">
+              <a:shade val="50000"/>
+            </a:schemeClr>
+          </a:lnRef>
+          <a:fillRef idx="1">
+            <a:schemeClr val="accent1"/>
+          </a:fillRef>
+          <a:effectRef idx="0">
+            <a:schemeClr val="accent1"/>
+          </a:effectRef>
+          <a:fontRef idx="minor">
+            <a:schemeClr val="lt1"/>
+          </a:fontRef>
+        </p:style>
+        <p:txBody>
+          <a:bodyPr rtlCol="0" anchor="ctr"/>
+          <a:lstStyle/>
+          <a:p>
+            <a:pPr algn="ctr"/>
+            <a:endParaRPr lang="en-US">
+              <a:solidFill>
+                <a:srgbClr val="FF0000"/>
+              </a:solidFill>
+            </a:endParaRPr>
+          </a:p>
+        </p:txBody>
+      </p:sp>
+      <p:cxnSp>
+        <p:nvCxnSpPr>
+          <p:cNvPr id="6" name="Straight Arrow Connector 5">
+            <a:extLst>
+              <a:ext uri="{FF2B5EF4-FFF2-40B4-BE49-F238E27FC236}">
+                <a16:creationId xmlns:a16="http://schemas.microsoft.com/office/drawing/2014/main" id="{7B240593-8B11-47FE-81B6-9C23730A17B1}"/>
+              </a:ext>
+            </a:extLst>
+          </p:cNvPr>
+          <p:cNvCxnSpPr>
+            <a:cxnSpLocks/>
+          </p:cNvCxnSpPr>
+          <p:nvPr/>
+        </p:nvCxnSpPr>
+        <p:spPr>
+          <a:xfrm flipV="1">
+            <a:off x="7033846" y="2783388"/>
+            <a:ext cx="231112" cy="160772"/>
+          </a:xfrm>
+          <a:prstGeom prst="straightConnector1">
+            <a:avLst/>
+          </a:prstGeom>
+          <a:ln>
+            <a:solidFill>
+              <a:srgbClr val="FF0000"/>
+            </a:solidFill>
+            <a:headEnd type="triangle"/>
+            <a:tailEnd type="triangle"/>
+          </a:ln>
+        </p:spPr>
+        <p:style>
+          <a:lnRef idx="1">
+            <a:schemeClr val="accent1"/>
+          </a:lnRef>
+          <a:fillRef idx="0">
+            <a:schemeClr val="accent1"/>
+          </a:fillRef>
+          <a:effectRef idx="0">
+            <a:schemeClr val="accent1"/>
+          </a:effectRef>
+          <a:fontRef idx="minor">
+            <a:schemeClr val="tx1"/>
+          </a:fontRef>
+        </p:style>
+      </p:cxnSp>
+      <p:cxnSp>
+        <p:nvCxnSpPr>
+          <p:cNvPr id="8" name="Straight Arrow Connector 7">
+            <a:extLst>
+              <a:ext uri="{FF2B5EF4-FFF2-40B4-BE49-F238E27FC236}">
+                <a16:creationId xmlns:a16="http://schemas.microsoft.com/office/drawing/2014/main" id="{729DC453-AD86-432D-9E96-644EBF9E20EF}"/>
+              </a:ext>
+            </a:extLst>
+          </p:cNvPr>
+          <p:cNvCxnSpPr>
+            <a:cxnSpLocks/>
+          </p:cNvCxnSpPr>
+          <p:nvPr/>
+        </p:nvCxnSpPr>
+        <p:spPr>
+          <a:xfrm>
+            <a:off x="4119824" y="2944160"/>
+            <a:ext cx="1724967" cy="140677"/>
+          </a:xfrm>
+          <a:prstGeom prst="straightConnector1">
+            <a:avLst/>
+          </a:prstGeom>
+          <a:ln>
+            <a:solidFill>
+              <a:srgbClr val="FF0000"/>
+            </a:solidFill>
+            <a:headEnd type="triangle"/>
+            <a:tailEnd type="triangle"/>
+          </a:ln>
+        </p:spPr>
+        <p:style>
+          <a:lnRef idx="1">
+            <a:schemeClr val="accent1"/>
+          </a:lnRef>
+          <a:fillRef idx="0">
+            <a:schemeClr val="accent1"/>
+          </a:fillRef>
+          <a:effectRef idx="0">
+            <a:schemeClr val="accent1"/>
+          </a:effectRef>
+          <a:fontRef idx="minor">
+            <a:schemeClr val="tx1"/>
+          </a:fontRef>
+        </p:style>
+      </p:cxnSp>
+    </p:spTree>
+    <p:extLst>
+      <p:ext uri="{BB962C8B-B14F-4D97-AF65-F5344CB8AC3E}">
+        <p14:creationId xmlns:p14="http://schemas.microsoft.com/office/powerpoint/2010/main" val="4011402369"/>
+      </p:ext>
+    </p:extLst>
+  </p:cSld>
+  <p:clrMapOvr>
+    <a:masterClrMapping/>
+  </p:clrMapOvr>
+  <p:timing>
+    <p:tnLst>
+      <p:par>
+        <p:cTn id="1" dur="indefinite" restart="never" nodeType="tmRoot">
+          <p:childTnLst>
+            <p:seq concurrent="1" nextAc="seek">
+              <p:cTn id="2" dur="indefinite" nodeType="mainSeq">
+                <p:childTnLst>
+                  <p:par>
+                    <p:cTn id="3" fill="hold">
+                      <p:stCondLst>
+                        <p:cond delay="indefinite"/>
+                      </p:stCondLst>
+                      <p:childTnLst>
+                        <p:par>
+                          <p:cTn id="4" fill="hold">
+                            <p:stCondLst>
+                              <p:cond delay="0"/>
+                            </p:stCondLst>
+                            <p:childTnLst>
+                              <p:par>
+                                <p:cTn id="5" presetID="2" presetClass="entr" presetSubtype="4" fill="hold" grpId="0" nodeType="clickEffect">
+                                  <p:stCondLst>
+                                    <p:cond delay="0"/>
+                                  </p:stCondLst>
+                                  <p:childTnLst>
+                                    <p:set>
+                                      <p:cBhvr>
+                                        <p:cTn id="6" dur="1" fill="hold">
+                                          <p:stCondLst>
+                                            <p:cond delay="0"/>
+                                          </p:stCondLst>
+                                        </p:cTn>
+                                        <p:tgtEl>
+                                          <p:spTgt spid="4"/>
+                                        </p:tgtEl>
+                                        <p:attrNameLst>
+                                          <p:attrName>style.visibility</p:attrName>
+                                        </p:attrNameLst>
+                                      </p:cBhvr>
+                                      <p:to>
+                                        <p:strVal val="visible"/>
+                                      </p:to>
+                                    </p:set>
+                                    <p:anim calcmode="lin" valueType="num">
+                                      <p:cBhvr additive="base">
+                                        <p:cTn id="7" dur="500" fill="hold"/>
+                                        <p:tgtEl>
+                                          <p:spTgt spid="4"/>
+                                        </p:tgtEl>
+                                        <p:attrNameLst>
+                                          <p:attrName>ppt_x</p:attrName>
+                                        </p:attrNameLst>
+                                      </p:cBhvr>
+                                      <p:tavLst>
+                                        <p:tav tm="0">
+                                          <p:val>
+                                            <p:strVal val="#ppt_x"/>
+                                          </p:val>
+                                        </p:tav>
+                                        <p:tav tm="100000">
+                                          <p:val>
+                                            <p:strVal val="#ppt_x"/>
+                                          </p:val>
+                                        </p:tav>
+                                      </p:tavLst>
+                                    </p:anim>
+                                    <p:anim calcmode="lin" valueType="num">
+                                      <p:cBhvr additive="base">
+                                        <p:cTn id="8" dur="500" fill="hold"/>
+                                        <p:tgtEl>
+                                          <p:spTgt spid="4"/>
+                                        </p:tgtEl>
+                                        <p:attrNameLst>
+                                          <p:attrName>ppt_y</p:attrName>
+                                        </p:attrNameLst>
+                                      </p:cBhvr>
+                                      <p:tavLst>
+                                        <p:tav tm="0">
+                                          <p:val>
+                                            <p:strVal val="1+#ppt_h/2"/>
+                                          </p:val>
+                                        </p:tav>
+                                        <p:tav tm="100000">
+                                          <p:val>
+                                            <p:strVal val="#ppt_y"/>
+                                          </p:val>
+                                        </p:tav>
+                                      </p:tavLst>
+                                    </p:anim>
+                                  </p:childTnLst>
+                                </p:cTn>
+                              </p:par>
+                            </p:childTnLst>
+                          </p:cTn>
+                        </p:par>
+                      </p:childTnLst>
+                    </p:cTn>
+                  </p:par>
+                  <p:par>
+                    <p:cTn id="9" fill="hold">
+                      <p:stCondLst>
+                        <p:cond delay="indefinite"/>
+                      </p:stCondLst>
+                      <p:childTnLst>
+                        <p:par>
+                          <p:cTn id="10" fill="hold">
+                            <p:stCondLst>
+                              <p:cond delay="0"/>
+                            </p:stCondLst>
+                            <p:childTnLst>
+                              <p:par>
+                                <p:cTn id="11" presetID="2" presetClass="entr" presetSubtype="4" fill="hold" nodeType="clickEffect">
+                                  <p:stCondLst>
+                                    <p:cond delay="0"/>
+                                  </p:stCondLst>
+                                  <p:childTnLst>
+                                    <p:set>
+                                      <p:cBhvr>
+                                        <p:cTn id="12" dur="1" fill="hold">
+                                          <p:stCondLst>
+                                            <p:cond delay="0"/>
+                                          </p:stCondLst>
+                                        </p:cTn>
+                                        <p:tgtEl>
+                                          <p:spTgt spid="3">
+                                            <p:txEl>
+                                              <p:pRg st="3" end="3"/>
+                                            </p:txEl>
+                                          </p:spTgt>
+                                        </p:tgtEl>
+                                        <p:attrNameLst>
+                                          <p:attrName>style.visibility</p:attrName>
+                                        </p:attrNameLst>
+                                      </p:cBhvr>
+                                      <p:to>
+                                        <p:strVal val="visible"/>
+                                      </p:to>
+                                    </p:set>
+                                    <p:anim calcmode="lin" valueType="num">
+                                      <p:cBhvr additive="base">
+                                        <p:cTn id="13" dur="500" fill="hold"/>
+                                        <p:tgtEl>
+                                          <p:spTgt spid="3">
+                                            <p:txEl>
+                                              <p:pRg st="3" end="3"/>
+                                            </p:txEl>
+                                          </p:spTgt>
+                                        </p:tgtEl>
+                                        <p:attrNameLst>
+                                          <p:attrName>ppt_x</p:attrName>
+                                        </p:attrNameLst>
+                                      </p:cBhvr>
+                                      <p:tavLst>
+                                        <p:tav tm="0">
+                                          <p:val>
+                                            <p:strVal val="#ppt_x"/>
+                                          </p:val>
+                                        </p:tav>
+                                        <p:tav tm="100000">
+                                          <p:val>
+                                            <p:strVal val="#ppt_x"/>
+                                          </p:val>
+                                        </p:tav>
+                                      </p:tavLst>
+                                    </p:anim>
+                                    <p:anim calcmode="lin" valueType="num">
+                                      <p:cBhvr additive="base">
+                                        <p:cTn id="14" dur="500" fill="hold"/>
+                                        <p:tgtEl>
+                                          <p:spTgt spid="3">
+                                            <p:txEl>
+                                              <p:pRg st="3" end="3"/>
+                                            </p:txEl>
+                                          </p:spTgt>
+                                        </p:tgtEl>
+                                        <p:attrNameLst>
+                                          <p:attrName>ppt_y</p:attrName>
+                                        </p:attrNameLst>
+                                      </p:cBhvr>
+                                      <p:tavLst>
+                                        <p:tav tm="0">
+                                          <p:val>
+                                            <p:strVal val="1+#ppt_h/2"/>
+                                          </p:val>
+                                        </p:tav>
+                                        <p:tav tm="100000">
+                                          <p:val>
+                                            <p:strVal val="#ppt_y"/>
+                                          </p:val>
+                                        </p:tav>
+                                      </p:tavLst>
+                                    </p:anim>
+                                  </p:childTnLst>
+                                </p:cTn>
+                              </p:par>
+                            </p:childTnLst>
+                          </p:cTn>
+                        </p:par>
+                      </p:childTnLst>
+                    </p:cTn>
+                  </p:par>
+                  <p:par>
+                    <p:cTn id="15" fill="hold">
+                      <p:stCondLst>
+                        <p:cond delay="indefinite"/>
+                      </p:stCondLst>
+                      <p:childTnLst>
+                        <p:par>
+                          <p:cTn id="16" fill="hold">
+                            <p:stCondLst>
+                              <p:cond delay="0"/>
+                            </p:stCondLst>
+                            <p:childTnLst>
+                              <p:par>
+                                <p:cTn id="17" presetID="30" presetClass="emph" presetSubtype="0" fill="hold" nodeType="clickEffect">
+                                  <p:stCondLst>
+                                    <p:cond delay="0"/>
+                                  </p:stCondLst>
+                                  <p:childTnLst>
+                                    <p:animClr clrSpc="hsl" dir="cw">
+                                      <p:cBhvr override="childStyle">
+                                        <p:cTn id="18" dur="500" fill="hold"/>
+                                        <p:tgtEl>
+                                          <p:spTgt spid="3">
+                                            <p:txEl>
+                                              <p:pRg st="2" end="2"/>
+                                            </p:txEl>
+                                          </p:spTgt>
+                                        </p:tgtEl>
+                                        <p:attrNameLst>
+                                          <p:attrName>style.color</p:attrName>
+                                        </p:attrNameLst>
+                                      </p:cBhvr>
+                                      <p:by>
+                                        <p:hsl h="0" s="12549" l="25098"/>
+                                      </p:by>
+                                    </p:animClr>
+                                    <p:animClr clrSpc="hsl" dir="cw">
+                                      <p:cBhvr>
+                                        <p:cTn id="19" dur="500" fill="hold"/>
+                                        <p:tgtEl>
+                                          <p:spTgt spid="3">
+                                            <p:txEl>
+                                              <p:pRg st="2" end="2"/>
+                                            </p:txEl>
+                                          </p:spTgt>
+                                        </p:tgtEl>
+                                        <p:attrNameLst>
+                                          <p:attrName>fillcolor</p:attrName>
+                                        </p:attrNameLst>
+                                      </p:cBhvr>
+                                      <p:by>
+                                        <p:hsl h="0" s="12549" l="25098"/>
+                                      </p:by>
+                                    </p:animClr>
+                                    <p:animClr clrSpc="hsl" dir="cw">
+                                      <p:cBhvr>
+                                        <p:cTn id="20" dur="500" fill="hold"/>
+                                        <p:tgtEl>
+                                          <p:spTgt spid="3">
+                                            <p:txEl>
+                                              <p:pRg st="2" end="2"/>
+                                            </p:txEl>
+                                          </p:spTgt>
+                                        </p:tgtEl>
+                                        <p:attrNameLst>
+                                          <p:attrName>stroke.color</p:attrName>
+                                        </p:attrNameLst>
+                                      </p:cBhvr>
+                                      <p:by>
+                                        <p:hsl h="0" s="12549" l="25098"/>
+                                      </p:by>
+                                    </p:animClr>
+                                    <p:set>
+                                      <p:cBhvr>
+                                        <p:cTn id="21" dur="500" fill="hold"/>
+                                        <p:tgtEl>
+                                          <p:spTgt spid="3">
+                                            <p:txEl>
+                                              <p:pRg st="2" end="2"/>
+                                            </p:txEl>
+                                          </p:spTgt>
+                                        </p:tgtEl>
+                                        <p:attrNameLst>
+                                          <p:attrName>fill.type</p:attrName>
+                                        </p:attrNameLst>
+                                      </p:cBhvr>
+                                      <p:to>
+                                        <p:strVal val="solid"/>
+                                      </p:to>
+                                    </p:set>
+                                  </p:childTnLst>
+                                </p:cTn>
+                              </p:par>
+                            </p:childTnLst>
+                          </p:cTn>
+                        </p:par>
+                      </p:childTnLst>
+                    </p:cTn>
+                  </p:par>
+                </p:childTnLst>
+              </p:cTn>
+              <p:prevCondLst>
+                <p:cond evt="onPrev" delay="0">
+                  <p:tgtEl>
+                    <p:sldTgt/>
+                  </p:tgtEl>
+                </p:cond>
+              </p:prevCondLst>
+              <p:nextCondLst>
+                <p:cond evt="onNext" delay="0">
+                  <p:tgtEl>
+                    <p:sldTgt/>
+                  </p:tgtEl>
+                </p:cond>
+              </p:nextCondLst>
+            </p:seq>
+          </p:childTnLst>
+        </p:cTn>
+      </p:par>
+    </p:tnLst>
+    <p:bldLst>
+      <p:bldP spid="4" grpId="0" animBg="1"/>
+    </p:bldLst>
+  </p:timing>
+</p:sld>
+</file>
+
+<file path=ppt/slides/slide24.xml><?xml version="1.0" encoding="utf-8"?>
+<p:sld xmlns:a="http://schemas.openxmlformats.org/drawingml/2006/main" xmlns:r="http://schemas.openxmlformats.org/officeDocument/2006/relationships" xmlns:p="http://schemas.openxmlformats.org/presentationml/2006/main">
+  <p:cSld>
+    <p:spTree>
+      <p:nvGrpSpPr>
+        <p:cNvPr id="1" name=""/>
+        <p:cNvGrpSpPr/>
+        <p:nvPr/>
+      </p:nvGrpSpPr>
+      <p:grpSpPr>
+        <a:xfrm>
+          <a:off x="0" y="0"/>
+          <a:ext cx="0" cy="0"/>
+          <a:chOff x="0" y="0"/>
+          <a:chExt cx="0" cy="0"/>
+        </a:xfrm>
+      </p:grpSpPr>
+      <p:sp>
+        <p:nvSpPr>
+          <p:cNvPr id="2" name="Title 1">
+            <a:extLst>
+              <a:ext uri="{FF2B5EF4-FFF2-40B4-BE49-F238E27FC236}">
+                <a16:creationId xmlns:a16="http://schemas.microsoft.com/office/drawing/2014/main" id="{FD2F58F9-A864-46E6-AD91-4DD0EC392A7B}"/>
+              </a:ext>
+            </a:extLst>
+          </p:cNvPr>
+          <p:cNvSpPr>
+            <a:spLocks noGrp="1"/>
+          </p:cNvSpPr>
+          <p:nvPr>
+            <p:ph type="title"/>
+          </p:nvPr>
+        </p:nvSpPr>
+        <p:spPr/>
+        <p:txBody>
+          <a:bodyPr/>
+          <a:lstStyle/>
+          <a:p>
+            <a:r>
+              <a:rPr lang="en-US" dirty="0"/>
+              <a:t>Algo 2</a:t>
+            </a:r>
+          </a:p>
+        </p:txBody>
+      </p:sp>
+      <p:sp>
+        <p:nvSpPr>
+          <p:cNvPr id="3" name="Content Placeholder 2">
+            <a:extLst>
+              <a:ext uri="{FF2B5EF4-FFF2-40B4-BE49-F238E27FC236}">
+                <a16:creationId xmlns:a16="http://schemas.microsoft.com/office/drawing/2014/main" id="{5DB13537-2ECD-46E8-9E29-81586242B973}"/>
+              </a:ext>
+            </a:extLst>
+          </p:cNvPr>
+          <p:cNvSpPr>
+            <a:spLocks noGrp="1"/>
+          </p:cNvSpPr>
+          <p:nvPr>
+            <p:ph idx="1"/>
+          </p:nvPr>
+        </p:nvSpPr>
+        <p:spPr>
+          <a:xfrm>
+            <a:off x="1097280" y="1916073"/>
+            <a:ext cx="3748035" cy="4023360"/>
+          </a:xfrm>
+        </p:spPr>
+        <p:txBody>
+          <a:bodyPr/>
+          <a:lstStyle/>
+          <a:p>
+            <a:pPr>
+              <a:buFont typeface="Wingdings" panose="05000000000000000000" pitchFamily="2" charset="2"/>
+              <a:buChar char="q"/>
+            </a:pPr>
+            <a:r>
+              <a:rPr lang="en-US" dirty="0"/>
+              <a:t> [1990-01-01, 1991-01-01]</a:t>
+            </a:r>
+          </a:p>
+          <a:p>
+            <a:pPr>
+              <a:buFont typeface="Wingdings" panose="05000000000000000000" pitchFamily="2" charset="2"/>
+              <a:buChar char="q"/>
+            </a:pPr>
+            <a:r>
+              <a:rPr lang="en-US" dirty="0"/>
+              <a:t> [1991-08-01, 1997-05-01]</a:t>
+            </a:r>
+          </a:p>
+          <a:p>
+            <a:pPr>
+              <a:buFont typeface="Wingdings" panose="05000000000000000000" pitchFamily="2" charset="2"/>
+              <a:buChar char="q"/>
+            </a:pPr>
+            <a:r>
+              <a:rPr lang="en-US" dirty="0"/>
+              <a:t> </a:t>
+            </a:r>
+            <a:r>
+              <a:rPr lang="en-US" strike="sngStrike" dirty="0"/>
+              <a:t>[1997 -06-01, 2005-12-01]</a:t>
+            </a:r>
+          </a:p>
+          <a:p>
+            <a:pPr>
+              <a:buFont typeface="Wingdings" panose="05000000000000000000" pitchFamily="2" charset="2"/>
+              <a:buChar char="q"/>
+            </a:pPr>
+            <a:r>
+              <a:rPr lang="en-US" dirty="0"/>
+              <a:t> [1997 -06-01, 2005-12-01]</a:t>
+            </a:r>
+          </a:p>
+          <a:p>
+            <a:pPr>
+              <a:buFont typeface="Wingdings" panose="05000000000000000000" pitchFamily="2" charset="2"/>
+              <a:buChar char="q"/>
+            </a:pPr>
+            <a:r>
+              <a:rPr lang="en-US" dirty="0"/>
+              <a:t> [1997-06-01, 2007-01-01]</a:t>
+            </a:r>
+          </a:p>
+          <a:p>
+            <a:pPr marL="0" indent="0">
+              <a:buNone/>
+            </a:pPr>
+            <a:endParaRPr lang="en-US" dirty="0"/>
+          </a:p>
+          <a:p>
+            <a:pPr>
+              <a:buFont typeface="Wingdings" panose="05000000000000000000" pitchFamily="2" charset="2"/>
+              <a:buChar char="q"/>
+            </a:pPr>
+            <a:endParaRPr lang="en-US" dirty="0"/>
+          </a:p>
+          <a:p>
+            <a:pPr>
+              <a:buFont typeface="Wingdings" panose="05000000000000000000" pitchFamily="2" charset="2"/>
+              <a:buChar char="q"/>
+            </a:pPr>
+            <a:endParaRPr lang="en-US" dirty="0"/>
+          </a:p>
+        </p:txBody>
+      </p:sp>
+      <p:pic>
+        <p:nvPicPr>
+          <p:cNvPr id="7" name="Picture 6">
+            <a:extLst>
+              <a:ext uri="{FF2B5EF4-FFF2-40B4-BE49-F238E27FC236}">
+                <a16:creationId xmlns:a16="http://schemas.microsoft.com/office/drawing/2014/main" id="{14B60D75-150F-45B5-9AFF-9DC025040DC0}"/>
+              </a:ext>
+            </a:extLst>
+          </p:cNvPr>
+          <p:cNvPicPr>
+            <a:picLocks noChangeAspect="1"/>
+          </p:cNvPicPr>
+          <p:nvPr/>
+        </p:nvPicPr>
+        <p:blipFill rotWithShape="1">
+          <a:blip r:embed="rId2"/>
+          <a:srcRect l="3140" r="2573"/>
+          <a:stretch/>
+        </p:blipFill>
+        <p:spPr>
+          <a:xfrm>
+            <a:off x="5844791" y="1916073"/>
+            <a:ext cx="3748035" cy="3627455"/>
+          </a:xfrm>
+          <a:prstGeom prst="rect">
+            <a:avLst/>
+          </a:prstGeom>
+        </p:spPr>
+      </p:pic>
+      <p:sp>
+        <p:nvSpPr>
+          <p:cNvPr id="4" name="Rectangle 3">
+            <a:extLst>
+              <a:ext uri="{FF2B5EF4-FFF2-40B4-BE49-F238E27FC236}">
+                <a16:creationId xmlns:a16="http://schemas.microsoft.com/office/drawing/2014/main" id="{933BB7D7-1B48-4722-B5B8-FC287D85C205}"/>
+              </a:ext>
+            </a:extLst>
+          </p:cNvPr>
+          <p:cNvSpPr/>
+          <p:nvPr/>
+        </p:nvSpPr>
+        <p:spPr>
+          <a:xfrm>
+            <a:off x="5844791" y="2903973"/>
+            <a:ext cx="3670998" cy="422031"/>
+          </a:xfrm>
+          <a:prstGeom prst="rect">
+            <a:avLst/>
+          </a:prstGeom>
+          <a:noFill/>
+          <a:ln>
+            <a:solidFill>
+              <a:srgbClr val="FF0000"/>
+            </a:solidFill>
+          </a:ln>
+        </p:spPr>
+        <p:style>
+          <a:lnRef idx="2">
+            <a:schemeClr val="accent1">
+              <a:shade val="50000"/>
+            </a:schemeClr>
+          </a:lnRef>
+          <a:fillRef idx="1">
+            <a:schemeClr val="accent1"/>
+          </a:fillRef>
+          <a:effectRef idx="0">
+            <a:schemeClr val="accent1"/>
+          </a:effectRef>
+          <a:fontRef idx="minor">
+            <a:schemeClr val="lt1"/>
+          </a:fontRef>
+        </p:style>
+        <p:txBody>
+          <a:bodyPr rtlCol="0" anchor="ctr"/>
+          <a:lstStyle/>
+          <a:p>
+            <a:pPr algn="ctr"/>
+            <a:endParaRPr lang="en-US">
+              <a:solidFill>
+                <a:srgbClr val="FF0000"/>
+              </a:solidFill>
+            </a:endParaRPr>
+          </a:p>
+        </p:txBody>
+      </p:sp>
+      <p:cxnSp>
+        <p:nvCxnSpPr>
+          <p:cNvPr id="6" name="Straight Arrow Connector 5">
+            <a:extLst>
+              <a:ext uri="{FF2B5EF4-FFF2-40B4-BE49-F238E27FC236}">
+                <a16:creationId xmlns:a16="http://schemas.microsoft.com/office/drawing/2014/main" id="{7B240593-8B11-47FE-81B6-9C23730A17B1}"/>
+              </a:ext>
+            </a:extLst>
+          </p:cNvPr>
+          <p:cNvCxnSpPr>
+            <a:cxnSpLocks/>
+          </p:cNvCxnSpPr>
+          <p:nvPr/>
+        </p:nvCxnSpPr>
+        <p:spPr>
+          <a:xfrm flipV="1">
+            <a:off x="7033846" y="3024547"/>
+            <a:ext cx="231112" cy="160772"/>
+          </a:xfrm>
+          <a:prstGeom prst="straightConnector1">
+            <a:avLst/>
+          </a:prstGeom>
+          <a:ln>
+            <a:solidFill>
+              <a:srgbClr val="FF0000"/>
+            </a:solidFill>
+            <a:headEnd type="triangle"/>
+            <a:tailEnd type="triangle"/>
+          </a:ln>
+        </p:spPr>
+        <p:style>
+          <a:lnRef idx="1">
+            <a:schemeClr val="accent1"/>
+          </a:lnRef>
+          <a:fillRef idx="0">
+            <a:schemeClr val="accent1"/>
+          </a:fillRef>
+          <a:effectRef idx="0">
+            <a:schemeClr val="accent1"/>
+          </a:effectRef>
+          <a:fontRef idx="minor">
+            <a:schemeClr val="tx1"/>
+          </a:fontRef>
+        </p:style>
+      </p:cxnSp>
+      <p:cxnSp>
+        <p:nvCxnSpPr>
+          <p:cNvPr id="8" name="Straight Arrow Connector 7">
+            <a:extLst>
+              <a:ext uri="{FF2B5EF4-FFF2-40B4-BE49-F238E27FC236}">
+                <a16:creationId xmlns:a16="http://schemas.microsoft.com/office/drawing/2014/main" id="{729DC453-AD86-432D-9E96-644EBF9E20EF}"/>
+              </a:ext>
+            </a:extLst>
+          </p:cNvPr>
+          <p:cNvCxnSpPr>
+            <a:cxnSpLocks/>
+          </p:cNvCxnSpPr>
+          <p:nvPr/>
+        </p:nvCxnSpPr>
+        <p:spPr>
+          <a:xfrm flipV="1">
+            <a:off x="4119824" y="3185319"/>
+            <a:ext cx="1724967" cy="226091"/>
+          </a:xfrm>
+          <a:prstGeom prst="straightConnector1">
+            <a:avLst/>
+          </a:prstGeom>
+          <a:ln>
+            <a:solidFill>
+              <a:srgbClr val="FF0000"/>
+            </a:solidFill>
+            <a:headEnd type="triangle"/>
+            <a:tailEnd type="triangle"/>
+          </a:ln>
+        </p:spPr>
+        <p:style>
+          <a:lnRef idx="1">
+            <a:schemeClr val="accent1"/>
+          </a:lnRef>
+          <a:fillRef idx="0">
+            <a:schemeClr val="accent1"/>
+          </a:fillRef>
+          <a:effectRef idx="0">
+            <a:schemeClr val="accent1"/>
+          </a:effectRef>
+          <a:fontRef idx="minor">
+            <a:schemeClr val="tx1"/>
+          </a:fontRef>
+        </p:style>
+      </p:cxnSp>
+    </p:spTree>
+    <p:extLst>
+      <p:ext uri="{BB962C8B-B14F-4D97-AF65-F5344CB8AC3E}">
+        <p14:creationId xmlns:p14="http://schemas.microsoft.com/office/powerpoint/2010/main" val="2435259429"/>
+      </p:ext>
+    </p:extLst>
+  </p:cSld>
+  <p:clrMapOvr>
+    <a:masterClrMapping/>
+  </p:clrMapOvr>
+  <p:timing>
+    <p:tnLst>
+      <p:par>
+        <p:cTn id="1" dur="indefinite" restart="never" nodeType="tmRoot">
+          <p:childTnLst>
+            <p:seq concurrent="1" nextAc="seek">
+              <p:cTn id="2" dur="indefinite" nodeType="mainSeq">
+                <p:childTnLst>
+                  <p:par>
+                    <p:cTn id="3" fill="hold">
+                      <p:stCondLst>
+                        <p:cond delay="indefinite"/>
+                      </p:stCondLst>
+                      <p:childTnLst>
+                        <p:par>
+                          <p:cTn id="4" fill="hold">
+                            <p:stCondLst>
+                              <p:cond delay="0"/>
+                            </p:stCondLst>
+                            <p:childTnLst>
+                              <p:par>
+                                <p:cTn id="5" presetID="42" presetClass="entr" presetSubtype="0" fill="hold" grpId="0" nodeType="clickEffect">
+                                  <p:stCondLst>
+                                    <p:cond delay="0"/>
+                                  </p:stCondLst>
+                                  <p:childTnLst>
+                                    <p:set>
+                                      <p:cBhvr>
+                                        <p:cTn id="6" dur="1" fill="hold">
+                                          <p:stCondLst>
+                                            <p:cond delay="0"/>
+                                          </p:stCondLst>
+                                        </p:cTn>
+                                        <p:tgtEl>
+                                          <p:spTgt spid="4"/>
+                                        </p:tgtEl>
+                                        <p:attrNameLst>
+                                          <p:attrName>style.visibility</p:attrName>
+                                        </p:attrNameLst>
+                                      </p:cBhvr>
+                                      <p:to>
+                                        <p:strVal val="visible"/>
+                                      </p:to>
+                                    </p:set>
+                                    <p:animEffect transition="in" filter="fade">
+                                      <p:cBhvr>
+                                        <p:cTn id="7" dur="1000"/>
+                                        <p:tgtEl>
+                                          <p:spTgt spid="4"/>
+                                        </p:tgtEl>
+                                      </p:cBhvr>
+                                    </p:animEffect>
+                                    <p:anim calcmode="lin" valueType="num">
+                                      <p:cBhvr>
+                                        <p:cTn id="8" dur="1000" fill="hold"/>
+                                        <p:tgtEl>
+                                          <p:spTgt spid="4"/>
+                                        </p:tgtEl>
+                                        <p:attrNameLst>
+                                          <p:attrName>ppt_x</p:attrName>
+                                        </p:attrNameLst>
+                                      </p:cBhvr>
+                                      <p:tavLst>
+                                        <p:tav tm="0">
+                                          <p:val>
+                                            <p:strVal val="#ppt_x"/>
+                                          </p:val>
+                                        </p:tav>
+                                        <p:tav tm="100000">
+                                          <p:val>
+                                            <p:strVal val="#ppt_x"/>
+                                          </p:val>
+                                        </p:tav>
+                                      </p:tavLst>
+                                    </p:anim>
+                                    <p:anim calcmode="lin" valueType="num">
+                                      <p:cBhvr>
+                                        <p:cTn id="9" dur="1000" fill="hold"/>
+                                        <p:tgtEl>
+                                          <p:spTgt spid="4"/>
+                                        </p:tgtEl>
+                                        <p:attrNameLst>
+                                          <p:attrName>ppt_y</p:attrName>
+                                        </p:attrNameLst>
+                                      </p:cBhvr>
+                                      <p:tavLst>
+                                        <p:tav tm="0">
+                                          <p:val>
+                                            <p:strVal val="#ppt_y+.1"/>
+                                          </p:val>
+                                        </p:tav>
+                                        <p:tav tm="100000">
+                                          <p:val>
+                                            <p:strVal val="#ppt_y"/>
+                                          </p:val>
+                                        </p:tav>
+                                      </p:tavLst>
+                                    </p:anim>
+                                  </p:childTnLst>
+                                </p:cTn>
+                              </p:par>
+                            </p:childTnLst>
+                          </p:cTn>
+                        </p:par>
+                      </p:childTnLst>
+                    </p:cTn>
+                  </p:par>
+                  <p:par>
+                    <p:cTn id="10" fill="hold">
+                      <p:stCondLst>
+                        <p:cond delay="indefinite"/>
+                      </p:stCondLst>
+                      <p:childTnLst>
+                        <p:par>
+                          <p:cTn id="11" fill="hold">
+                            <p:stCondLst>
+                              <p:cond delay="0"/>
+                            </p:stCondLst>
+                            <p:childTnLst>
+                              <p:par>
+                                <p:cTn id="12" presetID="42" presetClass="entr" presetSubtype="0" fill="hold" nodeType="clickEffect">
+                                  <p:stCondLst>
+                                    <p:cond delay="0"/>
+                                  </p:stCondLst>
+                                  <p:childTnLst>
+                                    <p:set>
+                                      <p:cBhvr>
+                                        <p:cTn id="13" dur="1" fill="hold">
+                                          <p:stCondLst>
+                                            <p:cond delay="0"/>
+                                          </p:stCondLst>
+                                        </p:cTn>
+                                        <p:tgtEl>
+                                          <p:spTgt spid="3">
+                                            <p:txEl>
+                                              <p:pRg st="4" end="4"/>
+                                            </p:txEl>
+                                          </p:spTgt>
+                                        </p:tgtEl>
+                                        <p:attrNameLst>
+                                          <p:attrName>style.visibility</p:attrName>
+                                        </p:attrNameLst>
+                                      </p:cBhvr>
+                                      <p:to>
+                                        <p:strVal val="visible"/>
+                                      </p:to>
+                                    </p:set>
+                                    <p:animEffect transition="in" filter="fade">
+                                      <p:cBhvr>
+                                        <p:cTn id="14" dur="1000"/>
+                                        <p:tgtEl>
+                                          <p:spTgt spid="3">
+                                            <p:txEl>
+                                              <p:pRg st="4" end="4"/>
+                                            </p:txEl>
+                                          </p:spTgt>
+                                        </p:tgtEl>
+                                      </p:cBhvr>
+                                    </p:animEffect>
+                                    <p:anim calcmode="lin" valueType="num">
+                                      <p:cBhvr>
+                                        <p:cTn id="15" dur="1000" fill="hold"/>
+                                        <p:tgtEl>
+                                          <p:spTgt spid="3">
+                                            <p:txEl>
+                                              <p:pRg st="4" end="4"/>
+                                            </p:txEl>
+                                          </p:spTgt>
+                                        </p:tgtEl>
+                                        <p:attrNameLst>
+                                          <p:attrName>ppt_x</p:attrName>
+                                        </p:attrNameLst>
+                                      </p:cBhvr>
+                                      <p:tavLst>
+                                        <p:tav tm="0">
+                                          <p:val>
+                                            <p:strVal val="#ppt_x"/>
+                                          </p:val>
+                                        </p:tav>
+                                        <p:tav tm="100000">
+                                          <p:val>
+                                            <p:strVal val="#ppt_x"/>
+                                          </p:val>
+                                        </p:tav>
+                                      </p:tavLst>
+                                    </p:anim>
+                                    <p:anim calcmode="lin" valueType="num">
+                                      <p:cBhvr>
+                                        <p:cTn id="16" dur="1000" fill="hold"/>
+                                        <p:tgtEl>
+                                          <p:spTgt spid="3">
+                                            <p:txEl>
+                                              <p:pRg st="4" end="4"/>
+                                            </p:txEl>
+                                          </p:spTgt>
+                                        </p:tgtEl>
+                                        <p:attrNameLst>
+                                          <p:attrName>ppt_y</p:attrName>
+                                        </p:attrNameLst>
+                                      </p:cBhvr>
+                                      <p:tavLst>
+                                        <p:tav tm="0">
+                                          <p:val>
+                                            <p:strVal val="#ppt_y+.1"/>
+                                          </p:val>
+                                        </p:tav>
+                                        <p:tav tm="100000">
+                                          <p:val>
+                                            <p:strVal val="#ppt_y"/>
+                                          </p:val>
+                                        </p:tav>
+                                      </p:tavLst>
+                                    </p:anim>
+                                  </p:childTnLst>
+                                </p:cTn>
+                              </p:par>
+                            </p:childTnLst>
+                          </p:cTn>
+                        </p:par>
+                      </p:childTnLst>
+                    </p:cTn>
+                  </p:par>
+                  <p:par>
+                    <p:cTn id="17" fill="hold">
+                      <p:stCondLst>
+                        <p:cond delay="indefinite"/>
+                      </p:stCondLst>
+                      <p:childTnLst>
+                        <p:par>
+                          <p:cTn id="18" fill="hold">
+                            <p:stCondLst>
+                              <p:cond delay="0"/>
+                            </p:stCondLst>
+                            <p:childTnLst>
+                              <p:par>
+                                <p:cTn id="19" presetID="30" presetClass="emph" presetSubtype="0" fill="hold" nodeType="clickEffect">
+                                  <p:stCondLst>
+                                    <p:cond delay="0"/>
+                                  </p:stCondLst>
+                                  <p:childTnLst>
+                                    <p:animClr clrSpc="hsl" dir="cw">
+                                      <p:cBhvr override="childStyle">
+                                        <p:cTn id="20" dur="500" fill="hold"/>
+                                        <p:tgtEl>
+                                          <p:spTgt spid="3">
+                                            <p:txEl>
+                                              <p:pRg st="3" end="3"/>
+                                            </p:txEl>
+                                          </p:spTgt>
+                                        </p:tgtEl>
+                                        <p:attrNameLst>
+                                          <p:attrName>style.color</p:attrName>
+                                        </p:attrNameLst>
+                                      </p:cBhvr>
+                                      <p:by>
+                                        <p:hsl h="0" s="12549" l="25098"/>
+                                      </p:by>
+                                    </p:animClr>
+                                    <p:animClr clrSpc="hsl" dir="cw">
+                                      <p:cBhvr>
+                                        <p:cTn id="21" dur="500" fill="hold"/>
+                                        <p:tgtEl>
+                                          <p:spTgt spid="3">
+                                            <p:txEl>
+                                              <p:pRg st="3" end="3"/>
+                                            </p:txEl>
+                                          </p:spTgt>
+                                        </p:tgtEl>
+                                        <p:attrNameLst>
+                                          <p:attrName>fillcolor</p:attrName>
+                                        </p:attrNameLst>
+                                      </p:cBhvr>
+                                      <p:by>
+                                        <p:hsl h="0" s="12549" l="25098"/>
+                                      </p:by>
+                                    </p:animClr>
+                                    <p:animClr clrSpc="hsl" dir="cw">
+                                      <p:cBhvr>
+                                        <p:cTn id="22" dur="500" fill="hold"/>
+                                        <p:tgtEl>
+                                          <p:spTgt spid="3">
+                                            <p:txEl>
+                                              <p:pRg st="3" end="3"/>
+                                            </p:txEl>
+                                          </p:spTgt>
+                                        </p:tgtEl>
+                                        <p:attrNameLst>
+                                          <p:attrName>stroke.color</p:attrName>
+                                        </p:attrNameLst>
+                                      </p:cBhvr>
+                                      <p:by>
+                                        <p:hsl h="0" s="12549" l="25098"/>
+                                      </p:by>
+                                    </p:animClr>
+                                    <p:set>
+                                      <p:cBhvr>
+                                        <p:cTn id="23" dur="500" fill="hold"/>
+                                        <p:tgtEl>
+                                          <p:spTgt spid="3">
+                                            <p:txEl>
+                                              <p:pRg st="3" end="3"/>
+                                            </p:txEl>
+                                          </p:spTgt>
+                                        </p:tgtEl>
+                                        <p:attrNameLst>
+                                          <p:attrName>fill.type</p:attrName>
+                                        </p:attrNameLst>
+                                      </p:cBhvr>
+                                      <p:to>
+                                        <p:strVal val="solid"/>
+                                      </p:to>
+                                    </p:set>
+                                  </p:childTnLst>
+                                </p:cTn>
+                              </p:par>
+                            </p:childTnLst>
+                          </p:cTn>
+                        </p:par>
+                      </p:childTnLst>
+                    </p:cTn>
+                  </p:par>
+                </p:childTnLst>
+              </p:cTn>
+              <p:prevCondLst>
+                <p:cond evt="onPrev" delay="0">
+                  <p:tgtEl>
+                    <p:sldTgt/>
+                  </p:tgtEl>
+                </p:cond>
+              </p:prevCondLst>
+              <p:nextCondLst>
+                <p:cond evt="onNext" delay="0">
+                  <p:tgtEl>
+                    <p:sldTgt/>
+                  </p:tgtEl>
+                </p:cond>
+              </p:nextCondLst>
+            </p:seq>
+          </p:childTnLst>
+        </p:cTn>
+      </p:par>
+    </p:tnLst>
+    <p:bldLst>
+      <p:bldP spid="4" grpId="0" animBg="1"/>
+    </p:bldLst>
+  </p:timing>
+</p:sld>
+</file>
+
+<file path=ppt/slides/slide25.xml><?xml version="1.0" encoding="utf-8"?>
+<p:sld xmlns:a="http://schemas.openxmlformats.org/drawingml/2006/main" xmlns:r="http://schemas.openxmlformats.org/officeDocument/2006/relationships" xmlns:p="http://schemas.openxmlformats.org/presentationml/2006/main">
+  <p:cSld>
+    <p:spTree>
+      <p:nvGrpSpPr>
+        <p:cNvPr id="1" name=""/>
+        <p:cNvGrpSpPr/>
+        <p:nvPr/>
+      </p:nvGrpSpPr>
+      <p:grpSpPr>
+        <a:xfrm>
+          <a:off x="0" y="0"/>
+          <a:ext cx="0" cy="0"/>
+          <a:chOff x="0" y="0"/>
+          <a:chExt cx="0" cy="0"/>
+        </a:xfrm>
+      </p:grpSpPr>
+      <p:sp>
+        <p:nvSpPr>
+          <p:cNvPr id="2" name="Title 1">
+            <a:extLst>
+              <a:ext uri="{FF2B5EF4-FFF2-40B4-BE49-F238E27FC236}">
+                <a16:creationId xmlns:a16="http://schemas.microsoft.com/office/drawing/2014/main" id="{FD2F58F9-A864-46E6-AD91-4DD0EC392A7B}"/>
+              </a:ext>
+            </a:extLst>
+          </p:cNvPr>
+          <p:cNvSpPr>
+            <a:spLocks noGrp="1"/>
+          </p:cNvSpPr>
+          <p:nvPr>
+            <p:ph type="title"/>
+          </p:nvPr>
+        </p:nvSpPr>
+        <p:spPr/>
+        <p:txBody>
+          <a:bodyPr/>
+          <a:lstStyle/>
+          <a:p>
+            <a:r>
+              <a:rPr lang="en-US" dirty="0"/>
+              <a:t>Algo 2</a:t>
+            </a:r>
+          </a:p>
+        </p:txBody>
+      </p:sp>
+      <p:sp>
+        <p:nvSpPr>
+          <p:cNvPr id="3" name="Content Placeholder 2">
+            <a:extLst>
+              <a:ext uri="{FF2B5EF4-FFF2-40B4-BE49-F238E27FC236}">
+                <a16:creationId xmlns:a16="http://schemas.microsoft.com/office/drawing/2014/main" id="{5DB13537-2ECD-46E8-9E29-81586242B973}"/>
+              </a:ext>
+            </a:extLst>
+          </p:cNvPr>
+          <p:cNvSpPr>
+            <a:spLocks noGrp="1"/>
+          </p:cNvSpPr>
+          <p:nvPr>
+            <p:ph idx="1"/>
+          </p:nvPr>
+        </p:nvSpPr>
+        <p:spPr>
+          <a:xfrm>
+            <a:off x="1097280" y="1916073"/>
+            <a:ext cx="3748035" cy="4023360"/>
+          </a:xfrm>
+        </p:spPr>
+        <p:txBody>
+          <a:bodyPr/>
+          <a:lstStyle/>
+          <a:p>
+            <a:pPr>
+              <a:buFont typeface="Wingdings" panose="05000000000000000000" pitchFamily="2" charset="2"/>
+              <a:buChar char="q"/>
+            </a:pPr>
+            <a:r>
+              <a:rPr lang="en-US" dirty="0"/>
+              <a:t> [1990-01-01, 1991-01-01]</a:t>
+            </a:r>
+          </a:p>
+          <a:p>
+            <a:pPr>
+              <a:buFont typeface="Wingdings" panose="05000000000000000000" pitchFamily="2" charset="2"/>
+              <a:buChar char="q"/>
+            </a:pPr>
+            <a:r>
+              <a:rPr lang="en-US" dirty="0"/>
+              <a:t> [1991-08-01, 1997-05-01]</a:t>
+            </a:r>
+          </a:p>
+          <a:p>
+            <a:pPr>
+              <a:buFont typeface="Wingdings" panose="05000000000000000000" pitchFamily="2" charset="2"/>
+              <a:buChar char="q"/>
+            </a:pPr>
+            <a:r>
+              <a:rPr lang="en-US" dirty="0"/>
+              <a:t> </a:t>
+            </a:r>
+            <a:r>
+              <a:rPr lang="en-US" strike="sngStrike" dirty="0"/>
+              <a:t>[1997 -06-01, 2005-12-01]</a:t>
+            </a:r>
+          </a:p>
+          <a:p>
+            <a:pPr>
+              <a:buFont typeface="Wingdings" panose="05000000000000000000" pitchFamily="2" charset="2"/>
+              <a:buChar char="q"/>
+            </a:pPr>
+            <a:r>
+              <a:rPr lang="en-US" strike="sngStrike" dirty="0"/>
+              <a:t> [1997 -06-01, 2005-12-01]</a:t>
+            </a:r>
+          </a:p>
+          <a:p>
+            <a:pPr>
+              <a:buFont typeface="Wingdings" panose="05000000000000000000" pitchFamily="2" charset="2"/>
+              <a:buChar char="q"/>
+            </a:pPr>
+            <a:r>
+              <a:rPr lang="en-US" dirty="0"/>
+              <a:t> [1997-06-01, 2007-01-01]</a:t>
+            </a:r>
+          </a:p>
+          <a:p>
+            <a:pPr>
+              <a:buFont typeface="Wingdings" panose="05000000000000000000" pitchFamily="2" charset="2"/>
+              <a:buChar char="q"/>
+            </a:pPr>
+            <a:r>
+              <a:rPr lang="en-US" dirty="0"/>
+              <a:t> [1997-06-01, 2007-01-01]</a:t>
+            </a:r>
+          </a:p>
+          <a:p>
+            <a:pPr marL="0" indent="0">
+              <a:buNone/>
+            </a:pPr>
+            <a:endParaRPr lang="en-US" dirty="0"/>
+          </a:p>
+          <a:p>
+            <a:pPr>
+              <a:buFont typeface="Wingdings" panose="05000000000000000000" pitchFamily="2" charset="2"/>
+              <a:buChar char="q"/>
+            </a:pPr>
+            <a:endParaRPr lang="en-US" dirty="0"/>
+          </a:p>
+          <a:p>
+            <a:pPr>
+              <a:buFont typeface="Wingdings" panose="05000000000000000000" pitchFamily="2" charset="2"/>
+              <a:buChar char="q"/>
+            </a:pPr>
+            <a:endParaRPr lang="en-US" dirty="0"/>
+          </a:p>
+        </p:txBody>
+      </p:sp>
+      <p:pic>
+        <p:nvPicPr>
+          <p:cNvPr id="7" name="Picture 6">
+            <a:extLst>
+              <a:ext uri="{FF2B5EF4-FFF2-40B4-BE49-F238E27FC236}">
+                <a16:creationId xmlns:a16="http://schemas.microsoft.com/office/drawing/2014/main" id="{14B60D75-150F-45B5-9AFF-9DC025040DC0}"/>
+              </a:ext>
+            </a:extLst>
+          </p:cNvPr>
+          <p:cNvPicPr>
+            <a:picLocks noChangeAspect="1"/>
+          </p:cNvPicPr>
+          <p:nvPr/>
+        </p:nvPicPr>
+        <p:blipFill rotWithShape="1">
+          <a:blip r:embed="rId2"/>
+          <a:srcRect l="3140" r="2573"/>
+          <a:stretch/>
+        </p:blipFill>
+        <p:spPr>
+          <a:xfrm>
+            <a:off x="5844791" y="1916073"/>
+            <a:ext cx="3748035" cy="3627455"/>
+          </a:xfrm>
+          <a:prstGeom prst="rect">
+            <a:avLst/>
+          </a:prstGeom>
+        </p:spPr>
+      </p:pic>
+      <p:sp>
+        <p:nvSpPr>
+          <p:cNvPr id="4" name="Rectangle 3">
+            <a:extLst>
+              <a:ext uri="{FF2B5EF4-FFF2-40B4-BE49-F238E27FC236}">
+                <a16:creationId xmlns:a16="http://schemas.microsoft.com/office/drawing/2014/main" id="{933BB7D7-1B48-4722-B5B8-FC287D85C205}"/>
+              </a:ext>
+            </a:extLst>
+          </p:cNvPr>
+          <p:cNvSpPr/>
+          <p:nvPr/>
+        </p:nvSpPr>
+        <p:spPr>
+          <a:xfrm>
+            <a:off x="5844791" y="3155180"/>
+            <a:ext cx="3670998" cy="422031"/>
+          </a:xfrm>
+          <a:prstGeom prst="rect">
+            <a:avLst/>
+          </a:prstGeom>
+          <a:noFill/>
+          <a:ln>
+            <a:solidFill>
+              <a:srgbClr val="FF0000"/>
+            </a:solidFill>
+          </a:ln>
+        </p:spPr>
+        <p:style>
+          <a:lnRef idx="2">
+            <a:schemeClr val="accent1">
+              <a:shade val="50000"/>
+            </a:schemeClr>
+          </a:lnRef>
+          <a:fillRef idx="1">
+            <a:schemeClr val="accent1"/>
+          </a:fillRef>
+          <a:effectRef idx="0">
+            <a:schemeClr val="accent1"/>
+          </a:effectRef>
+          <a:fontRef idx="minor">
+            <a:schemeClr val="lt1"/>
+          </a:fontRef>
+        </p:style>
+        <p:txBody>
+          <a:bodyPr rtlCol="0" anchor="ctr"/>
+          <a:lstStyle/>
+          <a:p>
+            <a:pPr algn="ctr"/>
+            <a:endParaRPr lang="en-US">
+              <a:solidFill>
+                <a:srgbClr val="FF0000"/>
+              </a:solidFill>
+            </a:endParaRPr>
+          </a:p>
+        </p:txBody>
+      </p:sp>
+      <p:cxnSp>
+        <p:nvCxnSpPr>
+          <p:cNvPr id="6" name="Straight Arrow Connector 5">
+            <a:extLst>
+              <a:ext uri="{FF2B5EF4-FFF2-40B4-BE49-F238E27FC236}">
+                <a16:creationId xmlns:a16="http://schemas.microsoft.com/office/drawing/2014/main" id="{7B240593-8B11-47FE-81B6-9C23730A17B1}"/>
+              </a:ext>
+            </a:extLst>
+          </p:cNvPr>
+          <p:cNvCxnSpPr>
+            <a:cxnSpLocks/>
+          </p:cNvCxnSpPr>
+          <p:nvPr/>
+        </p:nvCxnSpPr>
+        <p:spPr>
+          <a:xfrm flipV="1">
+            <a:off x="7033846" y="3275754"/>
+            <a:ext cx="231112" cy="160772"/>
+          </a:xfrm>
+          <a:prstGeom prst="straightConnector1">
+            <a:avLst/>
+          </a:prstGeom>
+          <a:ln>
+            <a:solidFill>
+              <a:srgbClr val="FF0000"/>
+            </a:solidFill>
+            <a:headEnd type="triangle"/>
+            <a:tailEnd type="triangle"/>
+          </a:ln>
+        </p:spPr>
+        <p:style>
+          <a:lnRef idx="1">
+            <a:schemeClr val="accent1"/>
+          </a:lnRef>
+          <a:fillRef idx="0">
+            <a:schemeClr val="accent1"/>
+          </a:fillRef>
+          <a:effectRef idx="0">
+            <a:schemeClr val="accent1"/>
+          </a:effectRef>
+          <a:fontRef idx="minor">
+            <a:schemeClr val="tx1"/>
+          </a:fontRef>
+        </p:style>
+      </p:cxnSp>
+      <p:cxnSp>
+        <p:nvCxnSpPr>
+          <p:cNvPr id="8" name="Straight Arrow Connector 7">
+            <a:extLst>
+              <a:ext uri="{FF2B5EF4-FFF2-40B4-BE49-F238E27FC236}">
+                <a16:creationId xmlns:a16="http://schemas.microsoft.com/office/drawing/2014/main" id="{729DC453-AD86-432D-9E96-644EBF9E20EF}"/>
+              </a:ext>
+            </a:extLst>
+          </p:cNvPr>
+          <p:cNvCxnSpPr>
+            <a:cxnSpLocks/>
+          </p:cNvCxnSpPr>
+          <p:nvPr/>
+        </p:nvCxnSpPr>
+        <p:spPr>
+          <a:xfrm flipV="1">
+            <a:off x="4021350" y="3537009"/>
+            <a:ext cx="1724967" cy="226091"/>
+          </a:xfrm>
+          <a:prstGeom prst="straightConnector1">
+            <a:avLst/>
+          </a:prstGeom>
+          <a:ln>
+            <a:solidFill>
+              <a:srgbClr val="FF0000"/>
+            </a:solidFill>
+            <a:headEnd type="triangle"/>
+            <a:tailEnd type="triangle"/>
+          </a:ln>
+        </p:spPr>
+        <p:style>
+          <a:lnRef idx="1">
+            <a:schemeClr val="accent1"/>
+          </a:lnRef>
+          <a:fillRef idx="0">
+            <a:schemeClr val="accent1"/>
+          </a:fillRef>
+          <a:effectRef idx="0">
+            <a:schemeClr val="accent1"/>
+          </a:effectRef>
+          <a:fontRef idx="minor">
+            <a:schemeClr val="tx1"/>
+          </a:fontRef>
+        </p:style>
+      </p:cxnSp>
+    </p:spTree>
+    <p:extLst>
+      <p:ext uri="{BB962C8B-B14F-4D97-AF65-F5344CB8AC3E}">
+        <p14:creationId xmlns:p14="http://schemas.microsoft.com/office/powerpoint/2010/main" val="578720697"/>
+      </p:ext>
+    </p:extLst>
+  </p:cSld>
+  <p:clrMapOvr>
+    <a:masterClrMapping/>
+  </p:clrMapOvr>
+  <p:timing>
+    <p:tnLst>
+      <p:par>
+        <p:cTn id="1" dur="indefinite" restart="never" nodeType="tmRoot">
+          <p:childTnLst>
+            <p:seq concurrent="1" nextAc="seek">
+              <p:cTn id="2" dur="indefinite" nodeType="mainSeq">
+                <p:childTnLst>
+                  <p:par>
+                    <p:cTn id="3" fill="hold">
+                      <p:stCondLst>
+                        <p:cond delay="indefinite"/>
+                      </p:stCondLst>
+                      <p:childTnLst>
+                        <p:par>
+                          <p:cTn id="4" fill="hold">
+                            <p:stCondLst>
+                              <p:cond delay="0"/>
+                            </p:stCondLst>
+                            <p:childTnLst>
+                              <p:par>
+                                <p:cTn id="5" presetID="42" presetClass="entr" presetSubtype="0" fill="hold" grpId="0" nodeType="clickEffect">
+                                  <p:stCondLst>
+                                    <p:cond delay="0"/>
+                                  </p:stCondLst>
+                                  <p:childTnLst>
+                                    <p:set>
+                                      <p:cBhvr>
+                                        <p:cTn id="6" dur="1" fill="hold">
+                                          <p:stCondLst>
+                                            <p:cond delay="0"/>
+                                          </p:stCondLst>
+                                        </p:cTn>
+                                        <p:tgtEl>
+                                          <p:spTgt spid="4"/>
+                                        </p:tgtEl>
+                                        <p:attrNameLst>
+                                          <p:attrName>style.visibility</p:attrName>
+                                        </p:attrNameLst>
+                                      </p:cBhvr>
+                                      <p:to>
+                                        <p:strVal val="visible"/>
+                                      </p:to>
+                                    </p:set>
+                                    <p:animEffect transition="in" filter="fade">
+                                      <p:cBhvr>
+                                        <p:cTn id="7" dur="1000"/>
+                                        <p:tgtEl>
+                                          <p:spTgt spid="4"/>
+                                        </p:tgtEl>
+                                      </p:cBhvr>
+                                    </p:animEffect>
+                                    <p:anim calcmode="lin" valueType="num">
+                                      <p:cBhvr>
+                                        <p:cTn id="8" dur="1000" fill="hold"/>
+                                        <p:tgtEl>
+                                          <p:spTgt spid="4"/>
+                                        </p:tgtEl>
+                                        <p:attrNameLst>
+                                          <p:attrName>ppt_x</p:attrName>
+                                        </p:attrNameLst>
+                                      </p:cBhvr>
+                                      <p:tavLst>
+                                        <p:tav tm="0">
+                                          <p:val>
+                                            <p:strVal val="#ppt_x"/>
+                                          </p:val>
+                                        </p:tav>
+                                        <p:tav tm="100000">
+                                          <p:val>
+                                            <p:strVal val="#ppt_x"/>
+                                          </p:val>
+                                        </p:tav>
+                                      </p:tavLst>
+                                    </p:anim>
+                                    <p:anim calcmode="lin" valueType="num">
+                                      <p:cBhvr>
+                                        <p:cTn id="9" dur="1000" fill="hold"/>
+                                        <p:tgtEl>
+                                          <p:spTgt spid="4"/>
+                                        </p:tgtEl>
+                                        <p:attrNameLst>
+                                          <p:attrName>ppt_y</p:attrName>
+                                        </p:attrNameLst>
+                                      </p:cBhvr>
+                                      <p:tavLst>
+                                        <p:tav tm="0">
+                                          <p:val>
+                                            <p:strVal val="#ppt_y+.1"/>
+                                          </p:val>
+                                        </p:tav>
+                                        <p:tav tm="100000">
+                                          <p:val>
+                                            <p:strVal val="#ppt_y"/>
+                                          </p:val>
+                                        </p:tav>
+                                      </p:tavLst>
+                                    </p:anim>
+                                  </p:childTnLst>
+                                </p:cTn>
+                              </p:par>
+                            </p:childTnLst>
+                          </p:cTn>
+                        </p:par>
+                      </p:childTnLst>
+                    </p:cTn>
+                  </p:par>
+                  <p:par>
+                    <p:cTn id="10" fill="hold">
+                      <p:stCondLst>
+                        <p:cond delay="indefinite"/>
+                      </p:stCondLst>
+                      <p:childTnLst>
+                        <p:par>
+                          <p:cTn id="11" fill="hold">
+                            <p:stCondLst>
+                              <p:cond delay="0"/>
+                            </p:stCondLst>
+                            <p:childTnLst>
+                              <p:par>
+                                <p:cTn id="12" presetID="42" presetClass="entr" presetSubtype="0" fill="hold" nodeType="clickEffect">
+                                  <p:stCondLst>
+                                    <p:cond delay="0"/>
+                                  </p:stCondLst>
+                                  <p:childTnLst>
+                                    <p:set>
+                                      <p:cBhvr>
+                                        <p:cTn id="13" dur="1" fill="hold">
+                                          <p:stCondLst>
+                                            <p:cond delay="0"/>
+                                          </p:stCondLst>
+                                        </p:cTn>
+                                        <p:tgtEl>
+                                          <p:spTgt spid="3">
+                                            <p:txEl>
+                                              <p:pRg st="5" end="5"/>
+                                            </p:txEl>
+                                          </p:spTgt>
+                                        </p:tgtEl>
+                                        <p:attrNameLst>
+                                          <p:attrName>style.visibility</p:attrName>
+                                        </p:attrNameLst>
+                                      </p:cBhvr>
+                                      <p:to>
+                                        <p:strVal val="visible"/>
+                                      </p:to>
+                                    </p:set>
+                                    <p:animEffect transition="in" filter="fade">
+                                      <p:cBhvr>
+                                        <p:cTn id="14" dur="1000"/>
+                                        <p:tgtEl>
+                                          <p:spTgt spid="3">
+                                            <p:txEl>
+                                              <p:pRg st="5" end="5"/>
+                                            </p:txEl>
+                                          </p:spTgt>
+                                        </p:tgtEl>
+                                      </p:cBhvr>
+                                    </p:animEffect>
+                                    <p:anim calcmode="lin" valueType="num">
+                                      <p:cBhvr>
+                                        <p:cTn id="15" dur="1000" fill="hold"/>
+                                        <p:tgtEl>
+                                          <p:spTgt spid="3">
+                                            <p:txEl>
+                                              <p:pRg st="5" end="5"/>
+                                            </p:txEl>
+                                          </p:spTgt>
+                                        </p:tgtEl>
+                                        <p:attrNameLst>
+                                          <p:attrName>ppt_x</p:attrName>
+                                        </p:attrNameLst>
+                                      </p:cBhvr>
+                                      <p:tavLst>
+                                        <p:tav tm="0">
+                                          <p:val>
+                                            <p:strVal val="#ppt_x"/>
+                                          </p:val>
+                                        </p:tav>
+                                        <p:tav tm="100000">
+                                          <p:val>
+                                            <p:strVal val="#ppt_x"/>
+                                          </p:val>
+                                        </p:tav>
+                                      </p:tavLst>
+                                    </p:anim>
+                                    <p:anim calcmode="lin" valueType="num">
+                                      <p:cBhvr>
+                                        <p:cTn id="16" dur="1000" fill="hold"/>
+                                        <p:tgtEl>
+                                          <p:spTgt spid="3">
+                                            <p:txEl>
+                                              <p:pRg st="5" end="5"/>
+                                            </p:txEl>
+                                          </p:spTgt>
+                                        </p:tgtEl>
+                                        <p:attrNameLst>
+                                          <p:attrName>ppt_y</p:attrName>
+                                        </p:attrNameLst>
+                                      </p:cBhvr>
+                                      <p:tavLst>
+                                        <p:tav tm="0">
+                                          <p:val>
+                                            <p:strVal val="#ppt_y+.1"/>
+                                          </p:val>
+                                        </p:tav>
+                                        <p:tav tm="100000">
+                                          <p:val>
+                                            <p:strVal val="#ppt_y"/>
+                                          </p:val>
+                                        </p:tav>
+                                      </p:tavLst>
+                                    </p:anim>
+                                  </p:childTnLst>
+                                </p:cTn>
+                              </p:par>
+                            </p:childTnLst>
+                          </p:cTn>
+                        </p:par>
+                      </p:childTnLst>
+                    </p:cTn>
+                  </p:par>
+                  <p:par>
+                    <p:cTn id="17" fill="hold">
+                      <p:stCondLst>
+                        <p:cond delay="indefinite"/>
+                      </p:stCondLst>
+                      <p:childTnLst>
+                        <p:par>
+                          <p:cTn id="18" fill="hold">
+                            <p:stCondLst>
+                              <p:cond delay="0"/>
+                            </p:stCondLst>
+                            <p:childTnLst>
+                              <p:par>
+                                <p:cTn id="19" presetID="30" presetClass="emph" presetSubtype="0" fill="hold" nodeType="clickEffect">
+                                  <p:stCondLst>
+                                    <p:cond delay="0"/>
+                                  </p:stCondLst>
+                                  <p:childTnLst>
+                                    <p:animClr clrSpc="hsl" dir="cw">
+                                      <p:cBhvr override="childStyle">
+                                        <p:cTn id="20" dur="500" fill="hold"/>
+                                        <p:tgtEl>
+                                          <p:spTgt spid="3">
+                                            <p:txEl>
+                                              <p:pRg st="4" end="4"/>
+                                            </p:txEl>
+                                          </p:spTgt>
+                                        </p:tgtEl>
+                                        <p:attrNameLst>
+                                          <p:attrName>style.color</p:attrName>
+                                        </p:attrNameLst>
+                                      </p:cBhvr>
+                                      <p:by>
+                                        <p:hsl h="0" s="12549" l="25098"/>
+                                      </p:by>
+                                    </p:animClr>
+                                    <p:animClr clrSpc="hsl" dir="cw">
+                                      <p:cBhvr>
+                                        <p:cTn id="21" dur="500" fill="hold"/>
+                                        <p:tgtEl>
+                                          <p:spTgt spid="3">
+                                            <p:txEl>
+                                              <p:pRg st="4" end="4"/>
+                                            </p:txEl>
+                                          </p:spTgt>
+                                        </p:tgtEl>
+                                        <p:attrNameLst>
+                                          <p:attrName>fillcolor</p:attrName>
+                                        </p:attrNameLst>
+                                      </p:cBhvr>
+                                      <p:by>
+                                        <p:hsl h="0" s="12549" l="25098"/>
+                                      </p:by>
+                                    </p:animClr>
+                                    <p:animClr clrSpc="hsl" dir="cw">
+                                      <p:cBhvr>
+                                        <p:cTn id="22" dur="500" fill="hold"/>
+                                        <p:tgtEl>
+                                          <p:spTgt spid="3">
+                                            <p:txEl>
+                                              <p:pRg st="4" end="4"/>
+                                            </p:txEl>
+                                          </p:spTgt>
+                                        </p:tgtEl>
+                                        <p:attrNameLst>
+                                          <p:attrName>stroke.color</p:attrName>
+                                        </p:attrNameLst>
+                                      </p:cBhvr>
+                                      <p:by>
+                                        <p:hsl h="0" s="12549" l="25098"/>
+                                      </p:by>
+                                    </p:animClr>
+                                    <p:set>
+                                      <p:cBhvr>
+                                        <p:cTn id="23" dur="500" fill="hold"/>
+                                        <p:tgtEl>
+                                          <p:spTgt spid="3">
+                                            <p:txEl>
+                                              <p:pRg st="4" end="4"/>
+                                            </p:txEl>
+                                          </p:spTgt>
+                                        </p:tgtEl>
+                                        <p:attrNameLst>
+                                          <p:attrName>fill.type</p:attrName>
+                                        </p:attrNameLst>
+                                      </p:cBhvr>
+                                      <p:to>
+                                        <p:strVal val="solid"/>
+                                      </p:to>
+                                    </p:set>
+                                  </p:childTnLst>
+                                </p:cTn>
+                              </p:par>
+                            </p:childTnLst>
+                          </p:cTn>
+                        </p:par>
+                      </p:childTnLst>
+                    </p:cTn>
+                  </p:par>
+                </p:childTnLst>
+              </p:cTn>
+              <p:prevCondLst>
+                <p:cond evt="onPrev" delay="0">
+                  <p:tgtEl>
+                    <p:sldTgt/>
+                  </p:tgtEl>
+                </p:cond>
+              </p:prevCondLst>
+              <p:nextCondLst>
+                <p:cond evt="onNext" delay="0">
+                  <p:tgtEl>
+                    <p:sldTgt/>
+                  </p:tgtEl>
+                </p:cond>
+              </p:nextCondLst>
+            </p:seq>
+          </p:childTnLst>
+        </p:cTn>
+      </p:par>
+    </p:tnLst>
+    <p:bldLst>
+      <p:bldP spid="4" grpId="0" animBg="1"/>
+    </p:bldLst>
+  </p:timing>
+</p:sld>
+</file>
+
+<file path=ppt/slides/slide26.xml><?xml version="1.0" encoding="utf-8"?>
+<p:sld xmlns:a="http://schemas.openxmlformats.org/drawingml/2006/main" xmlns:r="http://schemas.openxmlformats.org/officeDocument/2006/relationships" xmlns:p="http://schemas.openxmlformats.org/presentationml/2006/main">
+  <p:cSld>
+    <p:spTree>
+      <p:nvGrpSpPr>
+        <p:cNvPr id="1" name=""/>
+        <p:cNvGrpSpPr/>
+        <p:nvPr/>
+      </p:nvGrpSpPr>
+      <p:grpSpPr>
+        <a:xfrm>
+          <a:off x="0" y="0"/>
+          <a:ext cx="0" cy="0"/>
+          <a:chOff x="0" y="0"/>
+          <a:chExt cx="0" cy="0"/>
+        </a:xfrm>
+      </p:grpSpPr>
+      <p:sp>
+        <p:nvSpPr>
+          <p:cNvPr id="2" name="Title 1">
+            <a:extLst>
+              <a:ext uri="{FF2B5EF4-FFF2-40B4-BE49-F238E27FC236}">
+                <a16:creationId xmlns:a16="http://schemas.microsoft.com/office/drawing/2014/main" id="{FD2F58F9-A864-46E6-AD91-4DD0EC392A7B}"/>
+              </a:ext>
+            </a:extLst>
+          </p:cNvPr>
+          <p:cNvSpPr>
+            <a:spLocks noGrp="1"/>
+          </p:cNvSpPr>
+          <p:nvPr>
+            <p:ph type="title"/>
+          </p:nvPr>
+        </p:nvSpPr>
+        <p:spPr/>
+        <p:txBody>
+          <a:bodyPr/>
+          <a:lstStyle/>
+          <a:p>
+            <a:r>
+              <a:rPr lang="en-US" dirty="0"/>
+              <a:t>Algo 2</a:t>
+            </a:r>
+          </a:p>
+        </p:txBody>
+      </p:sp>
+      <p:sp>
+        <p:nvSpPr>
+          <p:cNvPr id="3" name="Content Placeholder 2">
+            <a:extLst>
+              <a:ext uri="{FF2B5EF4-FFF2-40B4-BE49-F238E27FC236}">
+                <a16:creationId xmlns:a16="http://schemas.microsoft.com/office/drawing/2014/main" id="{5DB13537-2ECD-46E8-9E29-81586242B973}"/>
+              </a:ext>
+            </a:extLst>
+          </p:cNvPr>
+          <p:cNvSpPr>
+            <a:spLocks noGrp="1"/>
+          </p:cNvSpPr>
+          <p:nvPr>
+            <p:ph idx="1"/>
+          </p:nvPr>
+        </p:nvSpPr>
+        <p:spPr>
+          <a:xfrm>
+            <a:off x="1097280" y="1916073"/>
+            <a:ext cx="3748035" cy="4023360"/>
+          </a:xfrm>
+        </p:spPr>
+        <p:txBody>
+          <a:bodyPr/>
+          <a:lstStyle/>
+          <a:p>
+            <a:pPr>
+              <a:buFont typeface="Wingdings" panose="05000000000000000000" pitchFamily="2" charset="2"/>
+              <a:buChar char="q"/>
+            </a:pPr>
+            <a:r>
+              <a:rPr lang="en-US" dirty="0"/>
+              <a:t> [1990-01-01, 1991-01-01]</a:t>
+            </a:r>
+          </a:p>
+          <a:p>
+            <a:pPr>
+              <a:buFont typeface="Wingdings" panose="05000000000000000000" pitchFamily="2" charset="2"/>
+              <a:buChar char="q"/>
+            </a:pPr>
+            <a:r>
+              <a:rPr lang="en-US" dirty="0"/>
+              <a:t> [1991-08-01, 1997-05-01]</a:t>
+            </a:r>
+          </a:p>
+          <a:p>
+            <a:pPr>
+              <a:buFont typeface="Wingdings" panose="05000000000000000000" pitchFamily="2" charset="2"/>
+              <a:buChar char="q"/>
+            </a:pPr>
+            <a:r>
+              <a:rPr lang="en-US" dirty="0"/>
+              <a:t> </a:t>
+            </a:r>
+            <a:r>
+              <a:rPr lang="en-US" strike="sngStrike" dirty="0"/>
+              <a:t>[1997 -06-01, 2005-12-01]</a:t>
+            </a:r>
+          </a:p>
+          <a:p>
+            <a:pPr>
+              <a:buFont typeface="Wingdings" panose="05000000000000000000" pitchFamily="2" charset="2"/>
+              <a:buChar char="q"/>
+            </a:pPr>
+            <a:r>
+              <a:rPr lang="en-US" strike="sngStrike" dirty="0"/>
+              <a:t> [1997 -06-01, 2005-12-01]</a:t>
+            </a:r>
+          </a:p>
+          <a:p>
+            <a:pPr>
+              <a:buFont typeface="Wingdings" panose="05000000000000000000" pitchFamily="2" charset="2"/>
+              <a:buChar char="q"/>
+            </a:pPr>
+            <a:r>
+              <a:rPr lang="en-US" dirty="0"/>
+              <a:t> </a:t>
+            </a:r>
+            <a:r>
+              <a:rPr lang="en-US" strike="sngStrike" dirty="0"/>
+              <a:t>[1997-06-01, 2007-01-01]</a:t>
+            </a:r>
+          </a:p>
+          <a:p>
+            <a:pPr>
+              <a:buFont typeface="Wingdings" panose="05000000000000000000" pitchFamily="2" charset="2"/>
+              <a:buChar char="q"/>
+            </a:pPr>
+            <a:r>
+              <a:rPr lang="en-US" dirty="0"/>
+              <a:t> [1997-06-01, 2007-01-01]</a:t>
+            </a:r>
+          </a:p>
+          <a:p>
+            <a:pPr>
+              <a:buFont typeface="Wingdings" panose="05000000000000000000" pitchFamily="2" charset="2"/>
+              <a:buChar char="q"/>
+            </a:pPr>
+            <a:r>
+              <a:rPr lang="en-US" dirty="0"/>
+              <a:t> [1997 -06-01, 2008-06-01]</a:t>
+            </a:r>
+          </a:p>
+          <a:p>
+            <a:pPr marL="0" indent="0">
+              <a:buNone/>
+            </a:pPr>
+            <a:endParaRPr lang="en-US" dirty="0"/>
+          </a:p>
+          <a:p>
+            <a:pPr>
+              <a:buFont typeface="Wingdings" panose="05000000000000000000" pitchFamily="2" charset="2"/>
+              <a:buChar char="q"/>
+            </a:pPr>
+            <a:endParaRPr lang="en-US" dirty="0"/>
+          </a:p>
+          <a:p>
+            <a:pPr>
+              <a:buFont typeface="Wingdings" panose="05000000000000000000" pitchFamily="2" charset="2"/>
+              <a:buChar char="q"/>
+            </a:pPr>
+            <a:endParaRPr lang="en-US" dirty="0"/>
+          </a:p>
+        </p:txBody>
+      </p:sp>
+      <p:pic>
+        <p:nvPicPr>
+          <p:cNvPr id="7" name="Picture 6">
+            <a:extLst>
+              <a:ext uri="{FF2B5EF4-FFF2-40B4-BE49-F238E27FC236}">
+                <a16:creationId xmlns:a16="http://schemas.microsoft.com/office/drawing/2014/main" id="{14B60D75-150F-45B5-9AFF-9DC025040DC0}"/>
+              </a:ext>
+            </a:extLst>
+          </p:cNvPr>
+          <p:cNvPicPr>
+            <a:picLocks noChangeAspect="1"/>
+          </p:cNvPicPr>
+          <p:nvPr/>
+        </p:nvPicPr>
+        <p:blipFill rotWithShape="1">
+          <a:blip r:embed="rId2"/>
+          <a:srcRect l="3140" r="2573"/>
+          <a:stretch/>
+        </p:blipFill>
+        <p:spPr>
+          <a:xfrm>
+            <a:off x="5844791" y="1916073"/>
+            <a:ext cx="3748035" cy="3627455"/>
+          </a:xfrm>
+          <a:prstGeom prst="rect">
+            <a:avLst/>
+          </a:prstGeom>
+        </p:spPr>
+      </p:pic>
+      <p:sp>
+        <p:nvSpPr>
+          <p:cNvPr id="4" name="Rectangle 3">
+            <a:extLst>
+              <a:ext uri="{FF2B5EF4-FFF2-40B4-BE49-F238E27FC236}">
+                <a16:creationId xmlns:a16="http://schemas.microsoft.com/office/drawing/2014/main" id="{933BB7D7-1B48-4722-B5B8-FC287D85C205}"/>
+              </a:ext>
+            </a:extLst>
+          </p:cNvPr>
+          <p:cNvSpPr/>
+          <p:nvPr/>
+        </p:nvSpPr>
+        <p:spPr>
+          <a:xfrm>
+            <a:off x="5844791" y="3396338"/>
+            <a:ext cx="3670998" cy="422031"/>
+          </a:xfrm>
+          <a:prstGeom prst="rect">
+            <a:avLst/>
+          </a:prstGeom>
+          <a:noFill/>
+          <a:ln>
+            <a:solidFill>
+              <a:srgbClr val="FF0000"/>
+            </a:solidFill>
+          </a:ln>
+        </p:spPr>
+        <p:style>
+          <a:lnRef idx="2">
+            <a:schemeClr val="accent1">
+              <a:shade val="50000"/>
+            </a:schemeClr>
+          </a:lnRef>
+          <a:fillRef idx="1">
+            <a:schemeClr val="accent1"/>
+          </a:fillRef>
+          <a:effectRef idx="0">
+            <a:schemeClr val="accent1"/>
+          </a:effectRef>
+          <a:fontRef idx="minor">
+            <a:schemeClr val="lt1"/>
+          </a:fontRef>
+        </p:style>
+        <p:txBody>
+          <a:bodyPr rtlCol="0" anchor="ctr"/>
+          <a:lstStyle/>
+          <a:p>
+            <a:pPr algn="ctr"/>
+            <a:endParaRPr lang="en-US">
+              <a:solidFill>
+                <a:srgbClr val="FF0000"/>
+              </a:solidFill>
+            </a:endParaRPr>
+          </a:p>
+        </p:txBody>
+      </p:sp>
+      <p:cxnSp>
+        <p:nvCxnSpPr>
+          <p:cNvPr id="6" name="Straight Arrow Connector 5">
+            <a:extLst>
+              <a:ext uri="{FF2B5EF4-FFF2-40B4-BE49-F238E27FC236}">
+                <a16:creationId xmlns:a16="http://schemas.microsoft.com/office/drawing/2014/main" id="{7B240593-8B11-47FE-81B6-9C23730A17B1}"/>
+              </a:ext>
+            </a:extLst>
+          </p:cNvPr>
+          <p:cNvCxnSpPr>
+            <a:cxnSpLocks/>
+          </p:cNvCxnSpPr>
+          <p:nvPr/>
+        </p:nvCxnSpPr>
+        <p:spPr>
+          <a:xfrm flipV="1">
+            <a:off x="7033846" y="3516912"/>
+            <a:ext cx="231112" cy="160772"/>
+          </a:xfrm>
+          <a:prstGeom prst="straightConnector1">
+            <a:avLst/>
+          </a:prstGeom>
+          <a:ln>
+            <a:solidFill>
+              <a:srgbClr val="FF0000"/>
+            </a:solidFill>
+            <a:headEnd type="triangle"/>
+            <a:tailEnd type="triangle"/>
+          </a:ln>
+        </p:spPr>
+        <p:style>
+          <a:lnRef idx="1">
+            <a:schemeClr val="accent1"/>
+          </a:lnRef>
+          <a:fillRef idx="0">
+            <a:schemeClr val="accent1"/>
+          </a:fillRef>
+          <a:effectRef idx="0">
+            <a:schemeClr val="accent1"/>
+          </a:effectRef>
+          <a:fontRef idx="minor">
+            <a:schemeClr val="tx1"/>
+          </a:fontRef>
+        </p:style>
+      </p:cxnSp>
+      <p:cxnSp>
+        <p:nvCxnSpPr>
+          <p:cNvPr id="8" name="Straight Arrow Connector 7">
+            <a:extLst>
+              <a:ext uri="{FF2B5EF4-FFF2-40B4-BE49-F238E27FC236}">
+                <a16:creationId xmlns:a16="http://schemas.microsoft.com/office/drawing/2014/main" id="{729DC453-AD86-432D-9E96-644EBF9E20EF}"/>
+              </a:ext>
+            </a:extLst>
+          </p:cNvPr>
+          <p:cNvCxnSpPr>
+            <a:cxnSpLocks/>
+          </p:cNvCxnSpPr>
+          <p:nvPr/>
+        </p:nvCxnSpPr>
+        <p:spPr>
+          <a:xfrm flipV="1">
+            <a:off x="4119824" y="3729800"/>
+            <a:ext cx="1724967" cy="493374"/>
+          </a:xfrm>
+          <a:prstGeom prst="straightConnector1">
+            <a:avLst/>
+          </a:prstGeom>
+          <a:ln>
+            <a:solidFill>
+              <a:srgbClr val="FF0000"/>
+            </a:solidFill>
+            <a:headEnd type="triangle"/>
+            <a:tailEnd type="triangle"/>
+          </a:ln>
+        </p:spPr>
+        <p:style>
+          <a:lnRef idx="1">
+            <a:schemeClr val="accent1"/>
+          </a:lnRef>
+          <a:fillRef idx="0">
+            <a:schemeClr val="accent1"/>
+          </a:fillRef>
+          <a:effectRef idx="0">
+            <a:schemeClr val="accent1"/>
+          </a:effectRef>
+          <a:fontRef idx="minor">
+            <a:schemeClr val="tx1"/>
+          </a:fontRef>
+        </p:style>
+      </p:cxnSp>
+    </p:spTree>
+    <p:extLst>
+      <p:ext uri="{BB962C8B-B14F-4D97-AF65-F5344CB8AC3E}">
+        <p14:creationId xmlns:p14="http://schemas.microsoft.com/office/powerpoint/2010/main" val="4102591261"/>
+      </p:ext>
+    </p:extLst>
+  </p:cSld>
+  <p:clrMapOvr>
+    <a:masterClrMapping/>
+  </p:clrMapOvr>
+  <p:timing>
+    <p:tnLst>
+      <p:par>
+        <p:cTn id="1" dur="indefinite" restart="never" nodeType="tmRoot">
+          <p:childTnLst>
+            <p:seq concurrent="1" nextAc="seek">
+              <p:cTn id="2" dur="indefinite" nodeType="mainSeq">
+                <p:childTnLst>
+                  <p:par>
+                    <p:cTn id="3" fill="hold">
+                      <p:stCondLst>
+                        <p:cond delay="indefinite"/>
+                      </p:stCondLst>
+                      <p:childTnLst>
+                        <p:par>
+                          <p:cTn id="4" fill="hold">
+                            <p:stCondLst>
+                              <p:cond delay="0"/>
+                            </p:stCondLst>
+                            <p:childTnLst>
+                              <p:par>
+                                <p:cTn id="5" presetID="42" presetClass="entr" presetSubtype="0" fill="hold" grpId="0" nodeType="clickEffect">
+                                  <p:stCondLst>
+                                    <p:cond delay="0"/>
+                                  </p:stCondLst>
+                                  <p:childTnLst>
+                                    <p:set>
+                                      <p:cBhvr>
+                                        <p:cTn id="6" dur="1" fill="hold">
+                                          <p:stCondLst>
+                                            <p:cond delay="0"/>
+                                          </p:stCondLst>
+                                        </p:cTn>
+                                        <p:tgtEl>
+                                          <p:spTgt spid="4"/>
+                                        </p:tgtEl>
+                                        <p:attrNameLst>
+                                          <p:attrName>style.visibility</p:attrName>
+                                        </p:attrNameLst>
+                                      </p:cBhvr>
+                                      <p:to>
+                                        <p:strVal val="visible"/>
+                                      </p:to>
+                                    </p:set>
+                                    <p:animEffect transition="in" filter="fade">
+                                      <p:cBhvr>
+                                        <p:cTn id="7" dur="1000"/>
+                                        <p:tgtEl>
+                                          <p:spTgt spid="4"/>
+                                        </p:tgtEl>
+                                      </p:cBhvr>
+                                    </p:animEffect>
+                                    <p:anim calcmode="lin" valueType="num">
+                                      <p:cBhvr>
+                                        <p:cTn id="8" dur="1000" fill="hold"/>
+                                        <p:tgtEl>
+                                          <p:spTgt spid="4"/>
+                                        </p:tgtEl>
+                                        <p:attrNameLst>
+                                          <p:attrName>ppt_x</p:attrName>
+                                        </p:attrNameLst>
+                                      </p:cBhvr>
+                                      <p:tavLst>
+                                        <p:tav tm="0">
+                                          <p:val>
+                                            <p:strVal val="#ppt_x"/>
+                                          </p:val>
+                                        </p:tav>
+                                        <p:tav tm="100000">
+                                          <p:val>
+                                            <p:strVal val="#ppt_x"/>
+                                          </p:val>
+                                        </p:tav>
+                                      </p:tavLst>
+                                    </p:anim>
+                                    <p:anim calcmode="lin" valueType="num">
+                                      <p:cBhvr>
+                                        <p:cTn id="9" dur="1000" fill="hold"/>
+                                        <p:tgtEl>
+                                          <p:spTgt spid="4"/>
+                                        </p:tgtEl>
+                                        <p:attrNameLst>
+                                          <p:attrName>ppt_y</p:attrName>
+                                        </p:attrNameLst>
+                                      </p:cBhvr>
+                                      <p:tavLst>
+                                        <p:tav tm="0">
+                                          <p:val>
+                                            <p:strVal val="#ppt_y+.1"/>
+                                          </p:val>
+                                        </p:tav>
+                                        <p:tav tm="100000">
+                                          <p:val>
+                                            <p:strVal val="#ppt_y"/>
+                                          </p:val>
+                                        </p:tav>
+                                      </p:tavLst>
+                                    </p:anim>
+                                  </p:childTnLst>
+                                </p:cTn>
+                              </p:par>
+                            </p:childTnLst>
+                          </p:cTn>
+                        </p:par>
+                      </p:childTnLst>
+                    </p:cTn>
+                  </p:par>
+                  <p:par>
+                    <p:cTn id="10" fill="hold">
+                      <p:stCondLst>
+                        <p:cond delay="indefinite"/>
+                      </p:stCondLst>
+                      <p:childTnLst>
+                        <p:par>
+                          <p:cTn id="11" fill="hold">
+                            <p:stCondLst>
+                              <p:cond delay="0"/>
+                            </p:stCondLst>
+                            <p:childTnLst>
+                              <p:par>
+                                <p:cTn id="12" presetID="42" presetClass="entr" presetSubtype="0" fill="hold" nodeType="clickEffect">
+                                  <p:stCondLst>
+                                    <p:cond delay="0"/>
+                                  </p:stCondLst>
+                                  <p:childTnLst>
+                                    <p:set>
+                                      <p:cBhvr>
+                                        <p:cTn id="13" dur="1" fill="hold">
+                                          <p:stCondLst>
+                                            <p:cond delay="0"/>
+                                          </p:stCondLst>
+                                        </p:cTn>
+                                        <p:tgtEl>
+                                          <p:spTgt spid="3">
+                                            <p:txEl>
+                                              <p:pRg st="6" end="6"/>
+                                            </p:txEl>
+                                          </p:spTgt>
+                                        </p:tgtEl>
+                                        <p:attrNameLst>
+                                          <p:attrName>style.visibility</p:attrName>
+                                        </p:attrNameLst>
+                                      </p:cBhvr>
+                                      <p:to>
+                                        <p:strVal val="visible"/>
+                                      </p:to>
+                                    </p:set>
+                                    <p:animEffect transition="in" filter="fade">
+                                      <p:cBhvr>
+                                        <p:cTn id="14" dur="1000"/>
+                                        <p:tgtEl>
+                                          <p:spTgt spid="3">
+                                            <p:txEl>
+                                              <p:pRg st="6" end="6"/>
+                                            </p:txEl>
+                                          </p:spTgt>
+                                        </p:tgtEl>
+                                      </p:cBhvr>
+                                    </p:animEffect>
+                                    <p:anim calcmode="lin" valueType="num">
+                                      <p:cBhvr>
+                                        <p:cTn id="15" dur="1000" fill="hold"/>
+                                        <p:tgtEl>
+                                          <p:spTgt spid="3">
+                                            <p:txEl>
+                                              <p:pRg st="6" end="6"/>
+                                            </p:txEl>
+                                          </p:spTgt>
+                                        </p:tgtEl>
+                                        <p:attrNameLst>
+                                          <p:attrName>ppt_x</p:attrName>
+                                        </p:attrNameLst>
+                                      </p:cBhvr>
+                                      <p:tavLst>
+                                        <p:tav tm="0">
+                                          <p:val>
+                                            <p:strVal val="#ppt_x"/>
+                                          </p:val>
+                                        </p:tav>
+                                        <p:tav tm="100000">
+                                          <p:val>
+                                            <p:strVal val="#ppt_x"/>
+                                          </p:val>
+                                        </p:tav>
+                                      </p:tavLst>
+                                    </p:anim>
+                                    <p:anim calcmode="lin" valueType="num">
+                                      <p:cBhvr>
+                                        <p:cTn id="16" dur="1000" fill="hold"/>
+                                        <p:tgtEl>
+                                          <p:spTgt spid="3">
+                                            <p:txEl>
+                                              <p:pRg st="6" end="6"/>
+                                            </p:txEl>
+                                          </p:spTgt>
+                                        </p:tgtEl>
+                                        <p:attrNameLst>
+                                          <p:attrName>ppt_y</p:attrName>
+                                        </p:attrNameLst>
+                                      </p:cBhvr>
+                                      <p:tavLst>
+                                        <p:tav tm="0">
+                                          <p:val>
+                                            <p:strVal val="#ppt_y+.1"/>
+                                          </p:val>
+                                        </p:tav>
+                                        <p:tav tm="100000">
+                                          <p:val>
+                                            <p:strVal val="#ppt_y"/>
+                                          </p:val>
+                                        </p:tav>
+                                      </p:tavLst>
+                                    </p:anim>
+                                  </p:childTnLst>
+                                </p:cTn>
+                              </p:par>
+                            </p:childTnLst>
+                          </p:cTn>
+                        </p:par>
+                      </p:childTnLst>
+                    </p:cTn>
+                  </p:par>
+                  <p:par>
+                    <p:cTn id="17" fill="hold">
+                      <p:stCondLst>
+                        <p:cond delay="indefinite"/>
+                      </p:stCondLst>
+                      <p:childTnLst>
+                        <p:par>
+                          <p:cTn id="18" fill="hold">
+                            <p:stCondLst>
+                              <p:cond delay="0"/>
+                            </p:stCondLst>
+                            <p:childTnLst>
+                              <p:par>
+                                <p:cTn id="19" presetID="30" presetClass="emph" presetSubtype="0" fill="hold" nodeType="clickEffect">
+                                  <p:stCondLst>
+                                    <p:cond delay="0"/>
+                                  </p:stCondLst>
+                                  <p:childTnLst>
+                                    <p:animClr clrSpc="hsl" dir="cw">
+                                      <p:cBhvr override="childStyle">
+                                        <p:cTn id="20" dur="500" fill="hold"/>
+                                        <p:tgtEl>
+                                          <p:spTgt spid="3">
+                                            <p:txEl>
+                                              <p:pRg st="5" end="5"/>
+                                            </p:txEl>
+                                          </p:spTgt>
+                                        </p:tgtEl>
+                                        <p:attrNameLst>
+                                          <p:attrName>style.color</p:attrName>
+                                        </p:attrNameLst>
+                                      </p:cBhvr>
+                                      <p:by>
+                                        <p:hsl h="0" s="12549" l="25098"/>
+                                      </p:by>
+                                    </p:animClr>
+                                    <p:animClr clrSpc="hsl" dir="cw">
+                                      <p:cBhvr>
+                                        <p:cTn id="21" dur="500" fill="hold"/>
+                                        <p:tgtEl>
+                                          <p:spTgt spid="3">
+                                            <p:txEl>
+                                              <p:pRg st="5" end="5"/>
+                                            </p:txEl>
+                                          </p:spTgt>
+                                        </p:tgtEl>
+                                        <p:attrNameLst>
+                                          <p:attrName>fillcolor</p:attrName>
+                                        </p:attrNameLst>
+                                      </p:cBhvr>
+                                      <p:by>
+                                        <p:hsl h="0" s="12549" l="25098"/>
+                                      </p:by>
+                                    </p:animClr>
+                                    <p:animClr clrSpc="hsl" dir="cw">
+                                      <p:cBhvr>
+                                        <p:cTn id="22" dur="500" fill="hold"/>
+                                        <p:tgtEl>
+                                          <p:spTgt spid="3">
+                                            <p:txEl>
+                                              <p:pRg st="5" end="5"/>
+                                            </p:txEl>
+                                          </p:spTgt>
+                                        </p:tgtEl>
+                                        <p:attrNameLst>
+                                          <p:attrName>stroke.color</p:attrName>
+                                        </p:attrNameLst>
+                                      </p:cBhvr>
+                                      <p:by>
+                                        <p:hsl h="0" s="12549" l="25098"/>
+                                      </p:by>
+                                    </p:animClr>
+                                    <p:set>
+                                      <p:cBhvr>
+                                        <p:cTn id="23" dur="500" fill="hold"/>
+                                        <p:tgtEl>
+                                          <p:spTgt spid="3">
+                                            <p:txEl>
+                                              <p:pRg st="5" end="5"/>
+                                            </p:txEl>
+                                          </p:spTgt>
+                                        </p:tgtEl>
+                                        <p:attrNameLst>
+                                          <p:attrName>fill.type</p:attrName>
+                                        </p:attrNameLst>
+                                      </p:cBhvr>
+                                      <p:to>
+                                        <p:strVal val="solid"/>
+                                      </p:to>
+                                    </p:set>
+                                  </p:childTnLst>
+                                </p:cTn>
+                              </p:par>
+                            </p:childTnLst>
+                          </p:cTn>
+                        </p:par>
+                      </p:childTnLst>
+                    </p:cTn>
+                  </p:par>
+                </p:childTnLst>
+              </p:cTn>
+              <p:prevCondLst>
+                <p:cond evt="onPrev" delay="0">
+                  <p:tgtEl>
+                    <p:sldTgt/>
+                  </p:tgtEl>
+                </p:cond>
+              </p:prevCondLst>
+              <p:nextCondLst>
+                <p:cond evt="onNext" delay="0">
+                  <p:tgtEl>
+                    <p:sldTgt/>
+                  </p:tgtEl>
+                </p:cond>
+              </p:nextCondLst>
+            </p:seq>
+          </p:childTnLst>
+        </p:cTn>
+      </p:par>
+    </p:tnLst>
+    <p:bldLst>
+      <p:bldP spid="4" grpId="0" animBg="1"/>
+    </p:bldLst>
+  </p:timing>
+</p:sld>
+</file>
+
+<file path=ppt/slides/slide27.xml><?xml version="1.0" encoding="utf-8"?>
+<p:sld xmlns:a="http://schemas.openxmlformats.org/drawingml/2006/main" xmlns:r="http://schemas.openxmlformats.org/officeDocument/2006/relationships" xmlns:p="http://schemas.openxmlformats.org/presentationml/2006/main">
+  <p:cSld>
+    <p:spTree>
+      <p:nvGrpSpPr>
+        <p:cNvPr id="1" name=""/>
+        <p:cNvGrpSpPr/>
+        <p:nvPr/>
+      </p:nvGrpSpPr>
+      <p:grpSpPr>
+        <a:xfrm>
+          <a:off x="0" y="0"/>
+          <a:ext cx="0" cy="0"/>
+          <a:chOff x="0" y="0"/>
+          <a:chExt cx="0" cy="0"/>
+        </a:xfrm>
+      </p:grpSpPr>
+      <p:sp>
+        <p:nvSpPr>
+          <p:cNvPr id="2" name="Title 1">
+            <a:extLst>
+              <a:ext uri="{FF2B5EF4-FFF2-40B4-BE49-F238E27FC236}">
+                <a16:creationId xmlns:a16="http://schemas.microsoft.com/office/drawing/2014/main" id="{FD2F58F9-A864-46E6-AD91-4DD0EC392A7B}"/>
+              </a:ext>
+            </a:extLst>
+          </p:cNvPr>
+          <p:cNvSpPr>
+            <a:spLocks noGrp="1"/>
+          </p:cNvSpPr>
+          <p:nvPr>
+            <p:ph type="title"/>
+          </p:nvPr>
+        </p:nvSpPr>
+        <p:spPr/>
+        <p:txBody>
+          <a:bodyPr/>
+          <a:lstStyle/>
+          <a:p>
+            <a:r>
+              <a:rPr lang="en-US" dirty="0"/>
+              <a:t>Algo 2</a:t>
+            </a:r>
+          </a:p>
+        </p:txBody>
+      </p:sp>
+      <p:sp>
+        <p:nvSpPr>
+          <p:cNvPr id="3" name="Content Placeholder 2">
+            <a:extLst>
+              <a:ext uri="{FF2B5EF4-FFF2-40B4-BE49-F238E27FC236}">
+                <a16:creationId xmlns:a16="http://schemas.microsoft.com/office/drawing/2014/main" id="{5DB13537-2ECD-46E8-9E29-81586242B973}"/>
+              </a:ext>
+            </a:extLst>
+          </p:cNvPr>
+          <p:cNvSpPr>
+            <a:spLocks noGrp="1"/>
+          </p:cNvSpPr>
+          <p:nvPr>
+            <p:ph idx="1"/>
+          </p:nvPr>
+        </p:nvSpPr>
+        <p:spPr>
+          <a:xfrm>
+            <a:off x="1097280" y="1916073"/>
+            <a:ext cx="3748035" cy="4023360"/>
+          </a:xfrm>
+        </p:spPr>
+        <p:txBody>
+          <a:bodyPr/>
+          <a:lstStyle/>
+          <a:p>
+            <a:pPr>
+              <a:buFont typeface="Wingdings" panose="05000000000000000000" pitchFamily="2" charset="2"/>
+              <a:buChar char="q"/>
+            </a:pPr>
+            <a:r>
+              <a:rPr lang="en-US" dirty="0"/>
+              <a:t> [1990-01-01, 1991-01-01]</a:t>
+            </a:r>
+          </a:p>
+          <a:p>
+            <a:pPr>
+              <a:buFont typeface="Wingdings" panose="05000000000000000000" pitchFamily="2" charset="2"/>
+              <a:buChar char="q"/>
+            </a:pPr>
+            <a:r>
+              <a:rPr lang="en-US" dirty="0"/>
+              <a:t> [1991-08-01, 1997-05-01]</a:t>
+            </a:r>
+          </a:p>
+          <a:p>
+            <a:pPr>
+              <a:buFont typeface="Wingdings" panose="05000000000000000000" pitchFamily="2" charset="2"/>
+              <a:buChar char="q"/>
+            </a:pPr>
+            <a:r>
+              <a:rPr lang="en-US" dirty="0"/>
+              <a:t> </a:t>
+            </a:r>
+            <a:r>
+              <a:rPr lang="en-US" strike="sngStrike" dirty="0"/>
+              <a:t>[1997 -06-01, 2005-12-01]</a:t>
+            </a:r>
+          </a:p>
+          <a:p>
+            <a:pPr>
+              <a:buFont typeface="Wingdings" panose="05000000000000000000" pitchFamily="2" charset="2"/>
+              <a:buChar char="q"/>
+            </a:pPr>
+            <a:r>
+              <a:rPr lang="en-US" strike="sngStrike" dirty="0"/>
+              <a:t> [1997 -06-01, 2005-12-01]</a:t>
+            </a:r>
+          </a:p>
+          <a:p>
+            <a:pPr>
+              <a:buFont typeface="Wingdings" panose="05000000000000000000" pitchFamily="2" charset="2"/>
+              <a:buChar char="q"/>
+            </a:pPr>
+            <a:r>
+              <a:rPr lang="en-US" dirty="0"/>
+              <a:t> </a:t>
+            </a:r>
+            <a:r>
+              <a:rPr lang="en-US" strike="sngStrike" dirty="0"/>
+              <a:t>[1997-06-01, 2007-01-01]</a:t>
+            </a:r>
+          </a:p>
+          <a:p>
+            <a:pPr>
+              <a:buFont typeface="Wingdings" panose="05000000000000000000" pitchFamily="2" charset="2"/>
+              <a:buChar char="q"/>
+            </a:pPr>
+            <a:r>
+              <a:rPr lang="en-US" strike="sngStrike" dirty="0"/>
+              <a:t> [1997-06-01, 2007-01-01]</a:t>
+            </a:r>
+          </a:p>
+          <a:p>
+            <a:pPr>
+              <a:buFont typeface="Wingdings" panose="05000000000000000000" pitchFamily="2" charset="2"/>
+              <a:buChar char="q"/>
+            </a:pPr>
+            <a:r>
+              <a:rPr lang="en-US" dirty="0"/>
+              <a:t> [1997 -06-01, 2008-06-01]</a:t>
+            </a:r>
+          </a:p>
+          <a:p>
+            <a:pPr>
+              <a:buFont typeface="Wingdings" panose="05000000000000000000" pitchFamily="2" charset="2"/>
+              <a:buChar char="q"/>
+            </a:pPr>
+            <a:r>
+              <a:rPr lang="en-US" dirty="0"/>
+              <a:t> [1997 -06-01, 2010-01-01]</a:t>
+            </a:r>
+          </a:p>
+          <a:p>
+            <a:pPr marL="0" indent="0">
+              <a:buNone/>
+            </a:pPr>
+            <a:endParaRPr lang="en-US" dirty="0"/>
+          </a:p>
+          <a:p>
+            <a:pPr>
+              <a:buFont typeface="Wingdings" panose="05000000000000000000" pitchFamily="2" charset="2"/>
+              <a:buChar char="q"/>
+            </a:pPr>
+            <a:endParaRPr lang="en-US" dirty="0"/>
+          </a:p>
+          <a:p>
+            <a:pPr>
+              <a:buFont typeface="Wingdings" panose="05000000000000000000" pitchFamily="2" charset="2"/>
+              <a:buChar char="q"/>
+            </a:pPr>
+            <a:endParaRPr lang="en-US" dirty="0"/>
+          </a:p>
+        </p:txBody>
+      </p:sp>
+      <p:pic>
+        <p:nvPicPr>
+          <p:cNvPr id="7" name="Picture 6">
+            <a:extLst>
+              <a:ext uri="{FF2B5EF4-FFF2-40B4-BE49-F238E27FC236}">
+                <a16:creationId xmlns:a16="http://schemas.microsoft.com/office/drawing/2014/main" id="{14B60D75-150F-45B5-9AFF-9DC025040DC0}"/>
+              </a:ext>
+            </a:extLst>
+          </p:cNvPr>
+          <p:cNvPicPr>
+            <a:picLocks noChangeAspect="1"/>
+          </p:cNvPicPr>
+          <p:nvPr/>
+        </p:nvPicPr>
+        <p:blipFill rotWithShape="1">
+          <a:blip r:embed="rId2"/>
+          <a:srcRect l="3140" r="2573"/>
+          <a:stretch/>
+        </p:blipFill>
+        <p:spPr>
+          <a:xfrm>
+            <a:off x="5844791" y="1916073"/>
+            <a:ext cx="3748035" cy="3627455"/>
+          </a:xfrm>
+          <a:prstGeom prst="rect">
+            <a:avLst/>
+          </a:prstGeom>
+        </p:spPr>
+      </p:pic>
+      <p:sp>
+        <p:nvSpPr>
+          <p:cNvPr id="4" name="Rectangle 3">
+            <a:extLst>
+              <a:ext uri="{FF2B5EF4-FFF2-40B4-BE49-F238E27FC236}">
+                <a16:creationId xmlns:a16="http://schemas.microsoft.com/office/drawing/2014/main" id="{933BB7D7-1B48-4722-B5B8-FC287D85C205}"/>
+              </a:ext>
+            </a:extLst>
+          </p:cNvPr>
+          <p:cNvSpPr/>
+          <p:nvPr/>
+        </p:nvSpPr>
+        <p:spPr>
+          <a:xfrm>
+            <a:off x="5844791" y="3647545"/>
+            <a:ext cx="3670998" cy="422031"/>
+          </a:xfrm>
+          <a:prstGeom prst="rect">
+            <a:avLst/>
+          </a:prstGeom>
+          <a:noFill/>
+          <a:ln>
+            <a:solidFill>
+              <a:srgbClr val="FF0000"/>
+            </a:solidFill>
+          </a:ln>
+        </p:spPr>
+        <p:style>
+          <a:lnRef idx="2">
+            <a:schemeClr val="accent1">
+              <a:shade val="50000"/>
+            </a:schemeClr>
+          </a:lnRef>
+          <a:fillRef idx="1">
+            <a:schemeClr val="accent1"/>
+          </a:fillRef>
+          <a:effectRef idx="0">
+            <a:schemeClr val="accent1"/>
+          </a:effectRef>
+          <a:fontRef idx="minor">
+            <a:schemeClr val="lt1"/>
+          </a:fontRef>
+        </p:style>
+        <p:txBody>
+          <a:bodyPr rtlCol="0" anchor="ctr"/>
+          <a:lstStyle/>
+          <a:p>
+            <a:pPr algn="ctr"/>
+            <a:endParaRPr lang="en-US">
+              <a:solidFill>
+                <a:srgbClr val="FF0000"/>
+              </a:solidFill>
+            </a:endParaRPr>
+          </a:p>
+        </p:txBody>
+      </p:sp>
+      <p:cxnSp>
+        <p:nvCxnSpPr>
+          <p:cNvPr id="6" name="Straight Arrow Connector 5">
+            <a:extLst>
+              <a:ext uri="{FF2B5EF4-FFF2-40B4-BE49-F238E27FC236}">
+                <a16:creationId xmlns:a16="http://schemas.microsoft.com/office/drawing/2014/main" id="{7B240593-8B11-47FE-81B6-9C23730A17B1}"/>
+              </a:ext>
+            </a:extLst>
+          </p:cNvPr>
+          <p:cNvCxnSpPr>
+            <a:cxnSpLocks/>
+          </p:cNvCxnSpPr>
+          <p:nvPr/>
+        </p:nvCxnSpPr>
+        <p:spPr>
+          <a:xfrm flipV="1">
+            <a:off x="7033846" y="3768119"/>
+            <a:ext cx="231112" cy="160772"/>
+          </a:xfrm>
+          <a:prstGeom prst="straightConnector1">
+            <a:avLst/>
+          </a:prstGeom>
+          <a:ln>
+            <a:solidFill>
+              <a:srgbClr val="FF0000"/>
+            </a:solidFill>
+            <a:headEnd type="triangle"/>
+            <a:tailEnd type="triangle"/>
+          </a:ln>
+        </p:spPr>
+        <p:style>
+          <a:lnRef idx="1">
+            <a:schemeClr val="accent1"/>
+          </a:lnRef>
+          <a:fillRef idx="0">
+            <a:schemeClr val="accent1"/>
+          </a:fillRef>
+          <a:effectRef idx="0">
+            <a:schemeClr val="accent1"/>
+          </a:effectRef>
+          <a:fontRef idx="minor">
+            <a:schemeClr val="tx1"/>
+          </a:fontRef>
+        </p:style>
+      </p:cxnSp>
+      <p:cxnSp>
+        <p:nvCxnSpPr>
+          <p:cNvPr id="8" name="Straight Arrow Connector 7">
+            <a:extLst>
+              <a:ext uri="{FF2B5EF4-FFF2-40B4-BE49-F238E27FC236}">
+                <a16:creationId xmlns:a16="http://schemas.microsoft.com/office/drawing/2014/main" id="{729DC453-AD86-432D-9E96-644EBF9E20EF}"/>
+              </a:ext>
+            </a:extLst>
+          </p:cNvPr>
+          <p:cNvCxnSpPr>
+            <a:cxnSpLocks/>
+          </p:cNvCxnSpPr>
+          <p:nvPr/>
+        </p:nvCxnSpPr>
+        <p:spPr>
+          <a:xfrm flipV="1">
+            <a:off x="4200211" y="3927753"/>
+            <a:ext cx="1644580" cy="717452"/>
+          </a:xfrm>
+          <a:prstGeom prst="straightConnector1">
+            <a:avLst/>
+          </a:prstGeom>
+          <a:ln>
+            <a:solidFill>
+              <a:srgbClr val="FF0000"/>
+            </a:solidFill>
+            <a:headEnd type="triangle"/>
+            <a:tailEnd type="triangle"/>
+          </a:ln>
+        </p:spPr>
+        <p:style>
+          <a:lnRef idx="1">
+            <a:schemeClr val="accent1"/>
+          </a:lnRef>
+          <a:fillRef idx="0">
+            <a:schemeClr val="accent1"/>
+          </a:fillRef>
+          <a:effectRef idx="0">
+            <a:schemeClr val="accent1"/>
+          </a:effectRef>
+          <a:fontRef idx="minor">
+            <a:schemeClr val="tx1"/>
+          </a:fontRef>
+        </p:style>
+      </p:cxnSp>
+    </p:spTree>
+    <p:extLst>
+      <p:ext uri="{BB962C8B-B14F-4D97-AF65-F5344CB8AC3E}">
+        <p14:creationId xmlns:p14="http://schemas.microsoft.com/office/powerpoint/2010/main" val="1357827268"/>
+      </p:ext>
+    </p:extLst>
+  </p:cSld>
+  <p:clrMapOvr>
+    <a:masterClrMapping/>
+  </p:clrMapOvr>
+  <p:timing>
+    <p:tnLst>
+      <p:par>
+        <p:cTn id="1" dur="indefinite" restart="never" nodeType="tmRoot">
+          <p:childTnLst>
+            <p:seq concurrent="1" nextAc="seek">
+              <p:cTn id="2" dur="indefinite" nodeType="mainSeq">
+                <p:childTnLst>
+                  <p:par>
+                    <p:cTn id="3" fill="hold">
+                      <p:stCondLst>
+                        <p:cond delay="indefinite"/>
+                      </p:stCondLst>
+                      <p:childTnLst>
+                        <p:par>
+                          <p:cTn id="4" fill="hold">
+                            <p:stCondLst>
+                              <p:cond delay="0"/>
+                            </p:stCondLst>
+                            <p:childTnLst>
+                              <p:par>
+                                <p:cTn id="5" presetID="42" presetClass="entr" presetSubtype="0" fill="hold" grpId="0" nodeType="clickEffect">
+                                  <p:stCondLst>
+                                    <p:cond delay="0"/>
+                                  </p:stCondLst>
+                                  <p:childTnLst>
+                                    <p:set>
+                                      <p:cBhvr>
+                                        <p:cTn id="6" dur="1" fill="hold">
+                                          <p:stCondLst>
+                                            <p:cond delay="0"/>
+                                          </p:stCondLst>
+                                        </p:cTn>
+                                        <p:tgtEl>
+                                          <p:spTgt spid="4"/>
+                                        </p:tgtEl>
+                                        <p:attrNameLst>
+                                          <p:attrName>style.visibility</p:attrName>
+                                        </p:attrNameLst>
+                                      </p:cBhvr>
+                                      <p:to>
+                                        <p:strVal val="visible"/>
+                                      </p:to>
+                                    </p:set>
+                                    <p:animEffect transition="in" filter="fade">
+                                      <p:cBhvr>
+                                        <p:cTn id="7" dur="1000"/>
+                                        <p:tgtEl>
+                                          <p:spTgt spid="4"/>
+                                        </p:tgtEl>
+                                      </p:cBhvr>
+                                    </p:animEffect>
+                                    <p:anim calcmode="lin" valueType="num">
+                                      <p:cBhvr>
+                                        <p:cTn id="8" dur="1000" fill="hold"/>
+                                        <p:tgtEl>
+                                          <p:spTgt spid="4"/>
+                                        </p:tgtEl>
+                                        <p:attrNameLst>
+                                          <p:attrName>ppt_x</p:attrName>
+                                        </p:attrNameLst>
+                                      </p:cBhvr>
+                                      <p:tavLst>
+                                        <p:tav tm="0">
+                                          <p:val>
+                                            <p:strVal val="#ppt_x"/>
+                                          </p:val>
+                                        </p:tav>
+                                        <p:tav tm="100000">
+                                          <p:val>
+                                            <p:strVal val="#ppt_x"/>
+                                          </p:val>
+                                        </p:tav>
+                                      </p:tavLst>
+                                    </p:anim>
+                                    <p:anim calcmode="lin" valueType="num">
+                                      <p:cBhvr>
+                                        <p:cTn id="9" dur="1000" fill="hold"/>
+                                        <p:tgtEl>
+                                          <p:spTgt spid="4"/>
+                                        </p:tgtEl>
+                                        <p:attrNameLst>
+                                          <p:attrName>ppt_y</p:attrName>
+                                        </p:attrNameLst>
+                                      </p:cBhvr>
+                                      <p:tavLst>
+                                        <p:tav tm="0">
+                                          <p:val>
+                                            <p:strVal val="#ppt_y+.1"/>
+                                          </p:val>
+                                        </p:tav>
+                                        <p:tav tm="100000">
+                                          <p:val>
+                                            <p:strVal val="#ppt_y"/>
+                                          </p:val>
+                                        </p:tav>
+                                      </p:tavLst>
+                                    </p:anim>
+                                  </p:childTnLst>
+                                </p:cTn>
+                              </p:par>
+                            </p:childTnLst>
+                          </p:cTn>
+                        </p:par>
+                      </p:childTnLst>
+                    </p:cTn>
+                  </p:par>
+                  <p:par>
+                    <p:cTn id="10" fill="hold">
+                      <p:stCondLst>
+                        <p:cond delay="indefinite"/>
+                      </p:stCondLst>
+                      <p:childTnLst>
+                        <p:par>
+                          <p:cTn id="11" fill="hold">
+                            <p:stCondLst>
+                              <p:cond delay="0"/>
+                            </p:stCondLst>
+                            <p:childTnLst>
+                              <p:par>
+                                <p:cTn id="12" presetID="42" presetClass="entr" presetSubtype="0" fill="hold" nodeType="clickEffect">
+                                  <p:stCondLst>
+                                    <p:cond delay="0"/>
+                                  </p:stCondLst>
+                                  <p:childTnLst>
+                                    <p:set>
+                                      <p:cBhvr>
+                                        <p:cTn id="13" dur="1" fill="hold">
+                                          <p:stCondLst>
+                                            <p:cond delay="0"/>
+                                          </p:stCondLst>
+                                        </p:cTn>
+                                        <p:tgtEl>
+                                          <p:spTgt spid="3">
+                                            <p:txEl>
+                                              <p:pRg st="7" end="7"/>
+                                            </p:txEl>
+                                          </p:spTgt>
+                                        </p:tgtEl>
+                                        <p:attrNameLst>
+                                          <p:attrName>style.visibility</p:attrName>
+                                        </p:attrNameLst>
+                                      </p:cBhvr>
+                                      <p:to>
+                                        <p:strVal val="visible"/>
+                                      </p:to>
+                                    </p:set>
+                                    <p:animEffect transition="in" filter="fade">
+                                      <p:cBhvr>
+                                        <p:cTn id="14" dur="1000"/>
+                                        <p:tgtEl>
+                                          <p:spTgt spid="3">
+                                            <p:txEl>
+                                              <p:pRg st="7" end="7"/>
+                                            </p:txEl>
+                                          </p:spTgt>
+                                        </p:tgtEl>
+                                      </p:cBhvr>
+                                    </p:animEffect>
+                                    <p:anim calcmode="lin" valueType="num">
+                                      <p:cBhvr>
+                                        <p:cTn id="15" dur="1000" fill="hold"/>
+                                        <p:tgtEl>
+                                          <p:spTgt spid="3">
+                                            <p:txEl>
+                                              <p:pRg st="7" end="7"/>
+                                            </p:txEl>
+                                          </p:spTgt>
+                                        </p:tgtEl>
+                                        <p:attrNameLst>
+                                          <p:attrName>ppt_x</p:attrName>
+                                        </p:attrNameLst>
+                                      </p:cBhvr>
+                                      <p:tavLst>
+                                        <p:tav tm="0">
+                                          <p:val>
+                                            <p:strVal val="#ppt_x"/>
+                                          </p:val>
+                                        </p:tav>
+                                        <p:tav tm="100000">
+                                          <p:val>
+                                            <p:strVal val="#ppt_x"/>
+                                          </p:val>
+                                        </p:tav>
+                                      </p:tavLst>
+                                    </p:anim>
+                                    <p:anim calcmode="lin" valueType="num">
+                                      <p:cBhvr>
+                                        <p:cTn id="16" dur="1000" fill="hold"/>
+                                        <p:tgtEl>
+                                          <p:spTgt spid="3">
+                                            <p:txEl>
+                                              <p:pRg st="7" end="7"/>
+                                            </p:txEl>
+                                          </p:spTgt>
+                                        </p:tgtEl>
+                                        <p:attrNameLst>
+                                          <p:attrName>ppt_y</p:attrName>
+                                        </p:attrNameLst>
+                                      </p:cBhvr>
+                                      <p:tavLst>
+                                        <p:tav tm="0">
+                                          <p:val>
+                                            <p:strVal val="#ppt_y+.1"/>
+                                          </p:val>
+                                        </p:tav>
+                                        <p:tav tm="100000">
+                                          <p:val>
+                                            <p:strVal val="#ppt_y"/>
+                                          </p:val>
+                                        </p:tav>
+                                      </p:tavLst>
+                                    </p:anim>
+                                  </p:childTnLst>
+                                </p:cTn>
+                              </p:par>
+                            </p:childTnLst>
+                          </p:cTn>
+                        </p:par>
+                      </p:childTnLst>
+                    </p:cTn>
+                  </p:par>
+                  <p:par>
+                    <p:cTn id="17" fill="hold">
+                      <p:stCondLst>
+                        <p:cond delay="indefinite"/>
+                      </p:stCondLst>
+                      <p:childTnLst>
+                        <p:par>
+                          <p:cTn id="18" fill="hold">
+                            <p:stCondLst>
+                              <p:cond delay="0"/>
+                            </p:stCondLst>
+                            <p:childTnLst>
+                              <p:par>
+                                <p:cTn id="19" presetID="30" presetClass="emph" presetSubtype="0" fill="hold" nodeType="clickEffect">
+                                  <p:stCondLst>
+                                    <p:cond delay="0"/>
+                                  </p:stCondLst>
+                                  <p:childTnLst>
+                                    <p:animClr clrSpc="hsl" dir="cw">
+                                      <p:cBhvr override="childStyle">
+                                        <p:cTn id="20" dur="500" fill="hold"/>
+                                        <p:tgtEl>
+                                          <p:spTgt spid="3">
+                                            <p:txEl>
+                                              <p:pRg st="6" end="6"/>
+                                            </p:txEl>
+                                          </p:spTgt>
+                                        </p:tgtEl>
+                                        <p:attrNameLst>
+                                          <p:attrName>style.color</p:attrName>
+                                        </p:attrNameLst>
+                                      </p:cBhvr>
+                                      <p:by>
+                                        <p:hsl h="0" s="12549" l="25098"/>
+                                      </p:by>
+                                    </p:animClr>
+                                    <p:animClr clrSpc="hsl" dir="cw">
+                                      <p:cBhvr>
+                                        <p:cTn id="21" dur="500" fill="hold"/>
+                                        <p:tgtEl>
+                                          <p:spTgt spid="3">
+                                            <p:txEl>
+                                              <p:pRg st="6" end="6"/>
+                                            </p:txEl>
+                                          </p:spTgt>
+                                        </p:tgtEl>
+                                        <p:attrNameLst>
+                                          <p:attrName>fillcolor</p:attrName>
+                                        </p:attrNameLst>
+                                      </p:cBhvr>
+                                      <p:by>
+                                        <p:hsl h="0" s="12549" l="25098"/>
+                                      </p:by>
+                                    </p:animClr>
+                                    <p:animClr clrSpc="hsl" dir="cw">
+                                      <p:cBhvr>
+                                        <p:cTn id="22" dur="500" fill="hold"/>
+                                        <p:tgtEl>
+                                          <p:spTgt spid="3">
+                                            <p:txEl>
+                                              <p:pRg st="6" end="6"/>
+                                            </p:txEl>
+                                          </p:spTgt>
+                                        </p:tgtEl>
+                                        <p:attrNameLst>
+                                          <p:attrName>stroke.color</p:attrName>
+                                        </p:attrNameLst>
+                                      </p:cBhvr>
+                                      <p:by>
+                                        <p:hsl h="0" s="12549" l="25098"/>
+                                      </p:by>
+                                    </p:animClr>
+                                    <p:set>
+                                      <p:cBhvr>
+                                        <p:cTn id="23" dur="500" fill="hold"/>
+                                        <p:tgtEl>
+                                          <p:spTgt spid="3">
+                                            <p:txEl>
+                                              <p:pRg st="6" end="6"/>
+                                            </p:txEl>
+                                          </p:spTgt>
+                                        </p:tgtEl>
+                                        <p:attrNameLst>
+                                          <p:attrName>fill.type</p:attrName>
+                                        </p:attrNameLst>
+                                      </p:cBhvr>
+                                      <p:to>
+                                        <p:strVal val="solid"/>
+                                      </p:to>
+                                    </p:set>
+                                  </p:childTnLst>
+                                </p:cTn>
+                              </p:par>
+                            </p:childTnLst>
+                          </p:cTn>
+                        </p:par>
+                      </p:childTnLst>
+                    </p:cTn>
+                  </p:par>
+                </p:childTnLst>
+              </p:cTn>
+              <p:prevCondLst>
+                <p:cond evt="onPrev" delay="0">
+                  <p:tgtEl>
+                    <p:sldTgt/>
+                  </p:tgtEl>
+                </p:cond>
+              </p:prevCondLst>
+              <p:nextCondLst>
+                <p:cond evt="onNext" delay="0">
+                  <p:tgtEl>
+                    <p:sldTgt/>
+                  </p:tgtEl>
+                </p:cond>
+              </p:nextCondLst>
+            </p:seq>
+          </p:childTnLst>
+        </p:cTn>
+      </p:par>
+    </p:tnLst>
+    <p:bldLst>
+      <p:bldP spid="4" grpId="0" animBg="1"/>
+    </p:bldLst>
+  </p:timing>
+</p:sld>
+</file>
+
+<file path=ppt/slides/slide28.xml><?xml version="1.0" encoding="utf-8"?>
+<p:sld xmlns:a="http://schemas.openxmlformats.org/drawingml/2006/main" xmlns:r="http://schemas.openxmlformats.org/officeDocument/2006/relationships" xmlns:p="http://schemas.openxmlformats.org/presentationml/2006/main">
+  <p:cSld>
+    <p:spTree>
+      <p:nvGrpSpPr>
+        <p:cNvPr id="1" name=""/>
+        <p:cNvGrpSpPr/>
+        <p:nvPr/>
+      </p:nvGrpSpPr>
+      <p:grpSpPr>
+        <a:xfrm>
+          <a:off x="0" y="0"/>
+          <a:ext cx="0" cy="0"/>
+          <a:chOff x="0" y="0"/>
+          <a:chExt cx="0" cy="0"/>
+        </a:xfrm>
+      </p:grpSpPr>
+      <p:sp>
+        <p:nvSpPr>
+          <p:cNvPr id="2" name="Title 1">
+            <a:extLst>
+              <a:ext uri="{FF2B5EF4-FFF2-40B4-BE49-F238E27FC236}">
+                <a16:creationId xmlns:a16="http://schemas.microsoft.com/office/drawing/2014/main" id="{FD2F58F9-A864-46E6-AD91-4DD0EC392A7B}"/>
+              </a:ext>
+            </a:extLst>
+          </p:cNvPr>
+          <p:cNvSpPr>
+            <a:spLocks noGrp="1"/>
+          </p:cNvSpPr>
+          <p:nvPr>
+            <p:ph type="title"/>
+          </p:nvPr>
+        </p:nvSpPr>
+        <p:spPr/>
+        <p:txBody>
+          <a:bodyPr/>
+          <a:lstStyle/>
+          <a:p>
+            <a:r>
+              <a:rPr lang="en-US" dirty="0"/>
+              <a:t>Algo 2</a:t>
+            </a:r>
+          </a:p>
+        </p:txBody>
+      </p:sp>
+      <p:sp>
+        <p:nvSpPr>
+          <p:cNvPr id="3" name="Content Placeholder 2">
+            <a:extLst>
+              <a:ext uri="{FF2B5EF4-FFF2-40B4-BE49-F238E27FC236}">
+                <a16:creationId xmlns:a16="http://schemas.microsoft.com/office/drawing/2014/main" id="{5DB13537-2ECD-46E8-9E29-81586242B973}"/>
+              </a:ext>
+            </a:extLst>
+          </p:cNvPr>
+          <p:cNvSpPr>
+            <a:spLocks noGrp="1"/>
+          </p:cNvSpPr>
+          <p:nvPr>
+            <p:ph idx="1"/>
+          </p:nvPr>
+        </p:nvSpPr>
+        <p:spPr>
+          <a:xfrm>
+            <a:off x="1097280" y="1916073"/>
+            <a:ext cx="3748035" cy="4023360"/>
+          </a:xfrm>
+        </p:spPr>
+        <p:txBody>
+          <a:bodyPr/>
+          <a:lstStyle/>
+          <a:p>
+            <a:pPr>
+              <a:buFont typeface="Wingdings" panose="05000000000000000000" pitchFamily="2" charset="2"/>
+              <a:buChar char="q"/>
+            </a:pPr>
+            <a:r>
+              <a:rPr lang="en-US" dirty="0"/>
+              <a:t> [1990-01-01, 1991-01-01]</a:t>
+            </a:r>
+          </a:p>
+          <a:p>
+            <a:pPr>
+              <a:buFont typeface="Wingdings" panose="05000000000000000000" pitchFamily="2" charset="2"/>
+              <a:buChar char="q"/>
+            </a:pPr>
+            <a:r>
+              <a:rPr lang="en-US" dirty="0"/>
+              <a:t> [1991-08-01, 1997-05-01]</a:t>
+            </a:r>
+          </a:p>
+          <a:p>
+            <a:pPr>
+              <a:buFont typeface="Wingdings" panose="05000000000000000000" pitchFamily="2" charset="2"/>
+              <a:buChar char="q"/>
+            </a:pPr>
+            <a:r>
+              <a:rPr lang="en-US" dirty="0"/>
+              <a:t> </a:t>
+            </a:r>
+            <a:r>
+              <a:rPr lang="en-US" strike="sngStrike" dirty="0"/>
+              <a:t>[1997 -06-01, 2005-12-01]</a:t>
+            </a:r>
+          </a:p>
+          <a:p>
+            <a:pPr>
+              <a:buFont typeface="Wingdings" panose="05000000000000000000" pitchFamily="2" charset="2"/>
+              <a:buChar char="q"/>
+            </a:pPr>
+            <a:r>
+              <a:rPr lang="en-US" strike="sngStrike" dirty="0"/>
+              <a:t> [1997 -06-01, 2005-12-01]</a:t>
+            </a:r>
+          </a:p>
+          <a:p>
+            <a:pPr>
+              <a:buFont typeface="Wingdings" panose="05000000000000000000" pitchFamily="2" charset="2"/>
+              <a:buChar char="q"/>
+            </a:pPr>
+            <a:r>
+              <a:rPr lang="en-US" dirty="0"/>
+              <a:t> </a:t>
+            </a:r>
+            <a:r>
+              <a:rPr lang="en-US" strike="sngStrike" dirty="0"/>
+              <a:t>[1997-06-01, 2007-01-01]</a:t>
+            </a:r>
+          </a:p>
+          <a:p>
+            <a:pPr>
+              <a:buFont typeface="Wingdings" panose="05000000000000000000" pitchFamily="2" charset="2"/>
+              <a:buChar char="q"/>
+            </a:pPr>
+            <a:r>
+              <a:rPr lang="en-US" strike="sngStrike" dirty="0"/>
+              <a:t> [1997-06-01, 2007-01-01]</a:t>
+            </a:r>
+          </a:p>
+          <a:p>
+            <a:pPr>
+              <a:buFont typeface="Wingdings" panose="05000000000000000000" pitchFamily="2" charset="2"/>
+              <a:buChar char="q"/>
+            </a:pPr>
+            <a:r>
+              <a:rPr lang="en-US" strike="sngStrike" dirty="0"/>
+              <a:t> [1997 -06-01, 2008-06-01]</a:t>
+            </a:r>
+          </a:p>
+          <a:p>
+            <a:pPr>
+              <a:buFont typeface="Wingdings" panose="05000000000000000000" pitchFamily="2" charset="2"/>
+              <a:buChar char="q"/>
+            </a:pPr>
+            <a:r>
+              <a:rPr lang="en-US" dirty="0"/>
+              <a:t>……</a:t>
+            </a:r>
+          </a:p>
+          <a:p>
+            <a:pPr>
+              <a:buFont typeface="Wingdings" panose="05000000000000000000" pitchFamily="2" charset="2"/>
+              <a:buChar char="q"/>
+            </a:pPr>
+            <a:r>
+              <a:rPr lang="en-US" dirty="0"/>
+              <a:t> [1997 -06-01, 2021-06-01]</a:t>
+            </a:r>
+          </a:p>
+          <a:p>
+            <a:pPr marL="0" indent="0">
+              <a:buNone/>
+            </a:pPr>
+            <a:endParaRPr lang="en-US" dirty="0"/>
+          </a:p>
+          <a:p>
+            <a:pPr>
+              <a:buFont typeface="Wingdings" panose="05000000000000000000" pitchFamily="2" charset="2"/>
+              <a:buChar char="q"/>
+            </a:pPr>
+            <a:endParaRPr lang="en-US" dirty="0"/>
+          </a:p>
+          <a:p>
+            <a:pPr>
+              <a:buFont typeface="Wingdings" panose="05000000000000000000" pitchFamily="2" charset="2"/>
+              <a:buChar char="q"/>
+            </a:pPr>
+            <a:endParaRPr lang="en-US" dirty="0"/>
+          </a:p>
+        </p:txBody>
+      </p:sp>
+      <p:pic>
+        <p:nvPicPr>
+          <p:cNvPr id="7" name="Picture 6">
+            <a:extLst>
+              <a:ext uri="{FF2B5EF4-FFF2-40B4-BE49-F238E27FC236}">
+                <a16:creationId xmlns:a16="http://schemas.microsoft.com/office/drawing/2014/main" id="{14B60D75-150F-45B5-9AFF-9DC025040DC0}"/>
+              </a:ext>
+            </a:extLst>
+          </p:cNvPr>
+          <p:cNvPicPr>
+            <a:picLocks noChangeAspect="1"/>
+          </p:cNvPicPr>
+          <p:nvPr/>
+        </p:nvPicPr>
+        <p:blipFill rotWithShape="1">
+          <a:blip r:embed="rId2"/>
+          <a:srcRect l="3140" r="2573"/>
+          <a:stretch/>
+        </p:blipFill>
+        <p:spPr>
+          <a:xfrm>
+            <a:off x="5844791" y="1916073"/>
+            <a:ext cx="3748035" cy="3627455"/>
+          </a:xfrm>
+          <a:prstGeom prst="rect">
+            <a:avLst/>
+          </a:prstGeom>
+        </p:spPr>
+      </p:pic>
+    </p:spTree>
+    <p:extLst>
+      <p:ext uri="{BB962C8B-B14F-4D97-AF65-F5344CB8AC3E}">
+        <p14:creationId xmlns:p14="http://schemas.microsoft.com/office/powerpoint/2010/main" val="2263469109"/>
+      </p:ext>
+    </p:extLst>
+  </p:cSld>
+  <p:clrMapOvr>
+    <a:masterClrMapping/>
+  </p:clrMapOvr>
+  <p:timing>
+    <p:tnLst>
+      <p:par>
+        <p:cTn id="1" dur="indefinite" restart="never" nodeType="tmRoot">
+          <p:childTnLst>
+            <p:seq concurrent="1" nextAc="seek">
+              <p:cTn id="2" dur="indefinite" nodeType="mainSeq">
+                <p:childTnLst>
+                  <p:par>
+                    <p:cTn id="3" fill="hold">
+                      <p:stCondLst>
+                        <p:cond delay="indefinite"/>
+                      </p:stCondLst>
+                      <p:childTnLst>
+                        <p:par>
+                          <p:cTn id="4" fill="hold">
+                            <p:stCondLst>
+                              <p:cond delay="0"/>
+                            </p:stCondLst>
+                            <p:childTnLst>
+                              <p:par>
+                                <p:cTn id="5" presetID="6" presetClass="emph" presetSubtype="0" fill="hold" nodeType="clickEffect">
+                                  <p:stCondLst>
+                                    <p:cond delay="0"/>
+                                  </p:stCondLst>
+                                  <p:childTnLst>
+                                    <p:animScale>
+                                      <p:cBhvr>
+                                        <p:cTn id="6" dur="2000" fill="hold"/>
+                                        <p:tgtEl>
+                                          <p:spTgt spid="3">
+                                            <p:txEl>
+                                              <p:pRg st="0" end="0"/>
+                                            </p:txEl>
+                                          </p:spTgt>
+                                        </p:tgtEl>
+                                      </p:cBhvr>
+                                      <p:by x="150000" y="150000"/>
+                                    </p:animScale>
+                                  </p:childTnLst>
+                                </p:cTn>
+                              </p:par>
+                              <p:par>
+                                <p:cTn id="7" presetID="6" presetClass="emph" presetSubtype="0" fill="hold" nodeType="withEffect">
+                                  <p:stCondLst>
+                                    <p:cond delay="0"/>
+                                  </p:stCondLst>
+                                  <p:childTnLst>
+                                    <p:animScale>
+                                      <p:cBhvr>
+                                        <p:cTn id="8" dur="2000" fill="hold"/>
+                                        <p:tgtEl>
+                                          <p:spTgt spid="3">
+                                            <p:txEl>
+                                              <p:pRg st="1" end="1"/>
+                                            </p:txEl>
+                                          </p:spTgt>
+                                        </p:tgtEl>
+                                      </p:cBhvr>
+                                      <p:by x="150000" y="150000"/>
+                                    </p:animScale>
+                                  </p:childTnLst>
+                                </p:cTn>
+                              </p:par>
+                              <p:par>
+                                <p:cTn id="9" presetID="6" presetClass="emph" presetSubtype="0" fill="hold" nodeType="withEffect">
+                                  <p:stCondLst>
+                                    <p:cond delay="0"/>
+                                  </p:stCondLst>
+                                  <p:childTnLst>
+                                    <p:animScale>
+                                      <p:cBhvr>
+                                        <p:cTn id="10" dur="2000" fill="hold"/>
+                                        <p:tgtEl>
+                                          <p:spTgt spid="3">
+                                            <p:txEl>
+                                              <p:pRg st="8" end="8"/>
+                                            </p:txEl>
+                                          </p:spTgt>
+                                        </p:tgtEl>
+                                      </p:cBhvr>
+                                      <p:by x="150000" y="150000"/>
+                                    </p:animScale>
+                                  </p:childTnLst>
+                                </p:cTn>
+                              </p:par>
+                            </p:childTnLst>
+                          </p:cTn>
+                        </p:par>
+                      </p:childTnLst>
+                    </p:cTn>
+                  </p:par>
+                </p:childTnLst>
+              </p:cTn>
+              <p:prevCondLst>
+                <p:cond evt="onPrev" delay="0">
+                  <p:tgtEl>
+                    <p:sldTgt/>
+                  </p:tgtEl>
+                </p:cond>
+              </p:prevCondLst>
+              <p:nextCondLst>
+                <p:cond evt="onNext" delay="0">
+                  <p:tgtEl>
+                    <p:sldTgt/>
+                  </p:tgtEl>
+                </p:cond>
+              </p:nextCondLst>
+            </p:seq>
+          </p:childTnLst>
+        </p:cTn>
+      </p:par>
+    </p:tnLst>
+  </p:timing>
+</p:sld>
+</file>
+
+<file path=ppt/slides/slide29.xml><?xml version="1.0" encoding="utf-8"?>
+<p:sld xmlns:a="http://schemas.openxmlformats.org/drawingml/2006/main" xmlns:r="http://schemas.openxmlformats.org/officeDocument/2006/relationships" xmlns:p="http://schemas.openxmlformats.org/presentationml/2006/main">
+  <p:cSld>
+    <p:spTree>
+      <p:nvGrpSpPr>
+        <p:cNvPr id="1" name=""/>
+        <p:cNvGrpSpPr/>
+        <p:nvPr/>
+      </p:nvGrpSpPr>
+      <p:grpSpPr>
+        <a:xfrm>
+          <a:off x="0" y="0"/>
+          <a:ext cx="0" cy="0"/>
+          <a:chOff x="0" y="0"/>
+          <a:chExt cx="0" cy="0"/>
+        </a:xfrm>
+      </p:grpSpPr>
+      <p:sp>
+        <p:nvSpPr>
+          <p:cNvPr id="2" name="Title 1">
+            <a:extLst>
+              <a:ext uri="{FF2B5EF4-FFF2-40B4-BE49-F238E27FC236}">
+                <a16:creationId xmlns:a16="http://schemas.microsoft.com/office/drawing/2014/main" id="{51D846BF-C750-40FE-816C-69994098DE52}"/>
+              </a:ext>
+            </a:extLst>
+          </p:cNvPr>
+          <p:cNvSpPr>
+            <a:spLocks noGrp="1"/>
+          </p:cNvSpPr>
+          <p:nvPr>
+            <p:ph type="title"/>
+          </p:nvPr>
+        </p:nvSpPr>
+        <p:spPr/>
+        <p:txBody>
+          <a:bodyPr/>
+          <a:lstStyle/>
+          <a:p>
+            <a:r>
+              <a:rPr lang="en-US" dirty="0"/>
+              <a:t>Algo 2</a:t>
+            </a:r>
+          </a:p>
+        </p:txBody>
+      </p:sp>
+      <p:sp>
+        <p:nvSpPr>
+          <p:cNvPr id="3" name="Content Placeholder 2">
+            <a:extLst>
+              <a:ext uri="{FF2B5EF4-FFF2-40B4-BE49-F238E27FC236}">
+                <a16:creationId xmlns:a16="http://schemas.microsoft.com/office/drawing/2014/main" id="{66958A98-365D-41B4-A406-634DE21AABA2}"/>
+              </a:ext>
+            </a:extLst>
+          </p:cNvPr>
+          <p:cNvSpPr>
+            <a:spLocks noGrp="1"/>
+          </p:cNvSpPr>
+          <p:nvPr>
+            <p:ph idx="1"/>
+          </p:nvPr>
+        </p:nvSpPr>
+        <p:spPr/>
+        <p:txBody>
+          <a:bodyPr/>
+          <a:lstStyle/>
+          <a:p>
+            <a:pPr>
+              <a:buFont typeface="Wingdings" panose="05000000000000000000" pitchFamily="2" charset="2"/>
+              <a:buChar char="q"/>
+            </a:pPr>
+            <a:r>
+              <a:rPr lang="en-US" dirty="0"/>
+              <a:t> [1990-01-01, 1991-01-01] ~ 1yr</a:t>
+            </a:r>
+          </a:p>
+          <a:p>
+            <a:pPr>
+              <a:buFont typeface="Wingdings" panose="05000000000000000000" pitchFamily="2" charset="2"/>
+              <a:buChar char="q"/>
+            </a:pPr>
+            <a:r>
+              <a:rPr lang="en-US" dirty="0"/>
+              <a:t> [1991-08-01, 1997-05-01] ~ 6.7yr</a:t>
+            </a:r>
+          </a:p>
+          <a:p>
+            <a:pPr>
+              <a:buFont typeface="Wingdings" panose="05000000000000000000" pitchFamily="2" charset="2"/>
+              <a:buChar char="q"/>
+            </a:pPr>
+            <a:r>
+              <a:rPr lang="en-US" dirty="0"/>
+              <a:t>[1997 -06-01, 2021-06-01] ~ 24 </a:t>
+            </a:r>
+            <a:r>
+              <a:rPr lang="en-US" dirty="0" err="1"/>
+              <a:t>yr</a:t>
+            </a:r>
+            <a:endParaRPr lang="en-US" dirty="0"/>
+          </a:p>
+          <a:p>
+            <a:pPr>
+              <a:buFont typeface="Wingdings" panose="05000000000000000000" pitchFamily="2" charset="2"/>
+              <a:buChar char="q"/>
+            </a:pPr>
+            <a:r>
+              <a:rPr lang="en-US" dirty="0"/>
+              <a:t> Total </a:t>
+            </a:r>
+            <a:r>
+              <a:rPr lang="en-US" dirty="0" err="1"/>
+              <a:t>YoE</a:t>
+            </a:r>
+            <a:r>
+              <a:rPr lang="en-US" dirty="0"/>
+              <a:t> ~ 30.7 </a:t>
+            </a:r>
+            <a:r>
+              <a:rPr lang="en-US" dirty="0" err="1"/>
+              <a:t>yr</a:t>
+            </a:r>
+            <a:endParaRPr lang="en-US" dirty="0"/>
+          </a:p>
+          <a:p>
+            <a:pPr>
+              <a:buFont typeface="Wingdings" panose="05000000000000000000" pitchFamily="2" charset="2"/>
+              <a:buChar char="q"/>
+            </a:pPr>
+            <a:r>
+              <a:rPr lang="en-US" dirty="0"/>
+              <a:t> Total Career length =&gt; [1990-01-01 , 2021-06-01]  ~ 31.5 </a:t>
+            </a:r>
+            <a:r>
+              <a:rPr lang="en-US" dirty="0" err="1"/>
+              <a:t>Yr</a:t>
+            </a:r>
+            <a:endParaRPr lang="en-US" dirty="0"/>
+          </a:p>
+          <a:p>
+            <a:pPr>
+              <a:buFont typeface="Wingdings" panose="05000000000000000000" pitchFamily="2" charset="2"/>
+              <a:buChar char="q"/>
+            </a:pPr>
+            <a:r>
+              <a:rPr lang="en-US" dirty="0"/>
+              <a:t> Total Gap =&gt; 31.5 – 30.7 ~ 0.75 </a:t>
+            </a:r>
+            <a:r>
+              <a:rPr lang="en-US" dirty="0" err="1"/>
+              <a:t>yr</a:t>
+            </a:r>
+            <a:endParaRPr lang="en-US" dirty="0"/>
+          </a:p>
+          <a:p>
+            <a:pPr>
+              <a:buFont typeface="Wingdings" panose="05000000000000000000" pitchFamily="2" charset="2"/>
+              <a:buChar char="q"/>
+            </a:pPr>
+            <a:r>
+              <a:rPr lang="en-US" dirty="0"/>
+              <a:t> Time Taken 150 Seconds for whole dataset</a:t>
+            </a:r>
+          </a:p>
+          <a:p>
+            <a:pPr marL="0" indent="0">
+              <a:buNone/>
+            </a:pPr>
+            <a:endParaRPr lang="en-US" dirty="0"/>
+          </a:p>
+          <a:p>
+            <a:pPr marL="0" indent="0">
+              <a:buNone/>
+            </a:pPr>
+            <a:r>
+              <a:rPr lang="en-US" dirty="0"/>
+              <a:t> </a:t>
+            </a:r>
+          </a:p>
+          <a:p>
+            <a:pPr>
+              <a:buFont typeface="Wingdings" panose="05000000000000000000" pitchFamily="2" charset="2"/>
+              <a:buChar char="q"/>
+            </a:pPr>
+            <a:endParaRPr lang="en-US" dirty="0"/>
+          </a:p>
+        </p:txBody>
+      </p:sp>
+    </p:spTree>
+    <p:extLst>
+      <p:ext uri="{BB962C8B-B14F-4D97-AF65-F5344CB8AC3E}">
+        <p14:creationId xmlns:p14="http://schemas.microsoft.com/office/powerpoint/2010/main" val="3023959324"/>
       </p:ext>
     </p:extLst>
   </p:cSld>
@@ -34386,6 +39705,624 @@
     <p:extLst>
       <p:ext uri="{BB962C8B-B14F-4D97-AF65-F5344CB8AC3E}">
         <p14:creationId xmlns:p14="http://schemas.microsoft.com/office/powerpoint/2010/main" val="3760089724"/>
+      </p:ext>
+    </p:extLst>
+  </p:cSld>
+  <p:clrMapOvr>
+    <a:masterClrMapping/>
+  </p:clrMapOvr>
+</p:sld>
+</file>
+
+<file path=ppt/slides/slide30.xml><?xml version="1.0" encoding="utf-8"?>
+<p:sld xmlns:a="http://schemas.openxmlformats.org/drawingml/2006/main" xmlns:r="http://schemas.openxmlformats.org/officeDocument/2006/relationships" xmlns:p="http://schemas.openxmlformats.org/presentationml/2006/main">
+  <p:cSld>
+    <p:spTree>
+      <p:nvGrpSpPr>
+        <p:cNvPr id="1" name=""/>
+        <p:cNvGrpSpPr/>
+        <p:nvPr/>
+      </p:nvGrpSpPr>
+      <p:grpSpPr>
+        <a:xfrm>
+          <a:off x="0" y="0"/>
+          <a:ext cx="0" cy="0"/>
+          <a:chOff x="0" y="0"/>
+          <a:chExt cx="0" cy="0"/>
+        </a:xfrm>
+      </p:grpSpPr>
+      <p:sp>
+        <p:nvSpPr>
+          <p:cNvPr id="2" name="Title 1">
+            <a:extLst>
+              <a:ext uri="{FF2B5EF4-FFF2-40B4-BE49-F238E27FC236}">
+                <a16:creationId xmlns:a16="http://schemas.microsoft.com/office/drawing/2014/main" id="{E4D40F39-05F0-4377-9B26-544188731518}"/>
+              </a:ext>
+            </a:extLst>
+          </p:cNvPr>
+          <p:cNvSpPr>
+            <a:spLocks noGrp="1"/>
+          </p:cNvSpPr>
+          <p:nvPr>
+            <p:ph type="title"/>
+          </p:nvPr>
+        </p:nvSpPr>
+        <p:spPr/>
+        <p:txBody>
+          <a:bodyPr/>
+          <a:lstStyle/>
+          <a:p>
+            <a:r>
+              <a:rPr lang="en-US" dirty="0"/>
+              <a:t>Case 1</a:t>
+            </a:r>
+          </a:p>
+        </p:txBody>
+      </p:sp>
+      <p:sp>
+        <p:nvSpPr>
+          <p:cNvPr id="3" name="Content Placeholder 2">
+            <a:extLst>
+              <a:ext uri="{FF2B5EF4-FFF2-40B4-BE49-F238E27FC236}">
+                <a16:creationId xmlns:a16="http://schemas.microsoft.com/office/drawing/2014/main" id="{32247AAB-D3EB-4505-ACA4-A749F9922293}"/>
+              </a:ext>
+            </a:extLst>
+          </p:cNvPr>
+          <p:cNvSpPr>
+            <a:spLocks noGrp="1"/>
+          </p:cNvSpPr>
+          <p:nvPr>
+            <p:ph idx="1"/>
+          </p:nvPr>
+        </p:nvSpPr>
+        <p:spPr/>
+        <p:txBody>
+          <a:bodyPr/>
+          <a:lstStyle/>
+          <a:p>
+            <a:r>
+              <a:rPr lang="en-US" dirty="0"/>
+              <a:t> </a:t>
+            </a:r>
+          </a:p>
+          <a:p>
+            <a:endParaRPr lang="en-US" dirty="0"/>
+          </a:p>
+          <a:p>
+            <a:endParaRPr lang="en-US" dirty="0"/>
+          </a:p>
+          <a:p>
+            <a:pPr>
+              <a:buFont typeface="Wingdings" panose="05000000000000000000" pitchFamily="2" charset="2"/>
+              <a:buChar char="q"/>
+            </a:pPr>
+            <a:r>
+              <a:rPr lang="en-US" dirty="0"/>
+              <a:t> End date before Start date</a:t>
+            </a:r>
+          </a:p>
+          <a:p>
+            <a:pPr lvl="1">
+              <a:buFont typeface="Wingdings" panose="05000000000000000000" pitchFamily="2" charset="2"/>
+              <a:buChar char="q"/>
+            </a:pPr>
+            <a:r>
+              <a:rPr lang="en-US" dirty="0"/>
+              <a:t> Dropping the entry</a:t>
+            </a:r>
+          </a:p>
+          <a:p>
+            <a:pPr lvl="1">
+              <a:buFont typeface="Wingdings" panose="05000000000000000000" pitchFamily="2" charset="2"/>
+              <a:buChar char="q"/>
+            </a:pPr>
+            <a:r>
+              <a:rPr lang="en-US" dirty="0"/>
+              <a:t> Swapping </a:t>
+            </a:r>
+          </a:p>
+        </p:txBody>
+      </p:sp>
+      <p:pic>
+        <p:nvPicPr>
+          <p:cNvPr id="5" name="Picture 4">
+            <a:extLst>
+              <a:ext uri="{FF2B5EF4-FFF2-40B4-BE49-F238E27FC236}">
+                <a16:creationId xmlns:a16="http://schemas.microsoft.com/office/drawing/2014/main" id="{CD08832A-00D4-47A5-943D-31E984F53087}"/>
+              </a:ext>
+            </a:extLst>
+          </p:cNvPr>
+          <p:cNvPicPr>
+            <a:picLocks noChangeAspect="1"/>
+          </p:cNvPicPr>
+          <p:nvPr/>
+        </p:nvPicPr>
+        <p:blipFill>
+          <a:blip r:embed="rId2"/>
+          <a:stretch>
+            <a:fillRect/>
+          </a:stretch>
+        </p:blipFill>
+        <p:spPr>
+          <a:xfrm>
+            <a:off x="1195073" y="1858293"/>
+            <a:ext cx="4627300" cy="1085873"/>
+          </a:xfrm>
+          <a:prstGeom prst="rect">
+            <a:avLst/>
+          </a:prstGeom>
+        </p:spPr>
+      </p:pic>
+    </p:spTree>
+    <p:extLst>
+      <p:ext uri="{BB962C8B-B14F-4D97-AF65-F5344CB8AC3E}">
+        <p14:creationId xmlns:p14="http://schemas.microsoft.com/office/powerpoint/2010/main" val="187199493"/>
+      </p:ext>
+    </p:extLst>
+  </p:cSld>
+  <p:clrMapOvr>
+    <a:masterClrMapping/>
+  </p:clrMapOvr>
+  <p:timing>
+    <p:tnLst>
+      <p:par>
+        <p:cTn id="1" dur="indefinite" restart="never" nodeType="tmRoot">
+          <p:childTnLst>
+            <p:seq concurrent="1" nextAc="seek">
+              <p:cTn id="2" dur="indefinite" nodeType="mainSeq">
+                <p:childTnLst>
+                  <p:par>
+                    <p:cTn id="3" fill="hold">
+                      <p:stCondLst>
+                        <p:cond delay="indefinite"/>
+                      </p:stCondLst>
+                      <p:childTnLst>
+                        <p:par>
+                          <p:cTn id="4" fill="hold">
+                            <p:stCondLst>
+                              <p:cond delay="0"/>
+                            </p:stCondLst>
+                            <p:childTnLst>
+                              <p:par>
+                                <p:cTn id="5" presetID="19" presetClass="emph" presetSubtype="0" fill="hold" nodeType="clickEffect">
+                                  <p:stCondLst>
+                                    <p:cond delay="0"/>
+                                  </p:stCondLst>
+                                  <p:childTnLst>
+                                    <p:animClr clrSpc="rgb" dir="cw">
+                                      <p:cBhvr override="childStyle">
+                                        <p:cTn id="6" dur="500" fill="hold"/>
+                                        <p:tgtEl>
+                                          <p:spTgt spid="3">
+                                            <p:txEl>
+                                              <p:pRg st="5" end="5"/>
+                                            </p:txEl>
+                                          </p:spTgt>
+                                        </p:tgtEl>
+                                        <p:attrNameLst>
+                                          <p:attrName>style.color</p:attrName>
+                                        </p:attrNameLst>
+                                      </p:cBhvr>
+                                      <p:to>
+                                        <a:srgbClr val="00B050"/>
+                                      </p:to>
+                                    </p:animClr>
+                                    <p:animClr clrSpc="rgb" dir="cw">
+                                      <p:cBhvr>
+                                        <p:cTn id="7" dur="500" fill="hold"/>
+                                        <p:tgtEl>
+                                          <p:spTgt spid="3">
+                                            <p:txEl>
+                                              <p:pRg st="5" end="5"/>
+                                            </p:txEl>
+                                          </p:spTgt>
+                                        </p:tgtEl>
+                                        <p:attrNameLst>
+                                          <p:attrName>fillcolor</p:attrName>
+                                        </p:attrNameLst>
+                                      </p:cBhvr>
+                                      <p:to>
+                                        <a:srgbClr val="00B050"/>
+                                      </p:to>
+                                    </p:animClr>
+                                    <p:set>
+                                      <p:cBhvr>
+                                        <p:cTn id="8" dur="500" fill="hold"/>
+                                        <p:tgtEl>
+                                          <p:spTgt spid="3">
+                                            <p:txEl>
+                                              <p:pRg st="5" end="5"/>
+                                            </p:txEl>
+                                          </p:spTgt>
+                                        </p:tgtEl>
+                                        <p:attrNameLst>
+                                          <p:attrName>fill.type</p:attrName>
+                                        </p:attrNameLst>
+                                      </p:cBhvr>
+                                      <p:to>
+                                        <p:strVal val="solid"/>
+                                      </p:to>
+                                    </p:set>
+                                    <p:set>
+                                      <p:cBhvr>
+                                        <p:cTn id="9" dur="500" fill="hold"/>
+                                        <p:tgtEl>
+                                          <p:spTgt spid="3">
+                                            <p:txEl>
+                                              <p:pRg st="5" end="5"/>
+                                            </p:txEl>
+                                          </p:spTgt>
+                                        </p:tgtEl>
+                                        <p:attrNameLst>
+                                          <p:attrName>fill.on</p:attrName>
+                                        </p:attrNameLst>
+                                      </p:cBhvr>
+                                      <p:to>
+                                        <p:strVal val="true"/>
+                                      </p:to>
+                                    </p:set>
+                                  </p:childTnLst>
+                                </p:cTn>
+                              </p:par>
+                            </p:childTnLst>
+                          </p:cTn>
+                        </p:par>
+                      </p:childTnLst>
+                    </p:cTn>
+                  </p:par>
+                </p:childTnLst>
+              </p:cTn>
+              <p:prevCondLst>
+                <p:cond evt="onPrev" delay="0">
+                  <p:tgtEl>
+                    <p:sldTgt/>
+                  </p:tgtEl>
+                </p:cond>
+              </p:prevCondLst>
+              <p:nextCondLst>
+                <p:cond evt="onNext" delay="0">
+                  <p:tgtEl>
+                    <p:sldTgt/>
+                  </p:tgtEl>
+                </p:cond>
+              </p:nextCondLst>
+            </p:seq>
+          </p:childTnLst>
+        </p:cTn>
+      </p:par>
+    </p:tnLst>
+  </p:timing>
+</p:sld>
+</file>
+
+<file path=ppt/slides/slide31.xml><?xml version="1.0" encoding="utf-8"?>
+<p:sld xmlns:a="http://schemas.openxmlformats.org/drawingml/2006/main" xmlns:r="http://schemas.openxmlformats.org/officeDocument/2006/relationships" xmlns:p="http://schemas.openxmlformats.org/presentationml/2006/main">
+  <p:cSld>
+    <p:spTree>
+      <p:nvGrpSpPr>
+        <p:cNvPr id="1" name=""/>
+        <p:cNvGrpSpPr/>
+        <p:nvPr/>
+      </p:nvGrpSpPr>
+      <p:grpSpPr>
+        <a:xfrm>
+          <a:off x="0" y="0"/>
+          <a:ext cx="0" cy="0"/>
+          <a:chOff x="0" y="0"/>
+          <a:chExt cx="0" cy="0"/>
+        </a:xfrm>
+      </p:grpSpPr>
+      <p:sp>
+        <p:nvSpPr>
+          <p:cNvPr id="2" name="Title 1">
+            <a:extLst>
+              <a:ext uri="{FF2B5EF4-FFF2-40B4-BE49-F238E27FC236}">
+                <a16:creationId xmlns:a16="http://schemas.microsoft.com/office/drawing/2014/main" id="{E4D40F39-05F0-4377-9B26-544188731518}"/>
+              </a:ext>
+            </a:extLst>
+          </p:cNvPr>
+          <p:cNvSpPr>
+            <a:spLocks noGrp="1"/>
+          </p:cNvSpPr>
+          <p:nvPr>
+            <p:ph type="title"/>
+          </p:nvPr>
+        </p:nvSpPr>
+        <p:spPr/>
+        <p:txBody>
+          <a:bodyPr/>
+          <a:lstStyle/>
+          <a:p>
+            <a:r>
+              <a:rPr lang="en-US" dirty="0"/>
+              <a:t>Case 2</a:t>
+            </a:r>
+          </a:p>
+        </p:txBody>
+      </p:sp>
+      <mc:AlternateContent xmlns:mc="http://schemas.openxmlformats.org/markup-compatibility/2006">
+        <mc:Choice xmlns:a14="http://schemas.microsoft.com/office/drawing/2010/main" Requires="a14">
+          <p:sp>
+            <p:nvSpPr>
+              <p:cNvPr id="3" name="Content Placeholder 2">
+                <a:extLst>
+                  <a:ext uri="{FF2B5EF4-FFF2-40B4-BE49-F238E27FC236}">
+                    <a16:creationId xmlns:a16="http://schemas.microsoft.com/office/drawing/2014/main" id="{32247AAB-D3EB-4505-ACA4-A749F9922293}"/>
+                  </a:ext>
+                </a:extLst>
+              </p:cNvPr>
+              <p:cNvSpPr>
+                <a:spLocks noGrp="1"/>
+              </p:cNvSpPr>
+              <p:nvPr>
+                <p:ph idx="1"/>
+              </p:nvPr>
+            </p:nvSpPr>
+            <p:spPr/>
+            <p:txBody>
+              <a:bodyPr/>
+              <a:lstStyle/>
+              <a:p>
+                <a:r>
+                  <a:rPr lang="en-US" dirty="0"/>
+                  <a:t> </a:t>
+                </a:r>
+              </a:p>
+              <a:p>
+                <a:endParaRPr lang="en-US" dirty="0"/>
+              </a:p>
+              <a:p>
+                <a:endParaRPr lang="en-US" dirty="0"/>
+              </a:p>
+              <a:p>
+                <a:endParaRPr lang="en-US" dirty="0"/>
+              </a:p>
+              <a:p>
+                <a:pPr>
+                  <a:buFont typeface="Wingdings" panose="05000000000000000000" pitchFamily="2" charset="2"/>
+                  <a:buChar char="q"/>
+                </a:pPr>
+                <a:r>
+                  <a:rPr lang="en-US" dirty="0"/>
+                  <a:t> No End Date Mentioned</a:t>
+                </a:r>
+              </a:p>
+              <a:p>
+                <a:pPr marL="544068" lvl="1" indent="-342900">
+                  <a:buFont typeface="+mj-lt"/>
+                  <a:buAutoNum type="arabicPeriod"/>
+                </a:pPr>
+                <a:r>
+                  <a:rPr lang="en-US" dirty="0"/>
+                  <a:t> Filling with “Current” </a:t>
+                </a:r>
+              </a:p>
+              <a:p>
+                <a:pPr marL="544068" lvl="1" indent="-342900">
+                  <a:buFont typeface="+mj-lt"/>
+                  <a:buAutoNum type="arabicPeriod"/>
+                </a:pPr>
+                <a:r>
+                  <a:rPr lang="en-US" dirty="0"/>
+                  <a:t> Dropping the data row</a:t>
+                </a:r>
+              </a:p>
+              <a:p>
+                <a:pPr marL="544068" lvl="1" indent="-342900">
+                  <a:buFont typeface="+mj-lt"/>
+                  <a:buAutoNum type="arabicPeriod"/>
+                </a:pPr>
+                <a:r>
+                  <a:rPr lang="en-US" dirty="0"/>
+                  <a:t> Filling the end date with next work- </a:t>
+                </a:r>
+                <a:r>
+                  <a:rPr lang="en-US" dirty="0" err="1"/>
+                  <a:t>start_date</a:t>
+                </a:r>
+                <a:r>
+                  <a:rPr lang="en-US" dirty="0"/>
+                  <a:t> (Assuming no gaps)</a:t>
+                </a:r>
+              </a:p>
+              <a:p>
+                <a:pPr>
+                  <a:buFont typeface="Wingdings" panose="05000000000000000000" pitchFamily="2" charset="2"/>
+                  <a:buChar char="q"/>
+                </a:pPr>
+                <a14:m>
+                  <m:oMath xmlns:m="http://schemas.openxmlformats.org/officeDocument/2006/math">
+                    <m:sSub>
+                      <m:sSubPr>
+                        <m:ctrlPr>
+                          <a:rPr lang="en-US" smtClean="0">
+                            <a:latin typeface="Cambria Math" panose="02040503050406030204" pitchFamily="18" charset="0"/>
+                          </a:rPr>
+                        </m:ctrlPr>
+                      </m:sSubPr>
+                      <m:e>
+                        <m:r>
+                          <m:rPr>
+                            <m:sty m:val="p"/>
+                          </m:rPr>
+                          <a:rPr lang="en-US" b="0" i="0" smtClean="0">
+                            <a:latin typeface="Cambria Math" panose="02040503050406030204" pitchFamily="18" charset="0"/>
+                          </a:rPr>
+                          <m:t>RMSE</m:t>
+                        </m:r>
+                      </m:e>
+                      <m:sub>
+                        <m:r>
+                          <a:rPr lang="en-US" b="0" i="0" smtClean="0">
+                            <a:latin typeface="Cambria Math" panose="02040503050406030204" pitchFamily="18" charset="0"/>
+                          </a:rPr>
+                          <m:t>3</m:t>
+                        </m:r>
+                      </m:sub>
+                    </m:sSub>
+                  </m:oMath>
+                </a14:m>
+                <a:r>
+                  <a:rPr lang="en-US" dirty="0"/>
+                  <a:t> &lt; </a:t>
+                </a:r>
+                <a14:m>
+                  <m:oMath xmlns:m="http://schemas.openxmlformats.org/officeDocument/2006/math">
+                    <m:sSub>
+                      <m:sSubPr>
+                        <m:ctrlPr>
+                          <a:rPr lang="en-US">
+                            <a:latin typeface="Cambria Math" panose="02040503050406030204" pitchFamily="18" charset="0"/>
+                          </a:rPr>
+                        </m:ctrlPr>
+                      </m:sSubPr>
+                      <m:e>
+                        <m:r>
+                          <m:rPr>
+                            <m:sty m:val="p"/>
+                          </m:rPr>
+                          <a:rPr lang="en-US" i="0">
+                            <a:latin typeface="Cambria Math" panose="02040503050406030204" pitchFamily="18" charset="0"/>
+                          </a:rPr>
+                          <m:t>RMSE</m:t>
+                        </m:r>
+                      </m:e>
+                      <m:sub>
+                        <m:r>
+                          <a:rPr lang="en-US" b="0" i="0" smtClean="0">
+                            <a:latin typeface="Cambria Math" panose="02040503050406030204" pitchFamily="18" charset="0"/>
+                          </a:rPr>
+                          <m:t>2</m:t>
+                        </m:r>
+                      </m:sub>
+                    </m:sSub>
+                  </m:oMath>
+                </a14:m>
+                <a:r>
+                  <a:rPr lang="en-US" dirty="0"/>
+                  <a:t> &lt; </a:t>
+                </a:r>
+                <a14:m>
+                  <m:oMath xmlns:m="http://schemas.openxmlformats.org/officeDocument/2006/math">
+                    <m:sSub>
+                      <m:sSubPr>
+                        <m:ctrlPr>
+                          <a:rPr lang="en-US">
+                            <a:latin typeface="Cambria Math" panose="02040503050406030204" pitchFamily="18" charset="0"/>
+                          </a:rPr>
+                        </m:ctrlPr>
+                      </m:sSubPr>
+                      <m:e>
+                        <m:r>
+                          <m:rPr>
+                            <m:sty m:val="p"/>
+                          </m:rPr>
+                          <a:rPr lang="en-US" i="0">
+                            <a:latin typeface="Cambria Math" panose="02040503050406030204" pitchFamily="18" charset="0"/>
+                          </a:rPr>
+                          <m:t>RMSE</m:t>
+                        </m:r>
+                      </m:e>
+                      <m:sub>
+                        <m:r>
+                          <a:rPr lang="en-US" b="0" i="0" smtClean="0">
+                            <a:latin typeface="Cambria Math" panose="02040503050406030204" pitchFamily="18" charset="0"/>
+                          </a:rPr>
+                          <m:t>1</m:t>
+                        </m:r>
+                      </m:sub>
+                    </m:sSub>
+                  </m:oMath>
+                </a14:m>
+                <a:r>
+                  <a:rPr lang="en-US" dirty="0"/>
+                  <a:t> with the Algo2</a:t>
+                </a:r>
+              </a:p>
+              <a:p>
+                <a:pPr>
+                  <a:buFont typeface="Wingdings" panose="05000000000000000000" pitchFamily="2" charset="2"/>
+                  <a:buChar char="q"/>
+                </a:pPr>
+                <a:endParaRPr lang="en-US" dirty="0"/>
+              </a:p>
+            </p:txBody>
+          </p:sp>
+        </mc:Choice>
+        <mc:Fallback>
+          <p:sp>
+            <p:nvSpPr>
+              <p:cNvPr id="3" name="Content Placeholder 2">
+                <a:extLst>
+                  <a:ext uri="{FF2B5EF4-FFF2-40B4-BE49-F238E27FC236}">
+                    <a16:creationId xmlns:a16="http://schemas.microsoft.com/office/drawing/2014/main" id="{32247AAB-D3EB-4505-ACA4-A749F9922293}"/>
+                  </a:ext>
+                </a:extLst>
+              </p:cNvPr>
+              <p:cNvSpPr>
+                <a:spLocks noGrp="1" noRot="1" noChangeAspect="1" noMove="1" noResize="1" noEditPoints="1" noAdjustHandles="1" noChangeArrowheads="1" noChangeShapeType="1" noTextEdit="1"/>
+              </p:cNvSpPr>
+              <p:nvPr>
+                <p:ph idx="1"/>
+              </p:nvPr>
+            </p:nvSpPr>
+            <p:spPr>
+              <a:blipFill>
+                <a:blip r:embed="rId2"/>
+                <a:stretch>
+                  <a:fillRect l="-1455"/>
+                </a:stretch>
+              </a:blipFill>
+            </p:spPr>
+            <p:txBody>
+              <a:bodyPr/>
+              <a:lstStyle/>
+              <a:p>
+                <a:r>
+                  <a:rPr lang="en-US">
+                    <a:noFill/>
+                  </a:rPr>
+                  <a:t> </a:t>
+                </a:r>
+              </a:p>
+            </p:txBody>
+          </p:sp>
+        </mc:Fallback>
+      </mc:AlternateContent>
+      <p:pic>
+        <p:nvPicPr>
+          <p:cNvPr id="6" name="Picture 5">
+            <a:extLst>
+              <a:ext uri="{FF2B5EF4-FFF2-40B4-BE49-F238E27FC236}">
+                <a16:creationId xmlns:a16="http://schemas.microsoft.com/office/drawing/2014/main" id="{3CA6FE07-CE71-4201-9738-CAD71B8B0B57}"/>
+              </a:ext>
+            </a:extLst>
+          </p:cNvPr>
+          <p:cNvPicPr>
+            <a:picLocks noChangeAspect="1"/>
+          </p:cNvPicPr>
+          <p:nvPr/>
+        </p:nvPicPr>
+        <p:blipFill>
+          <a:blip r:embed="rId3"/>
+          <a:stretch>
+            <a:fillRect/>
+          </a:stretch>
+        </p:blipFill>
+        <p:spPr>
+          <a:xfrm>
+            <a:off x="1369088" y="1845734"/>
+            <a:ext cx="2338754" cy="1700912"/>
+          </a:xfrm>
+          <a:prstGeom prst="rect">
+            <a:avLst/>
+          </a:prstGeom>
+        </p:spPr>
+      </p:pic>
+    </p:spTree>
+    <p:extLst>
+      <p:ext uri="{BB962C8B-B14F-4D97-AF65-F5344CB8AC3E}">
+        <p14:creationId xmlns:p14="http://schemas.microsoft.com/office/powerpoint/2010/main" val="3813570157"/>
       </p:ext>
     </p:extLst>
   </p:cSld>
